--- a/Docs/FinalPresentationPFE.pptx
+++ b/Docs/FinalPresentationPFE.pptx
@@ -5,7 +5,7 @@
     <p:sldMasterId id="2147483782" r:id="rId1"/>
   </p:sldMasterIdLst>
   <p:notesMasterIdLst>
-    <p:notesMasterId r:id="rId19"/>
+    <p:notesMasterId r:id="rId23"/>
   </p:notesMasterIdLst>
   <p:sldIdLst>
     <p:sldId id="256" r:id="rId2"/>
@@ -20,11 +20,15 @@
     <p:sldId id="465" r:id="rId11"/>
     <p:sldId id="451" r:id="rId12"/>
     <p:sldId id="493" r:id="rId13"/>
-    <p:sldId id="487" r:id="rId14"/>
-    <p:sldId id="491" r:id="rId15"/>
-    <p:sldId id="498" r:id="rId16"/>
-    <p:sldId id="399" r:id="rId17"/>
-    <p:sldId id="497" r:id="rId18"/>
+    <p:sldId id="501" r:id="rId14"/>
+    <p:sldId id="500" r:id="rId15"/>
+    <p:sldId id="499" r:id="rId16"/>
+    <p:sldId id="502" r:id="rId17"/>
+    <p:sldId id="487" r:id="rId18"/>
+    <p:sldId id="491" r:id="rId19"/>
+    <p:sldId id="498" r:id="rId20"/>
+    <p:sldId id="399" r:id="rId21"/>
+    <p:sldId id="497" r:id="rId22"/>
   </p:sldIdLst>
   <p:sldSz cx="9144000" cy="6858000" type="screen4x3"/>
   <p:notesSz cx="6858000" cy="9144000"/>
@@ -225,7 +229,7 @@
             <a:fld id="{EED4AB7F-6D35-4A40-B0DB-10E886C3E294}" type="datetimeFigureOut">
               <a:rPr lang="en-US" smtClean="0"/>
               <a:pPr/>
-              <a:t>3/1/2015</a:t>
+              <a:t>3/5/2015</a:t>
             </a:fld>
             <a:endParaRPr lang="en-US"/>
           </a:p>
@@ -912,7 +916,7 @@
             <a:fld id="{8941CC67-21BC-482F-B6D0-C2B1BAA44D12}" type="slidenum">
               <a:rPr lang="en-US" smtClean="0"/>
               <a:pPr/>
-              <a:t>13</a:t>
+              <a:t>17</a:t>
             </a:fld>
             <a:endParaRPr lang="en-US"/>
           </a:p>
@@ -1015,7 +1019,7 @@
             <a:fld id="{8941CC67-21BC-482F-B6D0-C2B1BAA44D12}" type="slidenum">
               <a:rPr lang="en-US" smtClean="0"/>
               <a:pPr/>
-              <a:t>14</a:t>
+              <a:t>18</a:t>
             </a:fld>
             <a:endParaRPr lang="en-US"/>
           </a:p>
@@ -1100,7 +1104,7 @@
             <a:fld id="{8941CC67-21BC-482F-B6D0-C2B1BAA44D12}" type="slidenum">
               <a:rPr lang="en-US" smtClean="0"/>
               <a:pPr/>
-              <a:t>15</a:t>
+              <a:t>19</a:t>
             </a:fld>
             <a:endParaRPr lang="en-US"/>
           </a:p>
@@ -1187,7 +1191,7 @@
             <a:fld id="{8941CC67-21BC-482F-B6D0-C2B1BAA44D12}" type="slidenum">
               <a:rPr lang="en-US" smtClean="0"/>
               <a:pPr/>
-              <a:t>16</a:t>
+              <a:t>20</a:t>
             </a:fld>
             <a:endParaRPr lang="en-US"/>
           </a:p>
@@ -1274,7 +1278,7 @@
             <a:fld id="{8941CC67-21BC-482F-B6D0-C2B1BAA44D12}" type="slidenum">
               <a:rPr lang="en-US" smtClean="0"/>
               <a:pPr/>
-              <a:t>17</a:t>
+              <a:t>21</a:t>
             </a:fld>
             <a:endParaRPr lang="en-US"/>
           </a:p>
@@ -1517,15 +1521,6 @@
           </a:bodyPr>
           <a:lstStyle/>
           <a:p>
-            <a:endParaRPr lang="en-US" sz="1200" dirty="0" smtClean="0"/>
-          </a:p>
-          <a:p>
-            <a:endParaRPr lang="en-US" sz="1200" dirty="0" smtClean="0"/>
-          </a:p>
-          <a:p>
-            <a:endParaRPr lang="en-US" sz="1200" dirty="0" smtClean="0"/>
-          </a:p>
-          <a:p>
             <a:endParaRPr lang="fr-FR" dirty="0"/>
           </a:p>
         </p:txBody>
@@ -1613,32 +1608,6 @@
           </a:bodyPr>
           <a:lstStyle/>
           <a:p>
-            <a:r>
-              <a:rPr lang="fr-FR" dirty="0" smtClean="0"/>
-              <a:t> </a:t>
-            </a:r>
-          </a:p>
-          <a:p>
-            <a:pPr marL="0" marR="0" indent="0" algn="l" defTabSz="914400" rtl="0" eaLnBrk="1" fontAlgn="auto" latinLnBrk="0" hangingPunct="1">
-              <a:lnSpc>
-                <a:spcPct val="100000"/>
-              </a:lnSpc>
-              <a:spcBef>
-                <a:spcPts val="0"/>
-              </a:spcBef>
-              <a:spcAft>
-                <a:spcPts val="0"/>
-              </a:spcAft>
-              <a:buClrTx/>
-              <a:buSzTx/>
-              <a:buFontTx/>
-              <a:buNone/>
-              <a:tabLst/>
-              <a:defRPr/>
-            </a:pPr>
-            <a:endParaRPr lang="en-US" dirty="0" smtClean="0"/>
-          </a:p>
-          <a:p>
             <a:pPr marL="0" marR="0" indent="0" algn="l" defTabSz="914400" rtl="0" eaLnBrk="1" fontAlgn="auto" latinLnBrk="0" hangingPunct="1">
               <a:lnSpc>
                 <a:spcPct val="100000"/>
@@ -2231,7 +2200,7 @@
           <a:p>
             <a:fld id="{39A0B938-1D2B-4E45-B546-905FEFC099C3}" type="datetime1">
               <a:rPr lang="fr-FR" smtClean="0"/>
-              <a:t>01/03/2015</a:t>
+              <a:t>05/03/2015</a:t>
             </a:fld>
             <a:endParaRPr lang="fr-BE"/>
           </a:p>
@@ -2526,7 +2495,7 @@
           <a:p>
             <a:fld id="{E66512CA-E1A7-4143-BAC8-5FC36AE4E0E9}" type="datetime1">
               <a:rPr lang="fr-FR" smtClean="0"/>
-              <a:t>01/03/2015</a:t>
+              <a:t>05/03/2015</a:t>
             </a:fld>
             <a:endParaRPr lang="fr-BE"/>
           </a:p>
@@ -2721,7 +2690,7 @@
           <a:p>
             <a:fld id="{A8BB09D9-83A1-459F-B23A-F01FF2E94EFE}" type="datetime1">
               <a:rPr lang="fr-FR" smtClean="0"/>
-              <a:t>01/03/2015</a:t>
+              <a:t>05/03/2015</a:t>
             </a:fld>
             <a:endParaRPr lang="fr-BE"/>
           </a:p>
@@ -2995,7 +2964,7 @@
           <a:p>
             <a:fld id="{553C583E-EDD3-46BC-B8A3-BE6C0F341412}" type="datetime1">
               <a:rPr lang="fr-FR" smtClean="0"/>
-              <a:t>01/03/2015</a:t>
+              <a:t>05/03/2015</a:t>
             </a:fld>
             <a:endParaRPr lang="fr-BE"/>
           </a:p>
@@ -3337,7 +3306,7 @@
           <a:p>
             <a:fld id="{6197EE1B-84FE-47FC-B22E-DC5F9141E159}" type="datetime1">
               <a:rPr lang="fr-FR" smtClean="0"/>
-              <a:t>01/03/2015</a:t>
+              <a:t>05/03/2015</a:t>
             </a:fld>
             <a:endParaRPr lang="fr-BE"/>
           </a:p>
@@ -3961,7 +3930,7 @@
           <a:p>
             <a:fld id="{6AA9E730-A231-4F90-AE54-AD76A5D3C9FF}" type="datetime1">
               <a:rPr lang="fr-FR" smtClean="0"/>
-              <a:t>01/03/2015</a:t>
+              <a:t>05/03/2015</a:t>
             </a:fld>
             <a:endParaRPr lang="fr-BE"/>
           </a:p>
@@ -4822,7 +4791,7 @@
           <a:p>
             <a:fld id="{B9B08339-78BA-44BF-827F-8473FD30D394}" type="datetime1">
               <a:rPr lang="fr-FR" smtClean="0"/>
-              <a:t>01/03/2015</a:t>
+              <a:t>05/03/2015</a:t>
             </a:fld>
             <a:endParaRPr lang="fr-BE"/>
           </a:p>
@@ -4993,7 +4962,7 @@
           <a:p>
             <a:fld id="{8A84E51F-3333-4960-8CEE-F76354836025}" type="datetime1">
               <a:rPr lang="fr-FR" smtClean="0"/>
-              <a:t>01/03/2015</a:t>
+              <a:t>05/03/2015</a:t>
             </a:fld>
             <a:endParaRPr lang="fr-BE"/>
           </a:p>
@@ -5193,7 +5162,7 @@
           <a:p>
             <a:fld id="{B9FFFED1-5077-49B9-A65D-56B3EA9B5DB8}" type="datetime1">
               <a:rPr lang="fr-FR" smtClean="0"/>
-              <a:t>01/03/2015</a:t>
+              <a:t>05/03/2015</a:t>
             </a:fld>
             <a:endParaRPr lang="fr-BE"/>
           </a:p>
@@ -5383,7 +5352,7 @@
           <a:p>
             <a:fld id="{06385E00-3A18-42E1-9137-0F23CD58667F}" type="datetime1">
               <a:rPr lang="fr-FR" smtClean="0"/>
-              <a:t>01/03/2015</a:t>
+              <a:t>05/03/2015</a:t>
             </a:fld>
             <a:endParaRPr lang="fr-BE"/>
           </a:p>
@@ -5650,7 +5619,7 @@
           <a:p>
             <a:fld id="{4298CB4B-E58A-47A3-9DFC-05590A559051}" type="datetime1">
               <a:rPr lang="fr-FR" smtClean="0"/>
-              <a:t>01/03/2015</a:t>
+              <a:t>05/03/2015</a:t>
             </a:fld>
             <a:endParaRPr lang="fr-BE"/>
           </a:p>
@@ -5962,7 +5931,7 @@
           <a:p>
             <a:fld id="{ACE4B045-B7C7-4F39-8D3F-3FFB146277C2}" type="datetime1">
               <a:rPr lang="fr-FR" smtClean="0"/>
-              <a:t>01/03/2015</a:t>
+              <a:t>05/03/2015</a:t>
             </a:fld>
             <a:endParaRPr lang="fr-BE"/>
           </a:p>
@@ -6426,7 +6395,7 @@
           <a:p>
             <a:fld id="{C8CCD9F2-0B4A-4519-93B9-95CE0D413F77}" type="datetime1">
               <a:rPr lang="fr-FR" smtClean="0"/>
-              <a:t>01/03/2015</a:t>
+              <a:t>05/03/2015</a:t>
             </a:fld>
             <a:endParaRPr lang="fr-BE"/>
           </a:p>
@@ -6564,7 +6533,7 @@
           <a:p>
             <a:fld id="{53318170-1D98-418B-A46B-1E1FBC346AEA}" type="datetime1">
               <a:rPr lang="fr-FR" smtClean="0"/>
-              <a:t>01/03/2015</a:t>
+              <a:t>05/03/2015</a:t>
             </a:fld>
             <a:endParaRPr lang="fr-BE"/>
           </a:p>
@@ -6679,7 +6648,7 @@
           <a:p>
             <a:fld id="{B6935708-3C4E-4D64-BD79-326BB81369E7}" type="datetime1">
               <a:rPr lang="fr-FR" smtClean="0"/>
-              <a:t>01/03/2015</a:t>
+              <a:t>05/03/2015</a:t>
             </a:fld>
             <a:endParaRPr lang="fr-BE"/>
           </a:p>
@@ -6978,7 +6947,7 @@
           <a:p>
             <a:fld id="{A491A7F2-7F55-4688-BBB1-1105A1E31393}" type="datetime1">
               <a:rPr lang="fr-FR" smtClean="0"/>
-              <a:t>01/03/2015</a:t>
+              <a:t>05/03/2015</a:t>
             </a:fld>
             <a:endParaRPr lang="fr-BE"/>
           </a:p>
@@ -7273,7 +7242,7 @@
           <a:p>
             <a:fld id="{0BB82A22-BD20-409E-84A7-D56710120697}" type="datetime1">
               <a:rPr lang="fr-FR" smtClean="0"/>
-              <a:t>01/03/2015</a:t>
+              <a:t>05/03/2015</a:t>
             </a:fld>
             <a:endParaRPr lang="fr-BE"/>
           </a:p>
@@ -7858,7 +7827,7 @@
           <a:p>
             <a:fld id="{44D2C9F2-D938-4695-852A-9A837D4DCD48}" type="datetime1">
               <a:rPr lang="fr-FR" smtClean="0"/>
-              <a:t>01/03/2015</a:t>
+              <a:t>05/03/2015</a:t>
             </a:fld>
             <a:endParaRPr lang="fr-BE"/>
           </a:p>
@@ -8782,7 +8751,19 @@
               <a:rPr lang="fr-FR" sz="1400" dirty="0">
                 <a:latin typeface="Calibri" panose="020F0502020204030204" pitchFamily="34" charset="0"/>
               </a:rPr>
-              <a:t>:  Amal ZAYANI</a:t>
+              <a:t>:  </a:t>
+            </a:r>
+            <a:r>
+              <a:rPr lang="fr-FR" sz="1400" dirty="0" smtClean="0">
+                <a:latin typeface="Calibri" panose="020F0502020204030204" pitchFamily="34" charset="0"/>
+              </a:rPr>
+              <a:t> Amal </a:t>
+            </a:r>
+            <a:r>
+              <a:rPr lang="fr-FR" sz="1400" dirty="0">
+                <a:latin typeface="Calibri" panose="020F0502020204030204" pitchFamily="34" charset="0"/>
+              </a:rPr>
+              <a:t>ZAYANI</a:t>
             </a:r>
           </a:p>
           <a:p>
@@ -9024,7 +9005,7 @@
         </p:blipFill>
         <p:spPr bwMode="auto">
           <a:xfrm>
-            <a:off x="7297117" y="1707733"/>
+            <a:off x="6769747" y="1529457"/>
             <a:ext cx="2122733" cy="304700"/>
           </a:xfrm>
           <a:prstGeom prst="rect">
@@ -9262,7 +9243,7 @@
         </p:blipFill>
         <p:spPr bwMode="auto">
           <a:xfrm>
-            <a:off x="7236768" y="1347693"/>
+            <a:off x="6709398" y="1169417"/>
             <a:ext cx="2122733" cy="344466"/>
           </a:xfrm>
           <a:prstGeom prst="rect">
@@ -10618,7 +10599,7 @@
         </p:blipFill>
         <p:spPr bwMode="auto">
           <a:xfrm rot="11516061">
-            <a:off x="6300143" y="1569149"/>
+            <a:off x="5772773" y="1390873"/>
             <a:ext cx="738187" cy="773113"/>
           </a:xfrm>
           <a:prstGeom prst="rect">
@@ -10659,7 +10640,7 @@
         </p:nvSpPr>
         <p:spPr bwMode="auto">
           <a:xfrm>
-            <a:off x="7151043" y="1231012"/>
+            <a:off x="6623673" y="1052736"/>
             <a:ext cx="1744388" cy="1261884"/>
           </a:xfrm>
           <a:prstGeom prst="rect">
@@ -12275,16 +12256,7 @@
                 </a:solidFill>
                 <a:latin typeface="Berlin Sans FB Demi" pitchFamily="34" charset="0"/>
               </a:rPr>
-              <a:t>3. </a:t>
-            </a:r>
-            <a:r>
-              <a:rPr lang="fr-FR" sz="1200" b="1" dirty="0" smtClean="0">
-                <a:solidFill>
-                  <a:schemeClr val="bg1"/>
-                </a:solidFill>
-                <a:latin typeface="Berlin Sans FB Demi" pitchFamily="34" charset="0"/>
-              </a:rPr>
-              <a:t>Solution Proposée</a:t>
+              <a:t>3. Solution Proposée</a:t>
             </a:r>
             <a:endParaRPr lang="en-US" sz="1200" dirty="0">
               <a:solidFill>
@@ -12488,25 +12460,7 @@
                 </a:solidFill>
                 <a:latin typeface="Berlin Sans FB Demi" pitchFamily="34" charset="0"/>
               </a:rPr>
-              <a:t>Conclusion </a:t>
-            </a:r>
-            <a:r>
-              <a:rPr lang="fr-FR" sz="1200" b="1" dirty="0" smtClean="0">
-                <a:solidFill>
-                  <a:schemeClr val="bg1"/>
-                </a:solidFill>
-                <a:latin typeface="Berlin Sans FB Demi" pitchFamily="34" charset="0"/>
-              </a:rPr>
-              <a:t>et</a:t>
-            </a:r>
-            <a:r>
-              <a:rPr lang="fr-FR" sz="1200" b="1" dirty="0" smtClean="0">
-                <a:solidFill>
-                  <a:schemeClr val="bg1"/>
-                </a:solidFill>
-                <a:latin typeface="Berlin Sans FB Demi" pitchFamily="34" charset="0"/>
-              </a:rPr>
-              <a:t> Perspective </a:t>
+              <a:t>Conclusion et Perspective </a:t>
             </a:r>
             <a:endParaRPr lang="en-US" sz="1200" dirty="0">
               <a:solidFill>
@@ -12990,7 +12944,7 @@
                 </a:solidFill>
                 <a:latin typeface="Berlin Sans FB Demi" pitchFamily="34" charset="0"/>
               </a:rPr>
-              <a:t>Impélemtation</a:t>
+              <a:t>Implémentation</a:t>
             </a:r>
             <a:endParaRPr lang="en-US" b="1" i="1" dirty="0">
               <a:latin typeface="Berlin Sans FB Demi" pitchFamily="34" charset="0"/>
@@ -13052,7 +13006,7 @@
         </p:blipFill>
         <p:spPr>
           <a:xfrm>
-            <a:off x="175047" y="3006069"/>
+            <a:off x="146904" y="3545708"/>
             <a:ext cx="1385926" cy="1530471"/>
           </a:xfrm>
           <a:prstGeom prst="rect">
@@ -13083,7 +13037,7 @@
         </p:blipFill>
         <p:spPr bwMode="auto">
           <a:xfrm>
-            <a:off x="2528632" y="1301719"/>
+            <a:off x="2528632" y="1751545"/>
             <a:ext cx="1735862" cy="2209649"/>
           </a:xfrm>
           <a:prstGeom prst="rect">
@@ -13162,8 +13116,8 @@
         </p:blipFill>
         <p:spPr>
           <a:xfrm>
-            <a:off x="4598852" y="3068960"/>
-            <a:ext cx="1530471" cy="1530471"/>
+            <a:off x="7536928" y="3455895"/>
+            <a:ext cx="1401817" cy="1568956"/>
           </a:xfrm>
           <a:prstGeom prst="rect">
             <a:avLst/>
@@ -13172,7 +13126,7 @@
       </p:pic>
       <p:pic>
         <p:nvPicPr>
-          <p:cNvPr id="16" name="Image 15"/>
+          <p:cNvPr id="17" name="Image 16"/>
           <p:cNvPicPr>
             <a:picLocks noChangeAspect="1"/>
           </p:cNvPicPr>
@@ -13192,8 +13146,8 @@
         </p:blipFill>
         <p:spPr>
           <a:xfrm>
-            <a:off x="7308304" y="3037346"/>
-            <a:ext cx="1562086" cy="1562086"/>
+            <a:off x="2624154" y="5535010"/>
+            <a:ext cx="1278366" cy="1278366"/>
           </a:xfrm>
           <a:prstGeom prst="rect">
             <a:avLst/>
@@ -13202,7 +13156,7 @@
       </p:pic>
       <p:pic>
         <p:nvPicPr>
-          <p:cNvPr id="17" name="Image 16"/>
+          <p:cNvPr id="22" name="Bild 4" descr="16.png"/>
           <p:cNvPicPr>
             <a:picLocks noChangeAspect="1"/>
           </p:cNvPicPr>
@@ -13216,23 +13170,224 @@
               </a:ext>
             </a:extLst>
           </a:blip>
+          <a:srcRect/>
           <a:stretch>
             <a:fillRect/>
           </a:stretch>
         </p:blipFill>
-        <p:spPr>
+        <p:spPr bwMode="auto">
           <a:xfrm>
-            <a:off x="2624154" y="5085184"/>
-            <a:ext cx="1278366" cy="1278366"/>
+            <a:off x="5256162" y="2991166"/>
+            <a:ext cx="434975" cy="455612"/>
           </a:xfrm>
           <a:prstGeom prst="rect">
             <a:avLst/>
           </a:prstGeom>
+          <a:noFill/>
+          <a:ln>
+            <a:noFill/>
+          </a:ln>
+          <a:extLst>
+            <a:ext uri="{909E8E84-426E-40DD-AFC4-6F175D3DCCD1}">
+              <a14:hiddenFill xmlns:a14="http://schemas.microsoft.com/office/drawing/2010/main">
+                <a:solidFill>
+                  <a:srgbClr val="FFFFFF"/>
+                </a:solidFill>
+              </a14:hiddenFill>
+            </a:ext>
+            <a:ext uri="{91240B29-F687-4F45-9708-019B960494DF}">
+              <a14:hiddenLine xmlns:a14="http://schemas.microsoft.com/office/drawing/2010/main" w="9525">
+                <a:solidFill>
+                  <a:srgbClr val="000000"/>
+                </a:solidFill>
+                <a:miter lim="800000"/>
+                <a:headEnd/>
+                <a:tailEnd/>
+              </a14:hiddenLine>
+            </a:ext>
+          </a:extLst>
         </p:spPr>
       </p:pic>
+      <p:sp>
+        <p:nvSpPr>
+          <p:cNvPr id="23" name="Textfeld 2"/>
+          <p:cNvSpPr txBox="1">
+            <a:spLocks noChangeArrowheads="1"/>
+          </p:cNvSpPr>
+          <p:nvPr/>
+        </p:nvSpPr>
+        <p:spPr bwMode="auto">
+          <a:xfrm>
+            <a:off x="5691137" y="2768916"/>
+            <a:ext cx="726481" cy="369332"/>
+          </a:xfrm>
+          <a:prstGeom prst="rect">
+            <a:avLst/>
+          </a:prstGeom>
+          <a:noFill/>
+          <a:ln>
+            <a:noFill/>
+          </a:ln>
+          <a:extLst>
+            <a:ext uri="{909E8E84-426E-40DD-AFC4-6F175D3DCCD1}">
+              <a14:hiddenFill xmlns:a14="http://schemas.microsoft.com/office/drawing/2010/main">
+                <a:solidFill>
+                  <a:srgbClr val="FFFFFF"/>
+                </a:solidFill>
+              </a14:hiddenFill>
+            </a:ext>
+            <a:ext uri="{91240B29-F687-4F45-9708-019B960494DF}">
+              <a14:hiddenLine xmlns:a14="http://schemas.microsoft.com/office/drawing/2010/main" w="9525">
+                <a:solidFill>
+                  <a:srgbClr val="000000"/>
+                </a:solidFill>
+                <a:miter lim="800000"/>
+                <a:headEnd/>
+                <a:tailEnd/>
+              </a14:hiddenLine>
+            </a:ext>
+          </a:extLst>
+        </p:spPr>
+        <p:txBody>
+          <a:bodyPr wrap="none">
+            <a:spAutoFit/>
+          </a:bodyPr>
+          <a:lstStyle>
+            <a:lvl1pPr>
+              <a:defRPr>
+                <a:solidFill>
+                  <a:schemeClr val="tx1"/>
+                </a:solidFill>
+                <a:latin typeface="Calibri" panose="020F0502020204030204" pitchFamily="34" charset="0"/>
+                <a:ea typeface="MS PGothic" panose="020B0600070205080204" pitchFamily="34" charset="-128"/>
+              </a:defRPr>
+            </a:lvl1pPr>
+            <a:lvl2pPr marL="742950" indent="-285750">
+              <a:defRPr>
+                <a:solidFill>
+                  <a:schemeClr val="tx1"/>
+                </a:solidFill>
+                <a:latin typeface="Calibri" panose="020F0502020204030204" pitchFamily="34" charset="0"/>
+                <a:ea typeface="MS PGothic" panose="020B0600070205080204" pitchFamily="34" charset="-128"/>
+              </a:defRPr>
+            </a:lvl2pPr>
+            <a:lvl3pPr marL="1143000" indent="-228600">
+              <a:defRPr>
+                <a:solidFill>
+                  <a:schemeClr val="tx1"/>
+                </a:solidFill>
+                <a:latin typeface="Calibri" panose="020F0502020204030204" pitchFamily="34" charset="0"/>
+                <a:ea typeface="MS PGothic" panose="020B0600070205080204" pitchFamily="34" charset="-128"/>
+              </a:defRPr>
+            </a:lvl3pPr>
+            <a:lvl4pPr marL="1600200" indent="-228600">
+              <a:defRPr>
+                <a:solidFill>
+                  <a:schemeClr val="tx1"/>
+                </a:solidFill>
+                <a:latin typeface="Calibri" panose="020F0502020204030204" pitchFamily="34" charset="0"/>
+                <a:ea typeface="MS PGothic" panose="020B0600070205080204" pitchFamily="34" charset="-128"/>
+              </a:defRPr>
+            </a:lvl4pPr>
+            <a:lvl5pPr marL="2057400" indent="-228600">
+              <a:defRPr>
+                <a:solidFill>
+                  <a:schemeClr val="tx1"/>
+                </a:solidFill>
+                <a:latin typeface="Calibri" panose="020F0502020204030204" pitchFamily="34" charset="0"/>
+                <a:ea typeface="MS PGothic" panose="020B0600070205080204" pitchFamily="34" charset="-128"/>
+              </a:defRPr>
+            </a:lvl5pPr>
+            <a:lvl6pPr marL="2514600" indent="-228600" defTabSz="457200" eaLnBrk="0" fontAlgn="base" hangingPunct="0">
+              <a:spcBef>
+                <a:spcPct val="0"/>
+              </a:spcBef>
+              <a:spcAft>
+                <a:spcPct val="0"/>
+              </a:spcAft>
+              <a:defRPr>
+                <a:solidFill>
+                  <a:schemeClr val="tx1"/>
+                </a:solidFill>
+                <a:latin typeface="Calibri" panose="020F0502020204030204" pitchFamily="34" charset="0"/>
+                <a:ea typeface="MS PGothic" panose="020B0600070205080204" pitchFamily="34" charset="-128"/>
+              </a:defRPr>
+            </a:lvl6pPr>
+            <a:lvl7pPr marL="2971800" indent="-228600" defTabSz="457200" eaLnBrk="0" fontAlgn="base" hangingPunct="0">
+              <a:spcBef>
+                <a:spcPct val="0"/>
+              </a:spcBef>
+              <a:spcAft>
+                <a:spcPct val="0"/>
+              </a:spcAft>
+              <a:defRPr>
+                <a:solidFill>
+                  <a:schemeClr val="tx1"/>
+                </a:solidFill>
+                <a:latin typeface="Calibri" panose="020F0502020204030204" pitchFamily="34" charset="0"/>
+                <a:ea typeface="MS PGothic" panose="020B0600070205080204" pitchFamily="34" charset="-128"/>
+              </a:defRPr>
+            </a:lvl7pPr>
+            <a:lvl8pPr marL="3429000" indent="-228600" defTabSz="457200" eaLnBrk="0" fontAlgn="base" hangingPunct="0">
+              <a:spcBef>
+                <a:spcPct val="0"/>
+              </a:spcBef>
+              <a:spcAft>
+                <a:spcPct val="0"/>
+              </a:spcAft>
+              <a:defRPr>
+                <a:solidFill>
+                  <a:schemeClr val="tx1"/>
+                </a:solidFill>
+                <a:latin typeface="Calibri" panose="020F0502020204030204" pitchFamily="34" charset="0"/>
+                <a:ea typeface="MS PGothic" panose="020B0600070205080204" pitchFamily="34" charset="-128"/>
+              </a:defRPr>
+            </a:lvl8pPr>
+            <a:lvl9pPr marL="3886200" indent="-228600" defTabSz="457200" eaLnBrk="0" fontAlgn="base" hangingPunct="0">
+              <a:spcBef>
+                <a:spcPct val="0"/>
+              </a:spcBef>
+              <a:spcAft>
+                <a:spcPct val="0"/>
+              </a:spcAft>
+              <a:defRPr>
+                <a:solidFill>
+                  <a:schemeClr val="tx1"/>
+                </a:solidFill>
+                <a:latin typeface="Calibri" panose="020F0502020204030204" pitchFamily="34" charset="0"/>
+                <a:ea typeface="MS PGothic" panose="020B0600070205080204" pitchFamily="34" charset="-128"/>
+              </a:defRPr>
+            </a:lvl9pPr>
+          </a:lstStyle>
+          <a:p>
+            <a:pPr eaLnBrk="1" hangingPunct="1"/>
+            <a:r>
+              <a:rPr lang="de-DE" dirty="0" err="1" smtClean="0">
+                <a:solidFill>
+                  <a:schemeClr val="tx1">
+                    <a:lumMod val="50000"/>
+                    <a:lumOff val="50000"/>
+                  </a:schemeClr>
+                </a:solidFill>
+                <a:latin typeface="Jenna Sue" pitchFamily="2" charset="0"/>
+              </a:rPr>
+              <a:t>Serveur</a:t>
+            </a:r>
+            <a:endParaRPr lang="de-DE" dirty="0">
+              <a:solidFill>
+                <a:schemeClr val="tx1">
+                  <a:lumMod val="50000"/>
+                  <a:lumOff val="50000"/>
+                </a:schemeClr>
+              </a:solidFill>
+              <a:latin typeface="Jenna Sue" pitchFamily="2" charset="0"/>
+            </a:endParaRPr>
+          </a:p>
+        </p:txBody>
+      </p:sp>
       <p:pic>
         <p:nvPicPr>
-          <p:cNvPr id="22" name="Bild 4" descr="16.png"/>
+          <p:cNvPr id="24" name="Bild 3" descr="01.png"/>
           <p:cNvPicPr>
             <a:picLocks noChangeAspect="1"/>
           </p:cNvPicPr>
@@ -13252,9 +13407,9 @@
           </a:stretch>
         </p:blipFill>
         <p:spPr bwMode="auto">
-          <a:xfrm>
-            <a:off x="5256162" y="2541340"/>
-            <a:ext cx="434975" cy="455612"/>
+          <a:xfrm rot="5112295">
+            <a:off x="4276023" y="5673551"/>
+            <a:ext cx="493713" cy="1060450"/>
           </a:xfrm>
           <a:prstGeom prst="rect">
             <a:avLst/>
@@ -13286,16 +13441,16 @@
       </p:pic>
       <p:sp>
         <p:nvSpPr>
-          <p:cNvPr id="23" name="Textfeld 2"/>
-          <p:cNvSpPr txBox="1">
+          <p:cNvPr id="25" name="Rectangle 24"/>
+          <p:cNvSpPr>
             <a:spLocks noChangeArrowheads="1"/>
           </p:cNvSpPr>
           <p:nvPr/>
         </p:nvSpPr>
         <p:spPr bwMode="auto">
           <a:xfrm>
-            <a:off x="5691137" y="2319090"/>
-            <a:ext cx="726481" cy="369332"/>
+            <a:off x="5071818" y="6309425"/>
+            <a:ext cx="2092403" cy="369332"/>
           </a:xfrm>
           <a:prstGeom prst="rect">
             <a:avLst/>
@@ -13325,7 +13480,7 @@
           </a:extLst>
         </p:spPr>
         <p:txBody>
-          <a:bodyPr wrap="none">
+          <a:bodyPr wrap="square">
             <a:spAutoFit/>
           </a:bodyPr>
           <a:lstStyle>
@@ -13440,30 +13595,28 @@
             <a:r>
               <a:rPr lang="de-DE" dirty="0" err="1" smtClean="0">
                 <a:solidFill>
-                  <a:schemeClr val="tx1">
-                    <a:lumMod val="50000"/>
-                    <a:lumOff val="50000"/>
-                  </a:schemeClr>
+                  <a:srgbClr val="606060"/>
                 </a:solidFill>
                 <a:latin typeface="Jenna Sue" pitchFamily="2" charset="0"/>
               </a:rPr>
-              <a:t>Serveur</a:t>
+              <a:t>Navigateur</a:t>
             </a:r>
-            <a:endParaRPr lang="de-DE" dirty="0">
-              <a:solidFill>
-                <a:schemeClr val="tx1">
-                  <a:lumMod val="50000"/>
-                  <a:lumOff val="50000"/>
-                </a:schemeClr>
-              </a:solidFill>
-              <a:latin typeface="Jenna Sue" pitchFamily="2" charset="0"/>
-            </a:endParaRPr>
+            <a:r>
+              <a:rPr lang="de-DE" dirty="0" smtClean="0">
+                <a:solidFill>
+                  <a:srgbClr val="606060"/>
+                </a:solidFill>
+                <a:latin typeface="Jenna Sue" pitchFamily="2" charset="0"/>
+              </a:rPr>
+              <a:t> WEB</a:t>
+            </a:r>
+            <a:endParaRPr lang="fr-FR" dirty="0"/>
           </a:p>
         </p:txBody>
       </p:sp>
       <p:pic>
         <p:nvPicPr>
-          <p:cNvPr id="24" name="Bild 3" descr="01.png"/>
+          <p:cNvPr id="26" name="Bild 83" descr="20.png"/>
           <p:cNvPicPr>
             <a:picLocks noChangeAspect="1"/>
           </p:cNvPicPr>
@@ -13483,237 +13636,8 @@
           </a:stretch>
         </p:blipFill>
         <p:spPr bwMode="auto">
-          <a:xfrm rot="5112295">
-            <a:off x="4276023" y="5223725"/>
-            <a:ext cx="493713" cy="1060450"/>
-          </a:xfrm>
-          <a:prstGeom prst="rect">
-            <a:avLst/>
-          </a:prstGeom>
-          <a:noFill/>
-          <a:ln>
-            <a:noFill/>
-          </a:ln>
-          <a:extLst>
-            <a:ext uri="{909E8E84-426E-40DD-AFC4-6F175D3DCCD1}">
-              <a14:hiddenFill xmlns:a14="http://schemas.microsoft.com/office/drawing/2010/main">
-                <a:solidFill>
-                  <a:srgbClr val="FFFFFF"/>
-                </a:solidFill>
-              </a14:hiddenFill>
-            </a:ext>
-            <a:ext uri="{91240B29-F687-4F45-9708-019B960494DF}">
-              <a14:hiddenLine xmlns:a14="http://schemas.microsoft.com/office/drawing/2010/main" w="9525">
-                <a:solidFill>
-                  <a:srgbClr val="000000"/>
-                </a:solidFill>
-                <a:miter lim="800000"/>
-                <a:headEnd/>
-                <a:tailEnd/>
-              </a14:hiddenLine>
-            </a:ext>
-          </a:extLst>
-        </p:spPr>
-      </p:pic>
-      <p:sp>
-        <p:nvSpPr>
-          <p:cNvPr id="25" name="Rectangle 24"/>
-          <p:cNvSpPr>
-            <a:spLocks noChangeArrowheads="1"/>
-          </p:cNvSpPr>
-          <p:nvPr/>
-        </p:nvSpPr>
-        <p:spPr bwMode="auto">
-          <a:xfrm>
-            <a:off x="5071818" y="5859599"/>
-            <a:ext cx="2092403" cy="369332"/>
-          </a:xfrm>
-          <a:prstGeom prst="rect">
-            <a:avLst/>
-          </a:prstGeom>
-          <a:noFill/>
-          <a:ln>
-            <a:noFill/>
-          </a:ln>
-          <a:extLst>
-            <a:ext uri="{909E8E84-426E-40DD-AFC4-6F175D3DCCD1}">
-              <a14:hiddenFill xmlns:a14="http://schemas.microsoft.com/office/drawing/2010/main">
-                <a:solidFill>
-                  <a:srgbClr val="FFFFFF"/>
-                </a:solidFill>
-              </a14:hiddenFill>
-            </a:ext>
-            <a:ext uri="{91240B29-F687-4F45-9708-019B960494DF}">
-              <a14:hiddenLine xmlns:a14="http://schemas.microsoft.com/office/drawing/2010/main" w="9525">
-                <a:solidFill>
-                  <a:srgbClr val="000000"/>
-                </a:solidFill>
-                <a:miter lim="800000"/>
-                <a:headEnd/>
-                <a:tailEnd/>
-              </a14:hiddenLine>
-            </a:ext>
-          </a:extLst>
-        </p:spPr>
-        <p:txBody>
-          <a:bodyPr wrap="square">
-            <a:spAutoFit/>
-          </a:bodyPr>
-          <a:lstStyle>
-            <a:lvl1pPr>
-              <a:defRPr>
-                <a:solidFill>
-                  <a:schemeClr val="tx1"/>
-                </a:solidFill>
-                <a:latin typeface="Calibri" panose="020F0502020204030204" pitchFamily="34" charset="0"/>
-                <a:ea typeface="MS PGothic" panose="020B0600070205080204" pitchFamily="34" charset="-128"/>
-              </a:defRPr>
-            </a:lvl1pPr>
-            <a:lvl2pPr marL="742950" indent="-285750">
-              <a:defRPr>
-                <a:solidFill>
-                  <a:schemeClr val="tx1"/>
-                </a:solidFill>
-                <a:latin typeface="Calibri" panose="020F0502020204030204" pitchFamily="34" charset="0"/>
-                <a:ea typeface="MS PGothic" panose="020B0600070205080204" pitchFamily="34" charset="-128"/>
-              </a:defRPr>
-            </a:lvl2pPr>
-            <a:lvl3pPr marL="1143000" indent="-228600">
-              <a:defRPr>
-                <a:solidFill>
-                  <a:schemeClr val="tx1"/>
-                </a:solidFill>
-                <a:latin typeface="Calibri" panose="020F0502020204030204" pitchFamily="34" charset="0"/>
-                <a:ea typeface="MS PGothic" panose="020B0600070205080204" pitchFamily="34" charset="-128"/>
-              </a:defRPr>
-            </a:lvl3pPr>
-            <a:lvl4pPr marL="1600200" indent="-228600">
-              <a:defRPr>
-                <a:solidFill>
-                  <a:schemeClr val="tx1"/>
-                </a:solidFill>
-                <a:latin typeface="Calibri" panose="020F0502020204030204" pitchFamily="34" charset="0"/>
-                <a:ea typeface="MS PGothic" panose="020B0600070205080204" pitchFamily="34" charset="-128"/>
-              </a:defRPr>
-            </a:lvl4pPr>
-            <a:lvl5pPr marL="2057400" indent="-228600">
-              <a:defRPr>
-                <a:solidFill>
-                  <a:schemeClr val="tx1"/>
-                </a:solidFill>
-                <a:latin typeface="Calibri" panose="020F0502020204030204" pitchFamily="34" charset="0"/>
-                <a:ea typeface="MS PGothic" panose="020B0600070205080204" pitchFamily="34" charset="-128"/>
-              </a:defRPr>
-            </a:lvl5pPr>
-            <a:lvl6pPr marL="2514600" indent="-228600" defTabSz="457200" eaLnBrk="0" fontAlgn="base" hangingPunct="0">
-              <a:spcBef>
-                <a:spcPct val="0"/>
-              </a:spcBef>
-              <a:spcAft>
-                <a:spcPct val="0"/>
-              </a:spcAft>
-              <a:defRPr>
-                <a:solidFill>
-                  <a:schemeClr val="tx1"/>
-                </a:solidFill>
-                <a:latin typeface="Calibri" panose="020F0502020204030204" pitchFamily="34" charset="0"/>
-                <a:ea typeface="MS PGothic" panose="020B0600070205080204" pitchFamily="34" charset="-128"/>
-              </a:defRPr>
-            </a:lvl6pPr>
-            <a:lvl7pPr marL="2971800" indent="-228600" defTabSz="457200" eaLnBrk="0" fontAlgn="base" hangingPunct="0">
-              <a:spcBef>
-                <a:spcPct val="0"/>
-              </a:spcBef>
-              <a:spcAft>
-                <a:spcPct val="0"/>
-              </a:spcAft>
-              <a:defRPr>
-                <a:solidFill>
-                  <a:schemeClr val="tx1"/>
-                </a:solidFill>
-                <a:latin typeface="Calibri" panose="020F0502020204030204" pitchFamily="34" charset="0"/>
-                <a:ea typeface="MS PGothic" panose="020B0600070205080204" pitchFamily="34" charset="-128"/>
-              </a:defRPr>
-            </a:lvl7pPr>
-            <a:lvl8pPr marL="3429000" indent="-228600" defTabSz="457200" eaLnBrk="0" fontAlgn="base" hangingPunct="0">
-              <a:spcBef>
-                <a:spcPct val="0"/>
-              </a:spcBef>
-              <a:spcAft>
-                <a:spcPct val="0"/>
-              </a:spcAft>
-              <a:defRPr>
-                <a:solidFill>
-                  <a:schemeClr val="tx1"/>
-                </a:solidFill>
-                <a:latin typeface="Calibri" panose="020F0502020204030204" pitchFamily="34" charset="0"/>
-                <a:ea typeface="MS PGothic" panose="020B0600070205080204" pitchFamily="34" charset="-128"/>
-              </a:defRPr>
-            </a:lvl8pPr>
-            <a:lvl9pPr marL="3886200" indent="-228600" defTabSz="457200" eaLnBrk="0" fontAlgn="base" hangingPunct="0">
-              <a:spcBef>
-                <a:spcPct val="0"/>
-              </a:spcBef>
-              <a:spcAft>
-                <a:spcPct val="0"/>
-              </a:spcAft>
-              <a:defRPr>
-                <a:solidFill>
-                  <a:schemeClr val="tx1"/>
-                </a:solidFill>
-                <a:latin typeface="Calibri" panose="020F0502020204030204" pitchFamily="34" charset="0"/>
-                <a:ea typeface="MS PGothic" panose="020B0600070205080204" pitchFamily="34" charset="-128"/>
-              </a:defRPr>
-            </a:lvl9pPr>
-          </a:lstStyle>
-          <a:p>
-            <a:pPr eaLnBrk="1" hangingPunct="1"/>
-            <a:r>
-              <a:rPr lang="de-DE" dirty="0" err="1" smtClean="0">
-                <a:solidFill>
-                  <a:srgbClr val="606060"/>
-                </a:solidFill>
-                <a:latin typeface="Jenna Sue" pitchFamily="2" charset="0"/>
-              </a:rPr>
-              <a:t>Navigateur</a:t>
-            </a:r>
-            <a:r>
-              <a:rPr lang="de-DE" dirty="0" smtClean="0">
-                <a:solidFill>
-                  <a:srgbClr val="606060"/>
-                </a:solidFill>
-                <a:latin typeface="Jenna Sue" pitchFamily="2" charset="0"/>
-              </a:rPr>
-              <a:t> WEB</a:t>
-            </a:r>
-            <a:endParaRPr lang="fr-FR" dirty="0"/>
-          </a:p>
-        </p:txBody>
-      </p:sp>
-      <p:pic>
-        <p:nvPicPr>
-          <p:cNvPr id="26" name="Bild 83" descr="20.png"/>
-          <p:cNvPicPr>
-            <a:picLocks noChangeAspect="1"/>
-          </p:cNvPicPr>
-          <p:nvPr/>
-        </p:nvPicPr>
-        <p:blipFill>
-          <a:blip r:embed="rId10">
-            <a:extLst>
-              <a:ext uri="{28A0092B-C50C-407E-A947-70E740481C1C}">
-                <a14:useLocalDpi xmlns:a14="http://schemas.microsoft.com/office/drawing/2010/main" val="0"/>
-              </a:ext>
-            </a:extLst>
-          </a:blip>
-          <a:srcRect/>
-          <a:stretch>
-            <a:fillRect/>
-          </a:stretch>
-        </p:blipFill>
-        <p:spPr bwMode="auto">
           <a:xfrm rot="5400000" flipH="1" flipV="1">
-            <a:off x="7845623" y="4882874"/>
+            <a:off x="7845623" y="5332700"/>
             <a:ext cx="546100" cy="92075"/>
           </a:xfrm>
           <a:prstGeom prst="rect">
@@ -13754,7 +13678,7 @@
         </p:nvSpPr>
         <p:spPr bwMode="auto">
           <a:xfrm>
-            <a:off x="7493067" y="5416028"/>
+            <a:off x="7493067" y="5865854"/>
             <a:ext cx="1369285" cy="258532"/>
           </a:xfrm>
           <a:prstGeom prst="rect">
@@ -13940,6 +13864,235 @@
       <p:pic>
         <p:nvPicPr>
           <p:cNvPr id="28" name="Bild 3" descr="01.png"/>
+          <p:cNvPicPr>
+            <a:picLocks noChangeAspect="1"/>
+          </p:cNvPicPr>
+          <p:nvPr/>
+        </p:nvPicPr>
+        <p:blipFill>
+          <a:blip r:embed="rId8">
+            <a:extLst>
+              <a:ext uri="{28A0092B-C50C-407E-A947-70E740481C1C}">
+                <a14:useLocalDpi xmlns:a14="http://schemas.microsoft.com/office/drawing/2010/main" val="0"/>
+              </a:ext>
+            </a:extLst>
+          </a:blip>
+          <a:srcRect/>
+          <a:stretch>
+            <a:fillRect/>
+          </a:stretch>
+        </p:blipFill>
+        <p:spPr bwMode="auto">
+          <a:xfrm rot="3199378">
+            <a:off x="4460367" y="1233200"/>
+            <a:ext cx="493713" cy="1060450"/>
+          </a:xfrm>
+          <a:prstGeom prst="rect">
+            <a:avLst/>
+          </a:prstGeom>
+          <a:noFill/>
+          <a:ln>
+            <a:noFill/>
+          </a:ln>
+          <a:extLst>
+            <a:ext uri="{909E8E84-426E-40DD-AFC4-6F175D3DCCD1}">
+              <a14:hiddenFill xmlns:a14="http://schemas.microsoft.com/office/drawing/2010/main">
+                <a:solidFill>
+                  <a:srgbClr val="FFFFFF"/>
+                </a:solidFill>
+              </a14:hiddenFill>
+            </a:ext>
+            <a:ext uri="{91240B29-F687-4F45-9708-019B960494DF}">
+              <a14:hiddenLine xmlns:a14="http://schemas.microsoft.com/office/drawing/2010/main" w="9525">
+                <a:solidFill>
+                  <a:srgbClr val="000000"/>
+                </a:solidFill>
+                <a:miter lim="800000"/>
+                <a:headEnd/>
+                <a:tailEnd/>
+              </a14:hiddenLine>
+            </a:ext>
+          </a:extLst>
+        </p:spPr>
+      </p:pic>
+      <p:sp>
+        <p:nvSpPr>
+          <p:cNvPr id="29" name="Rectangle 28"/>
+          <p:cNvSpPr>
+            <a:spLocks noChangeArrowheads="1"/>
+          </p:cNvSpPr>
+          <p:nvPr/>
+        </p:nvSpPr>
+        <p:spPr bwMode="auto">
+          <a:xfrm>
+            <a:off x="5287909" y="1421262"/>
+            <a:ext cx="2092403" cy="369332"/>
+          </a:xfrm>
+          <a:prstGeom prst="rect">
+            <a:avLst/>
+          </a:prstGeom>
+          <a:noFill/>
+          <a:ln>
+            <a:noFill/>
+          </a:ln>
+          <a:extLst>
+            <a:ext uri="{909E8E84-426E-40DD-AFC4-6F175D3DCCD1}">
+              <a14:hiddenFill xmlns:a14="http://schemas.microsoft.com/office/drawing/2010/main">
+                <a:solidFill>
+                  <a:srgbClr val="FFFFFF"/>
+                </a:solidFill>
+              </a14:hiddenFill>
+            </a:ext>
+            <a:ext uri="{91240B29-F687-4F45-9708-019B960494DF}">
+              <a14:hiddenLine xmlns:a14="http://schemas.microsoft.com/office/drawing/2010/main" w="9525">
+                <a:solidFill>
+                  <a:srgbClr val="000000"/>
+                </a:solidFill>
+                <a:miter lim="800000"/>
+                <a:headEnd/>
+                <a:tailEnd/>
+              </a14:hiddenLine>
+            </a:ext>
+          </a:extLst>
+        </p:spPr>
+        <p:txBody>
+          <a:bodyPr wrap="square">
+            <a:spAutoFit/>
+          </a:bodyPr>
+          <a:lstStyle>
+            <a:lvl1pPr>
+              <a:defRPr>
+                <a:solidFill>
+                  <a:schemeClr val="tx1"/>
+                </a:solidFill>
+                <a:latin typeface="Calibri" panose="020F0502020204030204" pitchFamily="34" charset="0"/>
+                <a:ea typeface="MS PGothic" panose="020B0600070205080204" pitchFamily="34" charset="-128"/>
+              </a:defRPr>
+            </a:lvl1pPr>
+            <a:lvl2pPr marL="742950" indent="-285750">
+              <a:defRPr>
+                <a:solidFill>
+                  <a:schemeClr val="tx1"/>
+                </a:solidFill>
+                <a:latin typeface="Calibri" panose="020F0502020204030204" pitchFamily="34" charset="0"/>
+                <a:ea typeface="MS PGothic" panose="020B0600070205080204" pitchFamily="34" charset="-128"/>
+              </a:defRPr>
+            </a:lvl2pPr>
+            <a:lvl3pPr marL="1143000" indent="-228600">
+              <a:defRPr>
+                <a:solidFill>
+                  <a:schemeClr val="tx1"/>
+                </a:solidFill>
+                <a:latin typeface="Calibri" panose="020F0502020204030204" pitchFamily="34" charset="0"/>
+                <a:ea typeface="MS PGothic" panose="020B0600070205080204" pitchFamily="34" charset="-128"/>
+              </a:defRPr>
+            </a:lvl3pPr>
+            <a:lvl4pPr marL="1600200" indent="-228600">
+              <a:defRPr>
+                <a:solidFill>
+                  <a:schemeClr val="tx1"/>
+                </a:solidFill>
+                <a:latin typeface="Calibri" panose="020F0502020204030204" pitchFamily="34" charset="0"/>
+                <a:ea typeface="MS PGothic" panose="020B0600070205080204" pitchFamily="34" charset="-128"/>
+              </a:defRPr>
+            </a:lvl4pPr>
+            <a:lvl5pPr marL="2057400" indent="-228600">
+              <a:defRPr>
+                <a:solidFill>
+                  <a:schemeClr val="tx1"/>
+                </a:solidFill>
+                <a:latin typeface="Calibri" panose="020F0502020204030204" pitchFamily="34" charset="0"/>
+                <a:ea typeface="MS PGothic" panose="020B0600070205080204" pitchFamily="34" charset="-128"/>
+              </a:defRPr>
+            </a:lvl5pPr>
+            <a:lvl6pPr marL="2514600" indent="-228600" defTabSz="457200" eaLnBrk="0" fontAlgn="base" hangingPunct="0">
+              <a:spcBef>
+                <a:spcPct val="0"/>
+              </a:spcBef>
+              <a:spcAft>
+                <a:spcPct val="0"/>
+              </a:spcAft>
+              <a:defRPr>
+                <a:solidFill>
+                  <a:schemeClr val="tx1"/>
+                </a:solidFill>
+                <a:latin typeface="Calibri" panose="020F0502020204030204" pitchFamily="34" charset="0"/>
+                <a:ea typeface="MS PGothic" panose="020B0600070205080204" pitchFamily="34" charset="-128"/>
+              </a:defRPr>
+            </a:lvl6pPr>
+            <a:lvl7pPr marL="2971800" indent="-228600" defTabSz="457200" eaLnBrk="0" fontAlgn="base" hangingPunct="0">
+              <a:spcBef>
+                <a:spcPct val="0"/>
+              </a:spcBef>
+              <a:spcAft>
+                <a:spcPct val="0"/>
+              </a:spcAft>
+              <a:defRPr>
+                <a:solidFill>
+                  <a:schemeClr val="tx1"/>
+                </a:solidFill>
+                <a:latin typeface="Calibri" panose="020F0502020204030204" pitchFamily="34" charset="0"/>
+                <a:ea typeface="MS PGothic" panose="020B0600070205080204" pitchFamily="34" charset="-128"/>
+              </a:defRPr>
+            </a:lvl7pPr>
+            <a:lvl8pPr marL="3429000" indent="-228600" defTabSz="457200" eaLnBrk="0" fontAlgn="base" hangingPunct="0">
+              <a:spcBef>
+                <a:spcPct val="0"/>
+              </a:spcBef>
+              <a:spcAft>
+                <a:spcPct val="0"/>
+              </a:spcAft>
+              <a:defRPr>
+                <a:solidFill>
+                  <a:schemeClr val="tx1"/>
+                </a:solidFill>
+                <a:latin typeface="Calibri" panose="020F0502020204030204" pitchFamily="34" charset="0"/>
+                <a:ea typeface="MS PGothic" panose="020B0600070205080204" pitchFamily="34" charset="-128"/>
+              </a:defRPr>
+            </a:lvl8pPr>
+            <a:lvl9pPr marL="3886200" indent="-228600" defTabSz="457200" eaLnBrk="0" fontAlgn="base" hangingPunct="0">
+              <a:spcBef>
+                <a:spcPct val="0"/>
+              </a:spcBef>
+              <a:spcAft>
+                <a:spcPct val="0"/>
+              </a:spcAft>
+              <a:defRPr>
+                <a:solidFill>
+                  <a:schemeClr val="tx1"/>
+                </a:solidFill>
+                <a:latin typeface="Calibri" panose="020F0502020204030204" pitchFamily="34" charset="0"/>
+                <a:ea typeface="MS PGothic" panose="020B0600070205080204" pitchFamily="34" charset="-128"/>
+              </a:defRPr>
+            </a:lvl9pPr>
+          </a:lstStyle>
+          <a:p>
+            <a:pPr eaLnBrk="1" hangingPunct="1"/>
+            <a:r>
+              <a:rPr lang="de-DE" dirty="0" err="1" smtClean="0">
+                <a:solidFill>
+                  <a:srgbClr val="606060"/>
+                </a:solidFill>
+                <a:latin typeface="Jenna Sue" pitchFamily="2" charset="0"/>
+              </a:rPr>
+              <a:t>Application</a:t>
+            </a:r>
+            <a:r>
+              <a:rPr lang="de-DE" dirty="0" smtClean="0">
+                <a:solidFill>
+                  <a:srgbClr val="606060"/>
+                </a:solidFill>
+                <a:latin typeface="Jenna Sue" pitchFamily="2" charset="0"/>
+              </a:rPr>
+              <a:t> Mobile</a:t>
+            </a:r>
+            <a:endParaRPr lang="fr-FR" dirty="0"/>
+          </a:p>
+        </p:txBody>
+      </p:sp>
+      <p:pic>
+        <p:nvPicPr>
+          <p:cNvPr id="32" name="Bild 83" descr="20.png"/>
           <p:cNvPicPr>
             <a:picLocks noChangeAspect="1"/>
           </p:cNvPicPr>
@@ -13959,237 +14112,8 @@
           </a:stretch>
         </p:blipFill>
         <p:spPr bwMode="auto">
-          <a:xfrm rot="3199378">
-            <a:off x="4460367" y="801152"/>
-            <a:ext cx="493713" cy="1060450"/>
-          </a:xfrm>
-          <a:prstGeom prst="rect">
-            <a:avLst/>
-          </a:prstGeom>
-          <a:noFill/>
-          <a:ln>
-            <a:noFill/>
-          </a:ln>
-          <a:extLst>
-            <a:ext uri="{909E8E84-426E-40DD-AFC4-6F175D3DCCD1}">
-              <a14:hiddenFill xmlns:a14="http://schemas.microsoft.com/office/drawing/2010/main">
-                <a:solidFill>
-                  <a:srgbClr val="FFFFFF"/>
-                </a:solidFill>
-              </a14:hiddenFill>
-            </a:ext>
-            <a:ext uri="{91240B29-F687-4F45-9708-019B960494DF}">
-              <a14:hiddenLine xmlns:a14="http://schemas.microsoft.com/office/drawing/2010/main" w="9525">
-                <a:solidFill>
-                  <a:srgbClr val="000000"/>
-                </a:solidFill>
-                <a:miter lim="800000"/>
-                <a:headEnd/>
-                <a:tailEnd/>
-              </a14:hiddenLine>
-            </a:ext>
-          </a:extLst>
-        </p:spPr>
-      </p:pic>
-      <p:sp>
-        <p:nvSpPr>
-          <p:cNvPr id="29" name="Rectangle 28"/>
-          <p:cNvSpPr>
-            <a:spLocks noChangeArrowheads="1"/>
-          </p:cNvSpPr>
-          <p:nvPr/>
-        </p:nvSpPr>
-        <p:spPr bwMode="auto">
-          <a:xfrm>
-            <a:off x="5287909" y="971436"/>
-            <a:ext cx="2092403" cy="369332"/>
-          </a:xfrm>
-          <a:prstGeom prst="rect">
-            <a:avLst/>
-          </a:prstGeom>
-          <a:noFill/>
-          <a:ln>
-            <a:noFill/>
-          </a:ln>
-          <a:extLst>
-            <a:ext uri="{909E8E84-426E-40DD-AFC4-6F175D3DCCD1}">
-              <a14:hiddenFill xmlns:a14="http://schemas.microsoft.com/office/drawing/2010/main">
-                <a:solidFill>
-                  <a:srgbClr val="FFFFFF"/>
-                </a:solidFill>
-              </a14:hiddenFill>
-            </a:ext>
-            <a:ext uri="{91240B29-F687-4F45-9708-019B960494DF}">
-              <a14:hiddenLine xmlns:a14="http://schemas.microsoft.com/office/drawing/2010/main" w="9525">
-                <a:solidFill>
-                  <a:srgbClr val="000000"/>
-                </a:solidFill>
-                <a:miter lim="800000"/>
-                <a:headEnd/>
-                <a:tailEnd/>
-              </a14:hiddenLine>
-            </a:ext>
-          </a:extLst>
-        </p:spPr>
-        <p:txBody>
-          <a:bodyPr wrap="square">
-            <a:spAutoFit/>
-          </a:bodyPr>
-          <a:lstStyle>
-            <a:lvl1pPr>
-              <a:defRPr>
-                <a:solidFill>
-                  <a:schemeClr val="tx1"/>
-                </a:solidFill>
-                <a:latin typeface="Calibri" panose="020F0502020204030204" pitchFamily="34" charset="0"/>
-                <a:ea typeface="MS PGothic" panose="020B0600070205080204" pitchFamily="34" charset="-128"/>
-              </a:defRPr>
-            </a:lvl1pPr>
-            <a:lvl2pPr marL="742950" indent="-285750">
-              <a:defRPr>
-                <a:solidFill>
-                  <a:schemeClr val="tx1"/>
-                </a:solidFill>
-                <a:latin typeface="Calibri" panose="020F0502020204030204" pitchFamily="34" charset="0"/>
-                <a:ea typeface="MS PGothic" panose="020B0600070205080204" pitchFamily="34" charset="-128"/>
-              </a:defRPr>
-            </a:lvl2pPr>
-            <a:lvl3pPr marL="1143000" indent="-228600">
-              <a:defRPr>
-                <a:solidFill>
-                  <a:schemeClr val="tx1"/>
-                </a:solidFill>
-                <a:latin typeface="Calibri" panose="020F0502020204030204" pitchFamily="34" charset="0"/>
-                <a:ea typeface="MS PGothic" panose="020B0600070205080204" pitchFamily="34" charset="-128"/>
-              </a:defRPr>
-            </a:lvl3pPr>
-            <a:lvl4pPr marL="1600200" indent="-228600">
-              <a:defRPr>
-                <a:solidFill>
-                  <a:schemeClr val="tx1"/>
-                </a:solidFill>
-                <a:latin typeface="Calibri" panose="020F0502020204030204" pitchFamily="34" charset="0"/>
-                <a:ea typeface="MS PGothic" panose="020B0600070205080204" pitchFamily="34" charset="-128"/>
-              </a:defRPr>
-            </a:lvl4pPr>
-            <a:lvl5pPr marL="2057400" indent="-228600">
-              <a:defRPr>
-                <a:solidFill>
-                  <a:schemeClr val="tx1"/>
-                </a:solidFill>
-                <a:latin typeface="Calibri" panose="020F0502020204030204" pitchFamily="34" charset="0"/>
-                <a:ea typeface="MS PGothic" panose="020B0600070205080204" pitchFamily="34" charset="-128"/>
-              </a:defRPr>
-            </a:lvl5pPr>
-            <a:lvl6pPr marL="2514600" indent="-228600" defTabSz="457200" eaLnBrk="0" fontAlgn="base" hangingPunct="0">
-              <a:spcBef>
-                <a:spcPct val="0"/>
-              </a:spcBef>
-              <a:spcAft>
-                <a:spcPct val="0"/>
-              </a:spcAft>
-              <a:defRPr>
-                <a:solidFill>
-                  <a:schemeClr val="tx1"/>
-                </a:solidFill>
-                <a:latin typeface="Calibri" panose="020F0502020204030204" pitchFamily="34" charset="0"/>
-                <a:ea typeface="MS PGothic" panose="020B0600070205080204" pitchFamily="34" charset="-128"/>
-              </a:defRPr>
-            </a:lvl6pPr>
-            <a:lvl7pPr marL="2971800" indent="-228600" defTabSz="457200" eaLnBrk="0" fontAlgn="base" hangingPunct="0">
-              <a:spcBef>
-                <a:spcPct val="0"/>
-              </a:spcBef>
-              <a:spcAft>
-                <a:spcPct val="0"/>
-              </a:spcAft>
-              <a:defRPr>
-                <a:solidFill>
-                  <a:schemeClr val="tx1"/>
-                </a:solidFill>
-                <a:latin typeface="Calibri" panose="020F0502020204030204" pitchFamily="34" charset="0"/>
-                <a:ea typeface="MS PGothic" panose="020B0600070205080204" pitchFamily="34" charset="-128"/>
-              </a:defRPr>
-            </a:lvl7pPr>
-            <a:lvl8pPr marL="3429000" indent="-228600" defTabSz="457200" eaLnBrk="0" fontAlgn="base" hangingPunct="0">
-              <a:spcBef>
-                <a:spcPct val="0"/>
-              </a:spcBef>
-              <a:spcAft>
-                <a:spcPct val="0"/>
-              </a:spcAft>
-              <a:defRPr>
-                <a:solidFill>
-                  <a:schemeClr val="tx1"/>
-                </a:solidFill>
-                <a:latin typeface="Calibri" panose="020F0502020204030204" pitchFamily="34" charset="0"/>
-                <a:ea typeface="MS PGothic" panose="020B0600070205080204" pitchFamily="34" charset="-128"/>
-              </a:defRPr>
-            </a:lvl8pPr>
-            <a:lvl9pPr marL="3886200" indent="-228600" defTabSz="457200" eaLnBrk="0" fontAlgn="base" hangingPunct="0">
-              <a:spcBef>
-                <a:spcPct val="0"/>
-              </a:spcBef>
-              <a:spcAft>
-                <a:spcPct val="0"/>
-              </a:spcAft>
-              <a:defRPr>
-                <a:solidFill>
-                  <a:schemeClr val="tx1"/>
-                </a:solidFill>
-                <a:latin typeface="Calibri" panose="020F0502020204030204" pitchFamily="34" charset="0"/>
-                <a:ea typeface="MS PGothic" panose="020B0600070205080204" pitchFamily="34" charset="-128"/>
-              </a:defRPr>
-            </a:lvl9pPr>
-          </a:lstStyle>
-          <a:p>
-            <a:pPr eaLnBrk="1" hangingPunct="1"/>
-            <a:r>
-              <a:rPr lang="de-DE" dirty="0" err="1" smtClean="0">
-                <a:solidFill>
-                  <a:srgbClr val="606060"/>
-                </a:solidFill>
-                <a:latin typeface="Jenna Sue" pitchFamily="2" charset="0"/>
-              </a:rPr>
-              <a:t>Application</a:t>
-            </a:r>
-            <a:r>
-              <a:rPr lang="de-DE" dirty="0" smtClean="0">
-                <a:solidFill>
-                  <a:srgbClr val="606060"/>
-                </a:solidFill>
-                <a:latin typeface="Jenna Sue" pitchFamily="2" charset="0"/>
-              </a:rPr>
-              <a:t> Mobile</a:t>
-            </a:r>
-            <a:endParaRPr lang="fr-FR" dirty="0"/>
-          </a:p>
-        </p:txBody>
-      </p:sp>
-      <p:pic>
-        <p:nvPicPr>
-          <p:cNvPr id="32" name="Bild 83" descr="20.png"/>
-          <p:cNvPicPr>
-            <a:picLocks noChangeAspect="1"/>
-          </p:cNvPicPr>
-          <p:nvPr/>
-        </p:nvPicPr>
-        <p:blipFill>
-          <a:blip r:embed="rId10">
-            <a:extLst>
-              <a:ext uri="{28A0092B-C50C-407E-A947-70E740481C1C}">
-                <a14:useLocalDpi xmlns:a14="http://schemas.microsoft.com/office/drawing/2010/main" val="0"/>
-              </a:ext>
-            </a:extLst>
-          </a:blip>
-          <a:srcRect/>
-          <a:stretch>
-            <a:fillRect/>
-          </a:stretch>
-        </p:blipFill>
-        <p:spPr bwMode="auto">
           <a:xfrm rot="5400000" flipH="1" flipV="1">
-            <a:off x="648771" y="4826443"/>
+            <a:off x="648771" y="5276269"/>
             <a:ext cx="546100" cy="92075"/>
           </a:xfrm>
           <a:prstGeom prst="rect">
@@ -14230,7 +14154,7 @@
         </p:nvSpPr>
         <p:spPr bwMode="auto">
           <a:xfrm>
-            <a:off x="226487" y="5359597"/>
+            <a:off x="226487" y="5809423"/>
             <a:ext cx="1508747" cy="286232"/>
           </a:xfrm>
           <a:prstGeom prst="rect">
@@ -14433,7 +14357,7 @@
         </p:nvSpPr>
         <p:spPr>
           <a:xfrm rot="9487148">
-            <a:off x="1443505" y="3046100"/>
+            <a:off x="1443505" y="3495926"/>
             <a:ext cx="1231867" cy="45719"/>
           </a:xfrm>
           <a:prstGeom prst="rightArrow">
@@ -14485,7 +14409,7 @@
         </p:nvSpPr>
         <p:spPr>
           <a:xfrm rot="20287210">
-            <a:off x="1518909" y="3104188"/>
+            <a:off x="1518909" y="3554014"/>
             <a:ext cx="1231867" cy="45719"/>
           </a:xfrm>
           <a:prstGeom prst="rightArrow">
@@ -14537,7 +14461,7 @@
         </p:nvSpPr>
         <p:spPr>
           <a:xfrm rot="8733654">
-            <a:off x="3684884" y="4851356"/>
+            <a:off x="3684884" y="5301182"/>
             <a:ext cx="1231867" cy="45719"/>
           </a:xfrm>
           <a:prstGeom prst="rightArrow">
@@ -14589,7 +14513,7 @@
         </p:nvSpPr>
         <p:spPr>
           <a:xfrm rot="19561975">
-            <a:off x="3748074" y="4915257"/>
+            <a:off x="3748074" y="5365083"/>
             <a:ext cx="1231867" cy="45719"/>
           </a:xfrm>
           <a:prstGeom prst="rightArrow">
@@ -14641,7 +14565,7 @@
         </p:nvSpPr>
         <p:spPr>
           <a:xfrm rot="12789352">
-            <a:off x="3703348" y="2724354"/>
+            <a:off x="3703348" y="3174180"/>
             <a:ext cx="1231867" cy="45719"/>
           </a:xfrm>
           <a:prstGeom prst="rightArrow">
@@ -14693,7 +14617,7 @@
         </p:nvSpPr>
         <p:spPr>
           <a:xfrm rot="1989414">
-            <a:off x="3689326" y="2806985"/>
+            <a:off x="3689326" y="3256811"/>
             <a:ext cx="1231867" cy="45719"/>
           </a:xfrm>
           <a:prstGeom prst="rightArrow">
@@ -14745,7 +14669,7 @@
         </p:nvSpPr>
         <p:spPr>
           <a:xfrm rot="10800000">
-            <a:off x="6076432" y="3759105"/>
+            <a:off x="6076432" y="4208931"/>
             <a:ext cx="1231867" cy="45719"/>
           </a:xfrm>
           <a:prstGeom prst="rightArrow">
@@ -14797,7 +14721,7 @@
         </p:nvSpPr>
         <p:spPr>
           <a:xfrm rot="62">
-            <a:off x="6148445" y="3835725"/>
+            <a:off x="6148445" y="4285551"/>
             <a:ext cx="1231867" cy="45719"/>
           </a:xfrm>
           <a:prstGeom prst="rightArrow">
@@ -14850,7 +14774,7 @@
           <p:nvPr/>
         </p:nvPicPr>
         <p:blipFill>
-          <a:blip r:embed="rId11" cstate="print">
+          <a:blip r:embed="rId10" cstate="print">
             <a:extLst>
               <a:ext uri="{28A0092B-C50C-407E-A947-70E740481C1C}">
                 <a14:useLocalDpi xmlns:a14="http://schemas.microsoft.com/office/drawing/2010/main" val="0"/>
@@ -14863,7 +14787,7 @@
         </p:blipFill>
         <p:spPr>
           <a:xfrm>
-            <a:off x="1814576" y="2541340"/>
+            <a:off x="1814576" y="2991166"/>
             <a:ext cx="408330" cy="408330"/>
           </a:xfrm>
           <a:prstGeom prst="rect">
@@ -14879,7 +14803,7 @@
         </p:nvSpPr>
         <p:spPr>
           <a:xfrm rot="12789352">
-            <a:off x="3703347" y="2724353"/>
+            <a:off x="3703347" y="3174179"/>
             <a:ext cx="1231867" cy="45719"/>
           </a:xfrm>
           <a:prstGeom prst="rightArrow">
@@ -14931,7 +14855,7 @@
         </p:nvSpPr>
         <p:spPr>
           <a:xfrm rot="1989414">
-            <a:off x="3689325" y="2806984"/>
+            <a:off x="3689325" y="3256810"/>
             <a:ext cx="1231867" cy="45719"/>
           </a:xfrm>
           <a:prstGeom prst="rightArrow">
@@ -14983,7 +14907,7 @@
         </p:nvSpPr>
         <p:spPr>
           <a:xfrm>
-            <a:off x="4522879" y="2441961"/>
+            <a:off x="4522879" y="2891787"/>
             <a:ext cx="558166" cy="307777"/>
           </a:xfrm>
           <a:prstGeom prst="rect">
@@ -15021,7 +14945,7 @@
         </p:nvSpPr>
         <p:spPr>
           <a:xfrm>
-            <a:off x="4361774" y="4857098"/>
+            <a:off x="4361774" y="5306924"/>
             <a:ext cx="558166" cy="307777"/>
           </a:xfrm>
           <a:prstGeom prst="rect">
@@ -15059,7 +14983,7 @@
         </p:nvSpPr>
         <p:spPr>
           <a:xfrm>
-            <a:off x="6355574" y="3395543"/>
+            <a:off x="6355574" y="3845369"/>
             <a:ext cx="558166" cy="307777"/>
           </a:xfrm>
           <a:prstGeom prst="rect">
@@ -15089,6 +15013,36 @@
           </a:p>
         </p:txBody>
       </p:sp>
+      <p:pic>
+        <p:nvPicPr>
+          <p:cNvPr id="3" name="Image 2"/>
+          <p:cNvPicPr>
+            <a:picLocks noChangeAspect="1"/>
+          </p:cNvPicPr>
+          <p:nvPr/>
+        </p:nvPicPr>
+        <p:blipFill>
+          <a:blip r:embed="rId11">
+            <a:extLst>
+              <a:ext uri="{28A0092B-C50C-407E-A947-70E740481C1C}">
+                <a14:useLocalDpi xmlns:a14="http://schemas.microsoft.com/office/drawing/2010/main" val="0"/>
+              </a:ext>
+            </a:extLst>
+          </a:blip>
+          <a:stretch>
+            <a:fillRect/>
+          </a:stretch>
+        </p:blipFill>
+        <p:spPr>
+          <a:xfrm>
+            <a:off x="4590012" y="3446778"/>
+            <a:ext cx="1651248" cy="1651248"/>
+          </a:xfrm>
+          <a:prstGeom prst="rect">
+            <a:avLst/>
+          </a:prstGeom>
+        </p:spPr>
+      </p:pic>
     </p:spTree>
     <p:extLst>
       <p:ext uri="{BB962C8B-B14F-4D97-AF65-F5344CB8AC3E}">
@@ -15617,6 +15571,1594 @@
           <a:chExt cx="0" cy="0"/>
         </a:xfrm>
       </p:grpSpPr>
+      <p:pic>
+        <p:nvPicPr>
+          <p:cNvPr id="5" name="Espace réservé du contenu 4"/>
+          <p:cNvPicPr>
+            <a:picLocks noGrp="1" noChangeAspect="1"/>
+          </p:cNvPicPr>
+          <p:nvPr>
+            <p:ph idx="1"/>
+          </p:nvPr>
+        </p:nvPicPr>
+        <p:blipFill>
+          <a:blip r:embed="rId2">
+            <a:extLst>
+              <a:ext uri="{28A0092B-C50C-407E-A947-70E740481C1C}">
+                <a14:useLocalDpi xmlns:a14="http://schemas.microsoft.com/office/drawing/2010/main" val="0"/>
+              </a:ext>
+            </a:extLst>
+          </a:blip>
+          <a:stretch>
+            <a:fillRect/>
+          </a:stretch>
+        </p:blipFill>
+        <p:spPr>
+          <a:xfrm>
+            <a:off x="1331640" y="1196752"/>
+            <a:ext cx="5832648" cy="5325107"/>
+          </a:xfrm>
+        </p:spPr>
+      </p:pic>
+      <p:sp>
+        <p:nvSpPr>
+          <p:cNvPr id="4" name="Espace réservé du numéro de diapositive 3"/>
+          <p:cNvSpPr>
+            <a:spLocks noGrp="1"/>
+          </p:cNvSpPr>
+          <p:nvPr>
+            <p:ph type="sldNum" sz="quarter" idx="12"/>
+          </p:nvPr>
+        </p:nvSpPr>
+        <p:spPr/>
+        <p:txBody>
+          <a:bodyPr/>
+          <a:lstStyle/>
+          <a:p>
+            <a:fld id="{CF4668DC-857F-487D-BFFA-8C0CA5037977}" type="slidenum">
+              <a:rPr lang="fr-BE" smtClean="0"/>
+              <a:pPr/>
+              <a:t>13</a:t>
+            </a:fld>
+            <a:endParaRPr lang="fr-BE"/>
+          </a:p>
+        </p:txBody>
+      </p:sp>
+      <p:sp>
+        <p:nvSpPr>
+          <p:cNvPr id="6" name="Titre 1"/>
+          <p:cNvSpPr txBox="1">
+            <a:spLocks/>
+          </p:cNvSpPr>
+          <p:nvPr/>
+        </p:nvSpPr>
+        <p:spPr>
+          <a:xfrm>
+            <a:off x="401157" y="223596"/>
+            <a:ext cx="7055380" cy="1400530"/>
+          </a:xfrm>
+          <a:prstGeom prst="rect">
+            <a:avLst/>
+          </a:prstGeom>
+        </p:spPr>
+        <p:txBody>
+          <a:bodyPr vert="horz" lIns="91440" tIns="45720" rIns="91440" bIns="45720" rtlCol="0" anchor="t">
+            <a:noAutofit/>
+          </a:bodyPr>
+          <a:lstStyle>
+            <a:lvl1pPr algn="l" defTabSz="457207" rtl="0" eaLnBrk="1" latinLnBrk="0" hangingPunct="1">
+              <a:spcBef>
+                <a:spcPct val="0"/>
+              </a:spcBef>
+              <a:buNone/>
+              <a:defRPr sz="4200" b="0" i="0" kern="1200">
+                <a:solidFill>
+                  <a:schemeClr val="tx2"/>
+                </a:solidFill>
+                <a:latin typeface="+mj-lt"/>
+                <a:ea typeface="+mj-ea"/>
+                <a:cs typeface="+mj-cs"/>
+              </a:defRPr>
+            </a:lvl1pPr>
+            <a:lvl2pPr eaLnBrk="1" hangingPunct="1">
+              <a:defRPr>
+                <a:solidFill>
+                  <a:schemeClr val="tx2"/>
+                </a:solidFill>
+              </a:defRPr>
+            </a:lvl2pPr>
+            <a:lvl3pPr eaLnBrk="1" hangingPunct="1">
+              <a:defRPr>
+                <a:solidFill>
+                  <a:schemeClr val="tx2"/>
+                </a:solidFill>
+              </a:defRPr>
+            </a:lvl3pPr>
+            <a:lvl4pPr eaLnBrk="1" hangingPunct="1">
+              <a:defRPr>
+                <a:solidFill>
+                  <a:schemeClr val="tx2"/>
+                </a:solidFill>
+              </a:defRPr>
+            </a:lvl4pPr>
+            <a:lvl5pPr eaLnBrk="1" hangingPunct="1">
+              <a:defRPr>
+                <a:solidFill>
+                  <a:schemeClr val="tx2"/>
+                </a:solidFill>
+              </a:defRPr>
+            </a:lvl5pPr>
+            <a:lvl6pPr eaLnBrk="1" hangingPunct="1">
+              <a:defRPr>
+                <a:solidFill>
+                  <a:schemeClr val="tx2"/>
+                </a:solidFill>
+              </a:defRPr>
+            </a:lvl6pPr>
+            <a:lvl7pPr eaLnBrk="1" hangingPunct="1">
+              <a:defRPr>
+                <a:solidFill>
+                  <a:schemeClr val="tx2"/>
+                </a:solidFill>
+              </a:defRPr>
+            </a:lvl7pPr>
+            <a:lvl8pPr eaLnBrk="1" hangingPunct="1">
+              <a:defRPr>
+                <a:solidFill>
+                  <a:schemeClr val="tx2"/>
+                </a:solidFill>
+              </a:defRPr>
+            </a:lvl8pPr>
+            <a:lvl9pPr eaLnBrk="1" hangingPunct="1">
+              <a:defRPr>
+                <a:solidFill>
+                  <a:schemeClr val="tx2"/>
+                </a:solidFill>
+              </a:defRPr>
+            </a:lvl9pPr>
+          </a:lstStyle>
+          <a:p>
+            <a:r>
+              <a:rPr lang="en-US" b="1" i="1" dirty="0" err="1" smtClean="0">
+                <a:solidFill>
+                  <a:schemeClr val="tx1"/>
+                </a:solidFill>
+                <a:latin typeface="Berlin Sans FB Demi" pitchFamily="34" charset="0"/>
+              </a:rPr>
+              <a:t>Implémentation</a:t>
+            </a:r>
+            <a:endParaRPr lang="en-US" b="1" i="1" dirty="0">
+              <a:latin typeface="Berlin Sans FB Demi" pitchFamily="34" charset="0"/>
+            </a:endParaRPr>
+          </a:p>
+        </p:txBody>
+      </p:sp>
+      <p:sp>
+        <p:nvSpPr>
+          <p:cNvPr id="7" name="Rectangle 6"/>
+          <p:cNvSpPr/>
+          <p:nvPr/>
+        </p:nvSpPr>
+        <p:spPr>
+          <a:xfrm>
+            <a:off x="7740352" y="-27384"/>
+            <a:ext cx="720080" cy="1124744"/>
+          </a:xfrm>
+          <a:prstGeom prst="rect">
+            <a:avLst/>
+          </a:prstGeom>
+          <a:solidFill>
+            <a:srgbClr val="00B0F0"/>
+          </a:solidFill>
+          <a:ln>
+            <a:noFill/>
+          </a:ln>
+          <a:effectLst>
+            <a:outerShdw blurRad="50800" dist="38100" algn="l" rotWithShape="0">
+              <a:prstClr val="black">
+                <a:alpha val="40000"/>
+              </a:prstClr>
+            </a:outerShdw>
+          </a:effectLst>
+        </p:spPr>
+        <p:style>
+          <a:lnRef idx="2">
+            <a:schemeClr val="accent1">
+              <a:shade val="50000"/>
+            </a:schemeClr>
+          </a:lnRef>
+          <a:fillRef idx="1">
+            <a:schemeClr val="accent1"/>
+          </a:fillRef>
+          <a:effectRef idx="0">
+            <a:schemeClr val="accent1"/>
+          </a:effectRef>
+          <a:fontRef idx="minor">
+            <a:schemeClr val="lt1"/>
+          </a:fontRef>
+        </p:style>
+        <p:txBody>
+          <a:bodyPr rtlCol="0" anchor="ctr"/>
+          <a:lstStyle/>
+          <a:p>
+            <a:pPr algn="ctr"/>
+            <a:endParaRPr lang="fr-FR"/>
+          </a:p>
+        </p:txBody>
+      </p:sp>
+      <p:sp>
+        <p:nvSpPr>
+          <p:cNvPr id="8" name="Espace réservé du numéro de diapositive 1"/>
+          <p:cNvSpPr txBox="1">
+            <a:spLocks/>
+          </p:cNvSpPr>
+          <p:nvPr/>
+        </p:nvSpPr>
+        <p:spPr bwMode="gray">
+          <a:xfrm>
+            <a:off x="7766431" y="268352"/>
+            <a:ext cx="628813" cy="767687"/>
+          </a:xfrm>
+          <a:prstGeom prst="rect">
+            <a:avLst/>
+          </a:prstGeom>
+        </p:spPr>
+        <p:txBody>
+          <a:bodyPr vert="horz" lIns="91440" tIns="45720" rIns="91440" bIns="45720" rtlCol="0" anchor="b"/>
+          <a:lstStyle>
+            <a:defPPr>
+              <a:defRPr lang="fr-FR"/>
+            </a:defPPr>
+            <a:lvl1pPr marL="0" algn="ctr" defTabSz="914400" rtl="0" eaLnBrk="1" latinLnBrk="0" hangingPunct="1">
+              <a:defRPr sz="2801" b="0" i="0" kern="1200">
+                <a:solidFill>
+                  <a:schemeClr val="tx1">
+                    <a:tint val="75000"/>
+                  </a:schemeClr>
+                </a:solidFill>
+                <a:latin typeface="+mn-lt"/>
+                <a:ea typeface="+mn-ea"/>
+                <a:cs typeface="+mn-cs"/>
+              </a:defRPr>
+            </a:lvl1pPr>
+            <a:lvl2pPr marL="457200" algn="l" defTabSz="914400" rtl="0" eaLnBrk="1" latinLnBrk="0" hangingPunct="1">
+              <a:defRPr sz="1800" kern="1200">
+                <a:solidFill>
+                  <a:schemeClr val="tx1"/>
+                </a:solidFill>
+                <a:latin typeface="+mn-lt"/>
+                <a:ea typeface="+mn-ea"/>
+                <a:cs typeface="+mn-cs"/>
+              </a:defRPr>
+            </a:lvl2pPr>
+            <a:lvl3pPr marL="914400" algn="l" defTabSz="914400" rtl="0" eaLnBrk="1" latinLnBrk="0" hangingPunct="1">
+              <a:defRPr sz="1800" kern="1200">
+                <a:solidFill>
+                  <a:schemeClr val="tx1"/>
+                </a:solidFill>
+                <a:latin typeface="+mn-lt"/>
+                <a:ea typeface="+mn-ea"/>
+                <a:cs typeface="+mn-cs"/>
+              </a:defRPr>
+            </a:lvl3pPr>
+            <a:lvl4pPr marL="1371600" algn="l" defTabSz="914400" rtl="0" eaLnBrk="1" latinLnBrk="0" hangingPunct="1">
+              <a:defRPr sz="1800" kern="1200">
+                <a:solidFill>
+                  <a:schemeClr val="tx1"/>
+                </a:solidFill>
+                <a:latin typeface="+mn-lt"/>
+                <a:ea typeface="+mn-ea"/>
+                <a:cs typeface="+mn-cs"/>
+              </a:defRPr>
+            </a:lvl4pPr>
+            <a:lvl5pPr marL="1828800" algn="l" defTabSz="914400" rtl="0" eaLnBrk="1" latinLnBrk="0" hangingPunct="1">
+              <a:defRPr sz="1800" kern="1200">
+                <a:solidFill>
+                  <a:schemeClr val="tx1"/>
+                </a:solidFill>
+                <a:latin typeface="+mn-lt"/>
+                <a:ea typeface="+mn-ea"/>
+                <a:cs typeface="+mn-cs"/>
+              </a:defRPr>
+            </a:lvl5pPr>
+            <a:lvl6pPr marL="2286000" algn="l" defTabSz="914400" rtl="0" eaLnBrk="1" latinLnBrk="0" hangingPunct="1">
+              <a:defRPr sz="1800" kern="1200">
+                <a:solidFill>
+                  <a:schemeClr val="tx1"/>
+                </a:solidFill>
+                <a:latin typeface="+mn-lt"/>
+                <a:ea typeface="+mn-ea"/>
+                <a:cs typeface="+mn-cs"/>
+              </a:defRPr>
+            </a:lvl6pPr>
+            <a:lvl7pPr marL="2743200" algn="l" defTabSz="914400" rtl="0" eaLnBrk="1" latinLnBrk="0" hangingPunct="1">
+              <a:defRPr sz="1800" kern="1200">
+                <a:solidFill>
+                  <a:schemeClr val="tx1"/>
+                </a:solidFill>
+                <a:latin typeface="+mn-lt"/>
+                <a:ea typeface="+mn-ea"/>
+                <a:cs typeface="+mn-cs"/>
+              </a:defRPr>
+            </a:lvl7pPr>
+            <a:lvl8pPr marL="3200400" algn="l" defTabSz="914400" rtl="0" eaLnBrk="1" latinLnBrk="0" hangingPunct="1">
+              <a:defRPr sz="1800" kern="1200">
+                <a:solidFill>
+                  <a:schemeClr val="tx1"/>
+                </a:solidFill>
+                <a:latin typeface="+mn-lt"/>
+                <a:ea typeface="+mn-ea"/>
+                <a:cs typeface="+mn-cs"/>
+              </a:defRPr>
+            </a:lvl8pPr>
+            <a:lvl9pPr marL="3657600" algn="l" defTabSz="914400" rtl="0" eaLnBrk="1" latinLnBrk="0" hangingPunct="1">
+              <a:defRPr sz="1800" kern="1200">
+                <a:solidFill>
+                  <a:schemeClr val="tx1"/>
+                </a:solidFill>
+                <a:latin typeface="+mn-lt"/>
+                <a:ea typeface="+mn-ea"/>
+                <a:cs typeface="+mn-cs"/>
+              </a:defRPr>
+            </a:lvl9pPr>
+          </a:lstStyle>
+          <a:p>
+            <a:r>
+              <a:rPr lang="fr-BE" dirty="0" smtClean="0">
+                <a:solidFill>
+                  <a:schemeClr val="bg1"/>
+                </a:solidFill>
+              </a:rPr>
+              <a:t>13</a:t>
+            </a:r>
+            <a:endParaRPr lang="fr-BE" dirty="0">
+              <a:solidFill>
+                <a:schemeClr val="bg1"/>
+              </a:solidFill>
+            </a:endParaRPr>
+          </a:p>
+        </p:txBody>
+      </p:sp>
+    </p:spTree>
+    <p:extLst>
+      <p:ext uri="{BB962C8B-B14F-4D97-AF65-F5344CB8AC3E}">
+        <p14:creationId xmlns:p14="http://schemas.microsoft.com/office/powerpoint/2010/main" val="2124691597"/>
+      </p:ext>
+    </p:extLst>
+  </p:cSld>
+  <p:clrMapOvr>
+    <a:masterClrMapping/>
+  </p:clrMapOvr>
+  <mc:AlternateContent xmlns:mc="http://schemas.openxmlformats.org/markup-compatibility/2006" xmlns:p14="http://schemas.microsoft.com/office/powerpoint/2010/main">
+    <mc:Choice Requires="p14">
+      <p:transition spd="slow" p14:dur="1400">
+        <p14:doors dir="vert"/>
+      </p:transition>
+    </mc:Choice>
+    <mc:Fallback xmlns="">
+      <p:transition spd="slow">
+        <p:fade/>
+      </p:transition>
+    </mc:Fallback>
+  </mc:AlternateContent>
+  <p:timing>
+    <p:tnLst>
+      <p:par>
+        <p:cTn id="1" dur="indefinite" restart="never" nodeType="tmRoot"/>
+      </p:par>
+    </p:tnLst>
+  </p:timing>
+</p:sld>
+</file>
+
+<file path=ppt/slides/slide14.xml><?xml version="1.0" encoding="utf-8"?>
+<p:sld xmlns:a="http://schemas.openxmlformats.org/drawingml/2006/main" xmlns:r="http://schemas.openxmlformats.org/officeDocument/2006/relationships" xmlns:p="http://schemas.openxmlformats.org/presentationml/2006/main">
+  <p:cSld>
+    <p:spTree>
+      <p:nvGrpSpPr>
+        <p:cNvPr id="1" name=""/>
+        <p:cNvGrpSpPr/>
+        <p:nvPr/>
+      </p:nvGrpSpPr>
+      <p:grpSpPr>
+        <a:xfrm>
+          <a:off x="0" y="0"/>
+          <a:ext cx="0" cy="0"/>
+          <a:chOff x="0" y="0"/>
+          <a:chExt cx="0" cy="0"/>
+        </a:xfrm>
+      </p:grpSpPr>
+      <p:pic>
+        <p:nvPicPr>
+          <p:cNvPr id="5" name="Espace réservé du contenu 4"/>
+          <p:cNvPicPr>
+            <a:picLocks noGrp="1" noChangeAspect="1"/>
+          </p:cNvPicPr>
+          <p:nvPr>
+            <p:ph idx="1"/>
+          </p:nvPr>
+        </p:nvPicPr>
+        <p:blipFill>
+          <a:blip r:embed="rId2">
+            <a:extLst>
+              <a:ext uri="{28A0092B-C50C-407E-A947-70E740481C1C}">
+                <a14:useLocalDpi xmlns:a14="http://schemas.microsoft.com/office/drawing/2010/main" val="0"/>
+              </a:ext>
+            </a:extLst>
+          </a:blip>
+          <a:stretch>
+            <a:fillRect/>
+          </a:stretch>
+        </p:blipFill>
+        <p:spPr>
+          <a:xfrm>
+            <a:off x="1547664" y="1340768"/>
+            <a:ext cx="5400600" cy="5028604"/>
+          </a:xfrm>
+        </p:spPr>
+      </p:pic>
+      <p:sp>
+        <p:nvSpPr>
+          <p:cNvPr id="4" name="Espace réservé du numéro de diapositive 3"/>
+          <p:cNvSpPr>
+            <a:spLocks noGrp="1"/>
+          </p:cNvSpPr>
+          <p:nvPr>
+            <p:ph type="sldNum" sz="quarter" idx="12"/>
+          </p:nvPr>
+        </p:nvSpPr>
+        <p:spPr/>
+        <p:txBody>
+          <a:bodyPr/>
+          <a:lstStyle/>
+          <a:p>
+            <a:fld id="{CF4668DC-857F-487D-BFFA-8C0CA5037977}" type="slidenum">
+              <a:rPr lang="fr-BE" smtClean="0"/>
+              <a:pPr/>
+              <a:t>14</a:t>
+            </a:fld>
+            <a:endParaRPr lang="fr-BE"/>
+          </a:p>
+        </p:txBody>
+      </p:sp>
+      <p:sp>
+        <p:nvSpPr>
+          <p:cNvPr id="6" name="Titre 1"/>
+          <p:cNvSpPr txBox="1">
+            <a:spLocks/>
+          </p:cNvSpPr>
+          <p:nvPr/>
+        </p:nvSpPr>
+        <p:spPr>
+          <a:xfrm>
+            <a:off x="401157" y="223596"/>
+            <a:ext cx="7055380" cy="1400530"/>
+          </a:xfrm>
+          <a:prstGeom prst="rect">
+            <a:avLst/>
+          </a:prstGeom>
+        </p:spPr>
+        <p:txBody>
+          <a:bodyPr vert="horz" lIns="91440" tIns="45720" rIns="91440" bIns="45720" rtlCol="0" anchor="t">
+            <a:noAutofit/>
+          </a:bodyPr>
+          <a:lstStyle>
+            <a:lvl1pPr algn="l" defTabSz="457207" rtl="0" eaLnBrk="1" latinLnBrk="0" hangingPunct="1">
+              <a:spcBef>
+                <a:spcPct val="0"/>
+              </a:spcBef>
+              <a:buNone/>
+              <a:defRPr sz="4200" b="0" i="0" kern="1200">
+                <a:solidFill>
+                  <a:schemeClr val="tx2"/>
+                </a:solidFill>
+                <a:latin typeface="+mj-lt"/>
+                <a:ea typeface="+mj-ea"/>
+                <a:cs typeface="+mj-cs"/>
+              </a:defRPr>
+            </a:lvl1pPr>
+            <a:lvl2pPr eaLnBrk="1" hangingPunct="1">
+              <a:defRPr>
+                <a:solidFill>
+                  <a:schemeClr val="tx2"/>
+                </a:solidFill>
+              </a:defRPr>
+            </a:lvl2pPr>
+            <a:lvl3pPr eaLnBrk="1" hangingPunct="1">
+              <a:defRPr>
+                <a:solidFill>
+                  <a:schemeClr val="tx2"/>
+                </a:solidFill>
+              </a:defRPr>
+            </a:lvl3pPr>
+            <a:lvl4pPr eaLnBrk="1" hangingPunct="1">
+              <a:defRPr>
+                <a:solidFill>
+                  <a:schemeClr val="tx2"/>
+                </a:solidFill>
+              </a:defRPr>
+            </a:lvl4pPr>
+            <a:lvl5pPr eaLnBrk="1" hangingPunct="1">
+              <a:defRPr>
+                <a:solidFill>
+                  <a:schemeClr val="tx2"/>
+                </a:solidFill>
+              </a:defRPr>
+            </a:lvl5pPr>
+            <a:lvl6pPr eaLnBrk="1" hangingPunct="1">
+              <a:defRPr>
+                <a:solidFill>
+                  <a:schemeClr val="tx2"/>
+                </a:solidFill>
+              </a:defRPr>
+            </a:lvl6pPr>
+            <a:lvl7pPr eaLnBrk="1" hangingPunct="1">
+              <a:defRPr>
+                <a:solidFill>
+                  <a:schemeClr val="tx2"/>
+                </a:solidFill>
+              </a:defRPr>
+            </a:lvl7pPr>
+            <a:lvl8pPr eaLnBrk="1" hangingPunct="1">
+              <a:defRPr>
+                <a:solidFill>
+                  <a:schemeClr val="tx2"/>
+                </a:solidFill>
+              </a:defRPr>
+            </a:lvl8pPr>
+            <a:lvl9pPr eaLnBrk="1" hangingPunct="1">
+              <a:defRPr>
+                <a:solidFill>
+                  <a:schemeClr val="tx2"/>
+                </a:solidFill>
+              </a:defRPr>
+            </a:lvl9pPr>
+          </a:lstStyle>
+          <a:p>
+            <a:r>
+              <a:rPr lang="en-US" b="1" i="1" dirty="0" err="1" smtClean="0">
+                <a:solidFill>
+                  <a:schemeClr val="tx1"/>
+                </a:solidFill>
+                <a:latin typeface="Berlin Sans FB Demi" pitchFamily="34" charset="0"/>
+              </a:rPr>
+              <a:t>Implémentation</a:t>
+            </a:r>
+            <a:endParaRPr lang="en-US" b="1" i="1" dirty="0">
+              <a:latin typeface="Berlin Sans FB Demi" pitchFamily="34" charset="0"/>
+            </a:endParaRPr>
+          </a:p>
+        </p:txBody>
+      </p:sp>
+      <p:sp>
+        <p:nvSpPr>
+          <p:cNvPr id="7" name="Rectangle 6"/>
+          <p:cNvSpPr/>
+          <p:nvPr/>
+        </p:nvSpPr>
+        <p:spPr>
+          <a:xfrm>
+            <a:off x="7740352" y="-27384"/>
+            <a:ext cx="720080" cy="1124744"/>
+          </a:xfrm>
+          <a:prstGeom prst="rect">
+            <a:avLst/>
+          </a:prstGeom>
+          <a:solidFill>
+            <a:srgbClr val="00B0F0"/>
+          </a:solidFill>
+          <a:ln>
+            <a:noFill/>
+          </a:ln>
+          <a:effectLst>
+            <a:outerShdw blurRad="50800" dist="38100" algn="l" rotWithShape="0">
+              <a:prstClr val="black">
+                <a:alpha val="40000"/>
+              </a:prstClr>
+            </a:outerShdw>
+          </a:effectLst>
+        </p:spPr>
+        <p:style>
+          <a:lnRef idx="2">
+            <a:schemeClr val="accent1">
+              <a:shade val="50000"/>
+            </a:schemeClr>
+          </a:lnRef>
+          <a:fillRef idx="1">
+            <a:schemeClr val="accent1"/>
+          </a:fillRef>
+          <a:effectRef idx="0">
+            <a:schemeClr val="accent1"/>
+          </a:effectRef>
+          <a:fontRef idx="minor">
+            <a:schemeClr val="lt1"/>
+          </a:fontRef>
+        </p:style>
+        <p:txBody>
+          <a:bodyPr rtlCol="0" anchor="ctr"/>
+          <a:lstStyle/>
+          <a:p>
+            <a:pPr algn="ctr"/>
+            <a:endParaRPr lang="fr-FR"/>
+          </a:p>
+        </p:txBody>
+      </p:sp>
+      <p:sp>
+        <p:nvSpPr>
+          <p:cNvPr id="8" name="Espace réservé du numéro de diapositive 1"/>
+          <p:cNvSpPr txBox="1">
+            <a:spLocks/>
+          </p:cNvSpPr>
+          <p:nvPr/>
+        </p:nvSpPr>
+        <p:spPr bwMode="gray">
+          <a:xfrm>
+            <a:off x="7766431" y="268352"/>
+            <a:ext cx="628813" cy="767687"/>
+          </a:xfrm>
+          <a:prstGeom prst="rect">
+            <a:avLst/>
+          </a:prstGeom>
+        </p:spPr>
+        <p:txBody>
+          <a:bodyPr vert="horz" lIns="91440" tIns="45720" rIns="91440" bIns="45720" rtlCol="0" anchor="b"/>
+          <a:lstStyle>
+            <a:defPPr>
+              <a:defRPr lang="fr-FR"/>
+            </a:defPPr>
+            <a:lvl1pPr marL="0" algn="ctr" defTabSz="914400" rtl="0" eaLnBrk="1" latinLnBrk="0" hangingPunct="1">
+              <a:defRPr sz="2801" b="0" i="0" kern="1200">
+                <a:solidFill>
+                  <a:schemeClr val="tx1">
+                    <a:tint val="75000"/>
+                  </a:schemeClr>
+                </a:solidFill>
+                <a:latin typeface="+mn-lt"/>
+                <a:ea typeface="+mn-ea"/>
+                <a:cs typeface="+mn-cs"/>
+              </a:defRPr>
+            </a:lvl1pPr>
+            <a:lvl2pPr marL="457200" algn="l" defTabSz="914400" rtl="0" eaLnBrk="1" latinLnBrk="0" hangingPunct="1">
+              <a:defRPr sz="1800" kern="1200">
+                <a:solidFill>
+                  <a:schemeClr val="tx1"/>
+                </a:solidFill>
+                <a:latin typeface="+mn-lt"/>
+                <a:ea typeface="+mn-ea"/>
+                <a:cs typeface="+mn-cs"/>
+              </a:defRPr>
+            </a:lvl2pPr>
+            <a:lvl3pPr marL="914400" algn="l" defTabSz="914400" rtl="0" eaLnBrk="1" latinLnBrk="0" hangingPunct="1">
+              <a:defRPr sz="1800" kern="1200">
+                <a:solidFill>
+                  <a:schemeClr val="tx1"/>
+                </a:solidFill>
+                <a:latin typeface="+mn-lt"/>
+                <a:ea typeface="+mn-ea"/>
+                <a:cs typeface="+mn-cs"/>
+              </a:defRPr>
+            </a:lvl3pPr>
+            <a:lvl4pPr marL="1371600" algn="l" defTabSz="914400" rtl="0" eaLnBrk="1" latinLnBrk="0" hangingPunct="1">
+              <a:defRPr sz="1800" kern="1200">
+                <a:solidFill>
+                  <a:schemeClr val="tx1"/>
+                </a:solidFill>
+                <a:latin typeface="+mn-lt"/>
+                <a:ea typeface="+mn-ea"/>
+                <a:cs typeface="+mn-cs"/>
+              </a:defRPr>
+            </a:lvl4pPr>
+            <a:lvl5pPr marL="1828800" algn="l" defTabSz="914400" rtl="0" eaLnBrk="1" latinLnBrk="0" hangingPunct="1">
+              <a:defRPr sz="1800" kern="1200">
+                <a:solidFill>
+                  <a:schemeClr val="tx1"/>
+                </a:solidFill>
+                <a:latin typeface="+mn-lt"/>
+                <a:ea typeface="+mn-ea"/>
+                <a:cs typeface="+mn-cs"/>
+              </a:defRPr>
+            </a:lvl5pPr>
+            <a:lvl6pPr marL="2286000" algn="l" defTabSz="914400" rtl="0" eaLnBrk="1" latinLnBrk="0" hangingPunct="1">
+              <a:defRPr sz="1800" kern="1200">
+                <a:solidFill>
+                  <a:schemeClr val="tx1"/>
+                </a:solidFill>
+                <a:latin typeface="+mn-lt"/>
+                <a:ea typeface="+mn-ea"/>
+                <a:cs typeface="+mn-cs"/>
+              </a:defRPr>
+            </a:lvl6pPr>
+            <a:lvl7pPr marL="2743200" algn="l" defTabSz="914400" rtl="0" eaLnBrk="1" latinLnBrk="0" hangingPunct="1">
+              <a:defRPr sz="1800" kern="1200">
+                <a:solidFill>
+                  <a:schemeClr val="tx1"/>
+                </a:solidFill>
+                <a:latin typeface="+mn-lt"/>
+                <a:ea typeface="+mn-ea"/>
+                <a:cs typeface="+mn-cs"/>
+              </a:defRPr>
+            </a:lvl7pPr>
+            <a:lvl8pPr marL="3200400" algn="l" defTabSz="914400" rtl="0" eaLnBrk="1" latinLnBrk="0" hangingPunct="1">
+              <a:defRPr sz="1800" kern="1200">
+                <a:solidFill>
+                  <a:schemeClr val="tx1"/>
+                </a:solidFill>
+                <a:latin typeface="+mn-lt"/>
+                <a:ea typeface="+mn-ea"/>
+                <a:cs typeface="+mn-cs"/>
+              </a:defRPr>
+            </a:lvl8pPr>
+            <a:lvl9pPr marL="3657600" algn="l" defTabSz="914400" rtl="0" eaLnBrk="1" latinLnBrk="0" hangingPunct="1">
+              <a:defRPr sz="1800" kern="1200">
+                <a:solidFill>
+                  <a:schemeClr val="tx1"/>
+                </a:solidFill>
+                <a:latin typeface="+mn-lt"/>
+                <a:ea typeface="+mn-ea"/>
+                <a:cs typeface="+mn-cs"/>
+              </a:defRPr>
+            </a:lvl9pPr>
+          </a:lstStyle>
+          <a:p>
+            <a:r>
+              <a:rPr lang="fr-BE" dirty="0" smtClean="0">
+                <a:solidFill>
+                  <a:schemeClr val="bg1"/>
+                </a:solidFill>
+              </a:rPr>
+              <a:t>14</a:t>
+            </a:r>
+            <a:endParaRPr lang="fr-BE" dirty="0">
+              <a:solidFill>
+                <a:schemeClr val="bg1"/>
+              </a:solidFill>
+            </a:endParaRPr>
+          </a:p>
+        </p:txBody>
+      </p:sp>
+    </p:spTree>
+    <p:extLst>
+      <p:ext uri="{BB962C8B-B14F-4D97-AF65-F5344CB8AC3E}">
+        <p14:creationId xmlns:p14="http://schemas.microsoft.com/office/powerpoint/2010/main" val="2778927818"/>
+      </p:ext>
+    </p:extLst>
+  </p:cSld>
+  <p:clrMapOvr>
+    <a:masterClrMapping/>
+  </p:clrMapOvr>
+  <mc:AlternateContent xmlns:mc="http://schemas.openxmlformats.org/markup-compatibility/2006" xmlns:p14="http://schemas.microsoft.com/office/powerpoint/2010/main">
+    <mc:Choice Requires="p14">
+      <p:transition spd="slow" p14:dur="1400">
+        <p14:doors dir="vert"/>
+      </p:transition>
+    </mc:Choice>
+    <mc:Fallback xmlns="">
+      <p:transition spd="slow">
+        <p:fade/>
+      </p:transition>
+    </mc:Fallback>
+  </mc:AlternateContent>
+  <p:timing>
+    <p:tnLst>
+      <p:par>
+        <p:cTn id="1" dur="indefinite" restart="never" nodeType="tmRoot"/>
+      </p:par>
+    </p:tnLst>
+  </p:timing>
+</p:sld>
+</file>
+
+<file path=ppt/slides/slide15.xml><?xml version="1.0" encoding="utf-8"?>
+<p:sld xmlns:a="http://schemas.openxmlformats.org/drawingml/2006/main" xmlns:r="http://schemas.openxmlformats.org/officeDocument/2006/relationships" xmlns:p="http://schemas.openxmlformats.org/presentationml/2006/main">
+  <p:cSld>
+    <p:spTree>
+      <p:nvGrpSpPr>
+        <p:cNvPr id="1" name=""/>
+        <p:cNvGrpSpPr/>
+        <p:nvPr/>
+      </p:nvGrpSpPr>
+      <p:grpSpPr>
+        <a:xfrm>
+          <a:off x="0" y="0"/>
+          <a:ext cx="0" cy="0"/>
+          <a:chOff x="0" y="0"/>
+          <a:chExt cx="0" cy="0"/>
+        </a:xfrm>
+      </p:grpSpPr>
+      <p:pic>
+        <p:nvPicPr>
+          <p:cNvPr id="6" name="Espace réservé du contenu 5"/>
+          <p:cNvPicPr>
+            <a:picLocks noGrp="1" noChangeAspect="1"/>
+          </p:cNvPicPr>
+          <p:nvPr>
+            <p:ph idx="1"/>
+          </p:nvPr>
+        </p:nvPicPr>
+        <p:blipFill>
+          <a:blip r:embed="rId2">
+            <a:extLst>
+              <a:ext uri="{28A0092B-C50C-407E-A947-70E740481C1C}">
+                <a14:useLocalDpi xmlns:a14="http://schemas.microsoft.com/office/drawing/2010/main" val="0"/>
+              </a:ext>
+            </a:extLst>
+          </a:blip>
+          <a:stretch>
+            <a:fillRect/>
+          </a:stretch>
+        </p:blipFill>
+        <p:spPr>
+          <a:xfrm>
+            <a:off x="1691680" y="1412776"/>
+            <a:ext cx="5256584" cy="4988976"/>
+          </a:xfrm>
+        </p:spPr>
+      </p:pic>
+      <p:sp>
+        <p:nvSpPr>
+          <p:cNvPr id="4" name="Espace réservé du numéro de diapositive 3"/>
+          <p:cNvSpPr>
+            <a:spLocks noGrp="1"/>
+          </p:cNvSpPr>
+          <p:nvPr>
+            <p:ph type="sldNum" sz="quarter" idx="12"/>
+          </p:nvPr>
+        </p:nvSpPr>
+        <p:spPr/>
+        <p:txBody>
+          <a:bodyPr/>
+          <a:lstStyle/>
+          <a:p>
+            <a:fld id="{CF4668DC-857F-487D-BFFA-8C0CA5037977}" type="slidenum">
+              <a:rPr lang="fr-BE" smtClean="0"/>
+              <a:pPr/>
+              <a:t>15</a:t>
+            </a:fld>
+            <a:endParaRPr lang="fr-BE"/>
+          </a:p>
+        </p:txBody>
+      </p:sp>
+      <p:sp>
+        <p:nvSpPr>
+          <p:cNvPr id="7" name="Titre 1"/>
+          <p:cNvSpPr txBox="1">
+            <a:spLocks/>
+          </p:cNvSpPr>
+          <p:nvPr/>
+        </p:nvSpPr>
+        <p:spPr>
+          <a:xfrm>
+            <a:off x="401157" y="223596"/>
+            <a:ext cx="7055380" cy="1400530"/>
+          </a:xfrm>
+          <a:prstGeom prst="rect">
+            <a:avLst/>
+          </a:prstGeom>
+        </p:spPr>
+        <p:txBody>
+          <a:bodyPr vert="horz" lIns="91440" tIns="45720" rIns="91440" bIns="45720" rtlCol="0" anchor="t">
+            <a:noAutofit/>
+          </a:bodyPr>
+          <a:lstStyle>
+            <a:lvl1pPr algn="l" defTabSz="457207" rtl="0" eaLnBrk="1" latinLnBrk="0" hangingPunct="1">
+              <a:spcBef>
+                <a:spcPct val="0"/>
+              </a:spcBef>
+              <a:buNone/>
+              <a:defRPr sz="4200" b="0" i="0" kern="1200">
+                <a:solidFill>
+                  <a:schemeClr val="tx2"/>
+                </a:solidFill>
+                <a:latin typeface="+mj-lt"/>
+                <a:ea typeface="+mj-ea"/>
+                <a:cs typeface="+mj-cs"/>
+              </a:defRPr>
+            </a:lvl1pPr>
+            <a:lvl2pPr eaLnBrk="1" hangingPunct="1">
+              <a:defRPr>
+                <a:solidFill>
+                  <a:schemeClr val="tx2"/>
+                </a:solidFill>
+              </a:defRPr>
+            </a:lvl2pPr>
+            <a:lvl3pPr eaLnBrk="1" hangingPunct="1">
+              <a:defRPr>
+                <a:solidFill>
+                  <a:schemeClr val="tx2"/>
+                </a:solidFill>
+              </a:defRPr>
+            </a:lvl3pPr>
+            <a:lvl4pPr eaLnBrk="1" hangingPunct="1">
+              <a:defRPr>
+                <a:solidFill>
+                  <a:schemeClr val="tx2"/>
+                </a:solidFill>
+              </a:defRPr>
+            </a:lvl4pPr>
+            <a:lvl5pPr eaLnBrk="1" hangingPunct="1">
+              <a:defRPr>
+                <a:solidFill>
+                  <a:schemeClr val="tx2"/>
+                </a:solidFill>
+              </a:defRPr>
+            </a:lvl5pPr>
+            <a:lvl6pPr eaLnBrk="1" hangingPunct="1">
+              <a:defRPr>
+                <a:solidFill>
+                  <a:schemeClr val="tx2"/>
+                </a:solidFill>
+              </a:defRPr>
+            </a:lvl6pPr>
+            <a:lvl7pPr eaLnBrk="1" hangingPunct="1">
+              <a:defRPr>
+                <a:solidFill>
+                  <a:schemeClr val="tx2"/>
+                </a:solidFill>
+              </a:defRPr>
+            </a:lvl7pPr>
+            <a:lvl8pPr eaLnBrk="1" hangingPunct="1">
+              <a:defRPr>
+                <a:solidFill>
+                  <a:schemeClr val="tx2"/>
+                </a:solidFill>
+              </a:defRPr>
+            </a:lvl8pPr>
+            <a:lvl9pPr eaLnBrk="1" hangingPunct="1">
+              <a:defRPr>
+                <a:solidFill>
+                  <a:schemeClr val="tx2"/>
+                </a:solidFill>
+              </a:defRPr>
+            </a:lvl9pPr>
+          </a:lstStyle>
+          <a:p>
+            <a:r>
+              <a:rPr lang="en-US" b="1" i="1" dirty="0" err="1" smtClean="0">
+                <a:solidFill>
+                  <a:schemeClr val="tx1"/>
+                </a:solidFill>
+                <a:latin typeface="Berlin Sans FB Demi" pitchFamily="34" charset="0"/>
+              </a:rPr>
+              <a:t>Implémentation</a:t>
+            </a:r>
+            <a:endParaRPr lang="en-US" b="1" i="1" dirty="0">
+              <a:latin typeface="Berlin Sans FB Demi" pitchFamily="34" charset="0"/>
+            </a:endParaRPr>
+          </a:p>
+        </p:txBody>
+      </p:sp>
+      <p:sp>
+        <p:nvSpPr>
+          <p:cNvPr id="8" name="Rectangle 7"/>
+          <p:cNvSpPr/>
+          <p:nvPr/>
+        </p:nvSpPr>
+        <p:spPr>
+          <a:xfrm>
+            <a:off x="7740352" y="-27384"/>
+            <a:ext cx="720080" cy="1124744"/>
+          </a:xfrm>
+          <a:prstGeom prst="rect">
+            <a:avLst/>
+          </a:prstGeom>
+          <a:solidFill>
+            <a:srgbClr val="00B0F0"/>
+          </a:solidFill>
+          <a:ln>
+            <a:noFill/>
+          </a:ln>
+          <a:effectLst>
+            <a:outerShdw blurRad="50800" dist="38100" algn="l" rotWithShape="0">
+              <a:prstClr val="black">
+                <a:alpha val="40000"/>
+              </a:prstClr>
+            </a:outerShdw>
+          </a:effectLst>
+        </p:spPr>
+        <p:style>
+          <a:lnRef idx="2">
+            <a:schemeClr val="accent1">
+              <a:shade val="50000"/>
+            </a:schemeClr>
+          </a:lnRef>
+          <a:fillRef idx="1">
+            <a:schemeClr val="accent1"/>
+          </a:fillRef>
+          <a:effectRef idx="0">
+            <a:schemeClr val="accent1"/>
+          </a:effectRef>
+          <a:fontRef idx="minor">
+            <a:schemeClr val="lt1"/>
+          </a:fontRef>
+        </p:style>
+        <p:txBody>
+          <a:bodyPr rtlCol="0" anchor="ctr"/>
+          <a:lstStyle/>
+          <a:p>
+            <a:pPr algn="ctr"/>
+            <a:endParaRPr lang="fr-FR"/>
+          </a:p>
+        </p:txBody>
+      </p:sp>
+      <p:sp>
+        <p:nvSpPr>
+          <p:cNvPr id="9" name="Espace réservé du numéro de diapositive 1"/>
+          <p:cNvSpPr txBox="1">
+            <a:spLocks/>
+          </p:cNvSpPr>
+          <p:nvPr/>
+        </p:nvSpPr>
+        <p:spPr bwMode="gray">
+          <a:xfrm>
+            <a:off x="7766431" y="268352"/>
+            <a:ext cx="628813" cy="767687"/>
+          </a:xfrm>
+          <a:prstGeom prst="rect">
+            <a:avLst/>
+          </a:prstGeom>
+        </p:spPr>
+        <p:txBody>
+          <a:bodyPr vert="horz" lIns="91440" tIns="45720" rIns="91440" bIns="45720" rtlCol="0" anchor="b"/>
+          <a:lstStyle>
+            <a:defPPr>
+              <a:defRPr lang="fr-FR"/>
+            </a:defPPr>
+            <a:lvl1pPr marL="0" algn="ctr" defTabSz="914400" rtl="0" eaLnBrk="1" latinLnBrk="0" hangingPunct="1">
+              <a:defRPr sz="2801" b="0" i="0" kern="1200">
+                <a:solidFill>
+                  <a:schemeClr val="tx1">
+                    <a:tint val="75000"/>
+                  </a:schemeClr>
+                </a:solidFill>
+                <a:latin typeface="+mn-lt"/>
+                <a:ea typeface="+mn-ea"/>
+                <a:cs typeface="+mn-cs"/>
+              </a:defRPr>
+            </a:lvl1pPr>
+            <a:lvl2pPr marL="457200" algn="l" defTabSz="914400" rtl="0" eaLnBrk="1" latinLnBrk="0" hangingPunct="1">
+              <a:defRPr sz="1800" kern="1200">
+                <a:solidFill>
+                  <a:schemeClr val="tx1"/>
+                </a:solidFill>
+                <a:latin typeface="+mn-lt"/>
+                <a:ea typeface="+mn-ea"/>
+                <a:cs typeface="+mn-cs"/>
+              </a:defRPr>
+            </a:lvl2pPr>
+            <a:lvl3pPr marL="914400" algn="l" defTabSz="914400" rtl="0" eaLnBrk="1" latinLnBrk="0" hangingPunct="1">
+              <a:defRPr sz="1800" kern="1200">
+                <a:solidFill>
+                  <a:schemeClr val="tx1"/>
+                </a:solidFill>
+                <a:latin typeface="+mn-lt"/>
+                <a:ea typeface="+mn-ea"/>
+                <a:cs typeface="+mn-cs"/>
+              </a:defRPr>
+            </a:lvl3pPr>
+            <a:lvl4pPr marL="1371600" algn="l" defTabSz="914400" rtl="0" eaLnBrk="1" latinLnBrk="0" hangingPunct="1">
+              <a:defRPr sz="1800" kern="1200">
+                <a:solidFill>
+                  <a:schemeClr val="tx1"/>
+                </a:solidFill>
+                <a:latin typeface="+mn-lt"/>
+                <a:ea typeface="+mn-ea"/>
+                <a:cs typeface="+mn-cs"/>
+              </a:defRPr>
+            </a:lvl4pPr>
+            <a:lvl5pPr marL="1828800" algn="l" defTabSz="914400" rtl="0" eaLnBrk="1" latinLnBrk="0" hangingPunct="1">
+              <a:defRPr sz="1800" kern="1200">
+                <a:solidFill>
+                  <a:schemeClr val="tx1"/>
+                </a:solidFill>
+                <a:latin typeface="+mn-lt"/>
+                <a:ea typeface="+mn-ea"/>
+                <a:cs typeface="+mn-cs"/>
+              </a:defRPr>
+            </a:lvl5pPr>
+            <a:lvl6pPr marL="2286000" algn="l" defTabSz="914400" rtl="0" eaLnBrk="1" latinLnBrk="0" hangingPunct="1">
+              <a:defRPr sz="1800" kern="1200">
+                <a:solidFill>
+                  <a:schemeClr val="tx1"/>
+                </a:solidFill>
+                <a:latin typeface="+mn-lt"/>
+                <a:ea typeface="+mn-ea"/>
+                <a:cs typeface="+mn-cs"/>
+              </a:defRPr>
+            </a:lvl6pPr>
+            <a:lvl7pPr marL="2743200" algn="l" defTabSz="914400" rtl="0" eaLnBrk="1" latinLnBrk="0" hangingPunct="1">
+              <a:defRPr sz="1800" kern="1200">
+                <a:solidFill>
+                  <a:schemeClr val="tx1"/>
+                </a:solidFill>
+                <a:latin typeface="+mn-lt"/>
+                <a:ea typeface="+mn-ea"/>
+                <a:cs typeface="+mn-cs"/>
+              </a:defRPr>
+            </a:lvl7pPr>
+            <a:lvl8pPr marL="3200400" algn="l" defTabSz="914400" rtl="0" eaLnBrk="1" latinLnBrk="0" hangingPunct="1">
+              <a:defRPr sz="1800" kern="1200">
+                <a:solidFill>
+                  <a:schemeClr val="tx1"/>
+                </a:solidFill>
+                <a:latin typeface="+mn-lt"/>
+                <a:ea typeface="+mn-ea"/>
+                <a:cs typeface="+mn-cs"/>
+              </a:defRPr>
+            </a:lvl8pPr>
+            <a:lvl9pPr marL="3657600" algn="l" defTabSz="914400" rtl="0" eaLnBrk="1" latinLnBrk="0" hangingPunct="1">
+              <a:defRPr sz="1800" kern="1200">
+                <a:solidFill>
+                  <a:schemeClr val="tx1"/>
+                </a:solidFill>
+                <a:latin typeface="+mn-lt"/>
+                <a:ea typeface="+mn-ea"/>
+                <a:cs typeface="+mn-cs"/>
+              </a:defRPr>
+            </a:lvl9pPr>
+          </a:lstStyle>
+          <a:p>
+            <a:r>
+              <a:rPr lang="fr-BE" dirty="0" smtClean="0">
+                <a:solidFill>
+                  <a:schemeClr val="bg1"/>
+                </a:solidFill>
+              </a:rPr>
+              <a:t>15</a:t>
+            </a:r>
+            <a:endParaRPr lang="fr-BE" dirty="0">
+              <a:solidFill>
+                <a:schemeClr val="bg1"/>
+              </a:solidFill>
+            </a:endParaRPr>
+          </a:p>
+        </p:txBody>
+      </p:sp>
+    </p:spTree>
+    <p:extLst>
+      <p:ext uri="{BB962C8B-B14F-4D97-AF65-F5344CB8AC3E}">
+        <p14:creationId xmlns:p14="http://schemas.microsoft.com/office/powerpoint/2010/main" val="2695329167"/>
+      </p:ext>
+    </p:extLst>
+  </p:cSld>
+  <p:clrMapOvr>
+    <a:masterClrMapping/>
+  </p:clrMapOvr>
+  <mc:AlternateContent xmlns:mc="http://schemas.openxmlformats.org/markup-compatibility/2006" xmlns:p14="http://schemas.microsoft.com/office/powerpoint/2010/main">
+    <mc:Choice Requires="p14">
+      <p:transition spd="slow" p14:dur="1400">
+        <p14:doors dir="vert"/>
+      </p:transition>
+    </mc:Choice>
+    <mc:Fallback xmlns="">
+      <p:transition spd="slow">
+        <p:fade/>
+      </p:transition>
+    </mc:Fallback>
+  </mc:AlternateContent>
+  <p:timing>
+    <p:tnLst>
+      <p:par>
+        <p:cTn id="1" dur="indefinite" restart="never" nodeType="tmRoot"/>
+      </p:par>
+    </p:tnLst>
+  </p:timing>
+</p:sld>
+</file>
+
+<file path=ppt/slides/slide16.xml><?xml version="1.0" encoding="utf-8"?>
+<p:sld xmlns:a="http://schemas.openxmlformats.org/drawingml/2006/main" xmlns:r="http://schemas.openxmlformats.org/officeDocument/2006/relationships" xmlns:p="http://schemas.openxmlformats.org/presentationml/2006/main">
+  <p:cSld>
+    <p:spTree>
+      <p:nvGrpSpPr>
+        <p:cNvPr id="1" name=""/>
+        <p:cNvGrpSpPr/>
+        <p:nvPr/>
+      </p:nvGrpSpPr>
+      <p:grpSpPr>
+        <a:xfrm>
+          <a:off x="0" y="0"/>
+          <a:ext cx="0" cy="0"/>
+          <a:chOff x="0" y="0"/>
+          <a:chExt cx="0" cy="0"/>
+        </a:xfrm>
+      </p:grpSpPr>
+      <p:pic>
+        <p:nvPicPr>
+          <p:cNvPr id="5" name="Espace réservé du contenu 4"/>
+          <p:cNvPicPr>
+            <a:picLocks noGrp="1" noChangeAspect="1"/>
+          </p:cNvPicPr>
+          <p:nvPr>
+            <p:ph idx="1"/>
+          </p:nvPr>
+        </p:nvPicPr>
+        <p:blipFill>
+          <a:blip r:embed="rId2">
+            <a:extLst>
+              <a:ext uri="{28A0092B-C50C-407E-A947-70E740481C1C}">
+                <a14:useLocalDpi xmlns:a14="http://schemas.microsoft.com/office/drawing/2010/main" val="0"/>
+              </a:ext>
+            </a:extLst>
+          </a:blip>
+          <a:stretch>
+            <a:fillRect/>
+          </a:stretch>
+        </p:blipFill>
+        <p:spPr>
+          <a:xfrm>
+            <a:off x="1619672" y="1412776"/>
+            <a:ext cx="5196038" cy="4896894"/>
+          </a:xfrm>
+        </p:spPr>
+      </p:pic>
+      <p:sp>
+        <p:nvSpPr>
+          <p:cNvPr id="4" name="Espace réservé du numéro de diapositive 3"/>
+          <p:cNvSpPr>
+            <a:spLocks noGrp="1"/>
+          </p:cNvSpPr>
+          <p:nvPr>
+            <p:ph type="sldNum" sz="quarter" idx="12"/>
+          </p:nvPr>
+        </p:nvSpPr>
+        <p:spPr/>
+        <p:txBody>
+          <a:bodyPr/>
+          <a:lstStyle/>
+          <a:p>
+            <a:fld id="{CF4668DC-857F-487D-BFFA-8C0CA5037977}" type="slidenum">
+              <a:rPr lang="fr-BE" smtClean="0"/>
+              <a:pPr/>
+              <a:t>16</a:t>
+            </a:fld>
+            <a:endParaRPr lang="fr-BE"/>
+          </a:p>
+        </p:txBody>
+      </p:sp>
+      <p:sp>
+        <p:nvSpPr>
+          <p:cNvPr id="6" name="Titre 1"/>
+          <p:cNvSpPr txBox="1">
+            <a:spLocks/>
+          </p:cNvSpPr>
+          <p:nvPr/>
+        </p:nvSpPr>
+        <p:spPr>
+          <a:xfrm>
+            <a:off x="401157" y="223596"/>
+            <a:ext cx="7055380" cy="1400530"/>
+          </a:xfrm>
+          <a:prstGeom prst="rect">
+            <a:avLst/>
+          </a:prstGeom>
+        </p:spPr>
+        <p:txBody>
+          <a:bodyPr vert="horz" lIns="91440" tIns="45720" rIns="91440" bIns="45720" rtlCol="0" anchor="t">
+            <a:noAutofit/>
+          </a:bodyPr>
+          <a:lstStyle>
+            <a:lvl1pPr algn="l" defTabSz="457207" rtl="0" eaLnBrk="1" latinLnBrk="0" hangingPunct="1">
+              <a:spcBef>
+                <a:spcPct val="0"/>
+              </a:spcBef>
+              <a:buNone/>
+              <a:defRPr sz="4200" b="0" i="0" kern="1200">
+                <a:solidFill>
+                  <a:schemeClr val="tx2"/>
+                </a:solidFill>
+                <a:latin typeface="+mj-lt"/>
+                <a:ea typeface="+mj-ea"/>
+                <a:cs typeface="+mj-cs"/>
+              </a:defRPr>
+            </a:lvl1pPr>
+            <a:lvl2pPr eaLnBrk="1" hangingPunct="1">
+              <a:defRPr>
+                <a:solidFill>
+                  <a:schemeClr val="tx2"/>
+                </a:solidFill>
+              </a:defRPr>
+            </a:lvl2pPr>
+            <a:lvl3pPr eaLnBrk="1" hangingPunct="1">
+              <a:defRPr>
+                <a:solidFill>
+                  <a:schemeClr val="tx2"/>
+                </a:solidFill>
+              </a:defRPr>
+            </a:lvl3pPr>
+            <a:lvl4pPr eaLnBrk="1" hangingPunct="1">
+              <a:defRPr>
+                <a:solidFill>
+                  <a:schemeClr val="tx2"/>
+                </a:solidFill>
+              </a:defRPr>
+            </a:lvl4pPr>
+            <a:lvl5pPr eaLnBrk="1" hangingPunct="1">
+              <a:defRPr>
+                <a:solidFill>
+                  <a:schemeClr val="tx2"/>
+                </a:solidFill>
+              </a:defRPr>
+            </a:lvl5pPr>
+            <a:lvl6pPr eaLnBrk="1" hangingPunct="1">
+              <a:defRPr>
+                <a:solidFill>
+                  <a:schemeClr val="tx2"/>
+                </a:solidFill>
+              </a:defRPr>
+            </a:lvl6pPr>
+            <a:lvl7pPr eaLnBrk="1" hangingPunct="1">
+              <a:defRPr>
+                <a:solidFill>
+                  <a:schemeClr val="tx2"/>
+                </a:solidFill>
+              </a:defRPr>
+            </a:lvl7pPr>
+            <a:lvl8pPr eaLnBrk="1" hangingPunct="1">
+              <a:defRPr>
+                <a:solidFill>
+                  <a:schemeClr val="tx2"/>
+                </a:solidFill>
+              </a:defRPr>
+            </a:lvl8pPr>
+            <a:lvl9pPr eaLnBrk="1" hangingPunct="1">
+              <a:defRPr>
+                <a:solidFill>
+                  <a:schemeClr val="tx2"/>
+                </a:solidFill>
+              </a:defRPr>
+            </a:lvl9pPr>
+          </a:lstStyle>
+          <a:p>
+            <a:r>
+              <a:rPr lang="en-US" b="1" i="1" dirty="0" err="1" smtClean="0">
+                <a:solidFill>
+                  <a:schemeClr val="tx1"/>
+                </a:solidFill>
+                <a:latin typeface="Berlin Sans FB Demi" pitchFamily="34" charset="0"/>
+              </a:rPr>
+              <a:t>Implémentation</a:t>
+            </a:r>
+            <a:endParaRPr lang="en-US" b="1" i="1" dirty="0">
+              <a:latin typeface="Berlin Sans FB Demi" pitchFamily="34" charset="0"/>
+            </a:endParaRPr>
+          </a:p>
+        </p:txBody>
+      </p:sp>
+      <p:sp>
+        <p:nvSpPr>
+          <p:cNvPr id="7" name="Rectangle 6"/>
+          <p:cNvSpPr/>
+          <p:nvPr/>
+        </p:nvSpPr>
+        <p:spPr>
+          <a:xfrm>
+            <a:off x="7740352" y="-27384"/>
+            <a:ext cx="720080" cy="1124744"/>
+          </a:xfrm>
+          <a:prstGeom prst="rect">
+            <a:avLst/>
+          </a:prstGeom>
+          <a:solidFill>
+            <a:srgbClr val="00B0F0"/>
+          </a:solidFill>
+          <a:ln>
+            <a:noFill/>
+          </a:ln>
+          <a:effectLst>
+            <a:outerShdw blurRad="50800" dist="38100" algn="l" rotWithShape="0">
+              <a:prstClr val="black">
+                <a:alpha val="40000"/>
+              </a:prstClr>
+            </a:outerShdw>
+          </a:effectLst>
+        </p:spPr>
+        <p:style>
+          <a:lnRef idx="2">
+            <a:schemeClr val="accent1">
+              <a:shade val="50000"/>
+            </a:schemeClr>
+          </a:lnRef>
+          <a:fillRef idx="1">
+            <a:schemeClr val="accent1"/>
+          </a:fillRef>
+          <a:effectRef idx="0">
+            <a:schemeClr val="accent1"/>
+          </a:effectRef>
+          <a:fontRef idx="minor">
+            <a:schemeClr val="lt1"/>
+          </a:fontRef>
+        </p:style>
+        <p:txBody>
+          <a:bodyPr rtlCol="0" anchor="ctr"/>
+          <a:lstStyle/>
+          <a:p>
+            <a:pPr algn="ctr"/>
+            <a:endParaRPr lang="fr-FR"/>
+          </a:p>
+        </p:txBody>
+      </p:sp>
+      <p:sp>
+        <p:nvSpPr>
+          <p:cNvPr id="8" name="Espace réservé du numéro de diapositive 1"/>
+          <p:cNvSpPr txBox="1">
+            <a:spLocks/>
+          </p:cNvSpPr>
+          <p:nvPr/>
+        </p:nvSpPr>
+        <p:spPr bwMode="gray">
+          <a:xfrm>
+            <a:off x="7766431" y="268352"/>
+            <a:ext cx="628813" cy="767687"/>
+          </a:xfrm>
+          <a:prstGeom prst="rect">
+            <a:avLst/>
+          </a:prstGeom>
+        </p:spPr>
+        <p:txBody>
+          <a:bodyPr vert="horz" lIns="91440" tIns="45720" rIns="91440" bIns="45720" rtlCol="0" anchor="b"/>
+          <a:lstStyle>
+            <a:defPPr>
+              <a:defRPr lang="fr-FR"/>
+            </a:defPPr>
+            <a:lvl1pPr marL="0" algn="ctr" defTabSz="914400" rtl="0" eaLnBrk="1" latinLnBrk="0" hangingPunct="1">
+              <a:defRPr sz="2801" b="0" i="0" kern="1200">
+                <a:solidFill>
+                  <a:schemeClr val="tx1">
+                    <a:tint val="75000"/>
+                  </a:schemeClr>
+                </a:solidFill>
+                <a:latin typeface="+mn-lt"/>
+                <a:ea typeface="+mn-ea"/>
+                <a:cs typeface="+mn-cs"/>
+              </a:defRPr>
+            </a:lvl1pPr>
+            <a:lvl2pPr marL="457200" algn="l" defTabSz="914400" rtl="0" eaLnBrk="1" latinLnBrk="0" hangingPunct="1">
+              <a:defRPr sz="1800" kern="1200">
+                <a:solidFill>
+                  <a:schemeClr val="tx1"/>
+                </a:solidFill>
+                <a:latin typeface="+mn-lt"/>
+                <a:ea typeface="+mn-ea"/>
+                <a:cs typeface="+mn-cs"/>
+              </a:defRPr>
+            </a:lvl2pPr>
+            <a:lvl3pPr marL="914400" algn="l" defTabSz="914400" rtl="0" eaLnBrk="1" latinLnBrk="0" hangingPunct="1">
+              <a:defRPr sz="1800" kern="1200">
+                <a:solidFill>
+                  <a:schemeClr val="tx1"/>
+                </a:solidFill>
+                <a:latin typeface="+mn-lt"/>
+                <a:ea typeface="+mn-ea"/>
+                <a:cs typeface="+mn-cs"/>
+              </a:defRPr>
+            </a:lvl3pPr>
+            <a:lvl4pPr marL="1371600" algn="l" defTabSz="914400" rtl="0" eaLnBrk="1" latinLnBrk="0" hangingPunct="1">
+              <a:defRPr sz="1800" kern="1200">
+                <a:solidFill>
+                  <a:schemeClr val="tx1"/>
+                </a:solidFill>
+                <a:latin typeface="+mn-lt"/>
+                <a:ea typeface="+mn-ea"/>
+                <a:cs typeface="+mn-cs"/>
+              </a:defRPr>
+            </a:lvl4pPr>
+            <a:lvl5pPr marL="1828800" algn="l" defTabSz="914400" rtl="0" eaLnBrk="1" latinLnBrk="0" hangingPunct="1">
+              <a:defRPr sz="1800" kern="1200">
+                <a:solidFill>
+                  <a:schemeClr val="tx1"/>
+                </a:solidFill>
+                <a:latin typeface="+mn-lt"/>
+                <a:ea typeface="+mn-ea"/>
+                <a:cs typeface="+mn-cs"/>
+              </a:defRPr>
+            </a:lvl5pPr>
+            <a:lvl6pPr marL="2286000" algn="l" defTabSz="914400" rtl="0" eaLnBrk="1" latinLnBrk="0" hangingPunct="1">
+              <a:defRPr sz="1800" kern="1200">
+                <a:solidFill>
+                  <a:schemeClr val="tx1"/>
+                </a:solidFill>
+                <a:latin typeface="+mn-lt"/>
+                <a:ea typeface="+mn-ea"/>
+                <a:cs typeface="+mn-cs"/>
+              </a:defRPr>
+            </a:lvl6pPr>
+            <a:lvl7pPr marL="2743200" algn="l" defTabSz="914400" rtl="0" eaLnBrk="1" latinLnBrk="0" hangingPunct="1">
+              <a:defRPr sz="1800" kern="1200">
+                <a:solidFill>
+                  <a:schemeClr val="tx1"/>
+                </a:solidFill>
+                <a:latin typeface="+mn-lt"/>
+                <a:ea typeface="+mn-ea"/>
+                <a:cs typeface="+mn-cs"/>
+              </a:defRPr>
+            </a:lvl7pPr>
+            <a:lvl8pPr marL="3200400" algn="l" defTabSz="914400" rtl="0" eaLnBrk="1" latinLnBrk="0" hangingPunct="1">
+              <a:defRPr sz="1800" kern="1200">
+                <a:solidFill>
+                  <a:schemeClr val="tx1"/>
+                </a:solidFill>
+                <a:latin typeface="+mn-lt"/>
+                <a:ea typeface="+mn-ea"/>
+                <a:cs typeface="+mn-cs"/>
+              </a:defRPr>
+            </a:lvl8pPr>
+            <a:lvl9pPr marL="3657600" algn="l" defTabSz="914400" rtl="0" eaLnBrk="1" latinLnBrk="0" hangingPunct="1">
+              <a:defRPr sz="1800" kern="1200">
+                <a:solidFill>
+                  <a:schemeClr val="tx1"/>
+                </a:solidFill>
+                <a:latin typeface="+mn-lt"/>
+                <a:ea typeface="+mn-ea"/>
+                <a:cs typeface="+mn-cs"/>
+              </a:defRPr>
+            </a:lvl9pPr>
+          </a:lstStyle>
+          <a:p>
+            <a:r>
+              <a:rPr lang="fr-BE" dirty="0" smtClean="0">
+                <a:solidFill>
+                  <a:schemeClr val="bg1"/>
+                </a:solidFill>
+              </a:rPr>
+              <a:t>16</a:t>
+            </a:r>
+            <a:endParaRPr lang="fr-BE" dirty="0">
+              <a:solidFill>
+                <a:schemeClr val="bg1"/>
+              </a:solidFill>
+            </a:endParaRPr>
+          </a:p>
+        </p:txBody>
+      </p:sp>
+    </p:spTree>
+    <p:extLst>
+      <p:ext uri="{BB962C8B-B14F-4D97-AF65-F5344CB8AC3E}">
+        <p14:creationId xmlns:p14="http://schemas.microsoft.com/office/powerpoint/2010/main" val="1155776984"/>
+      </p:ext>
+    </p:extLst>
+  </p:cSld>
+  <p:clrMapOvr>
+    <a:masterClrMapping/>
+  </p:clrMapOvr>
+  <mc:AlternateContent xmlns:mc="http://schemas.openxmlformats.org/markup-compatibility/2006" xmlns:p14="http://schemas.microsoft.com/office/powerpoint/2010/main">
+    <mc:Choice Requires="p14">
+      <p:transition spd="slow" p14:dur="1400">
+        <p14:doors dir="vert"/>
+      </p:transition>
+    </mc:Choice>
+    <mc:Fallback xmlns="">
+      <p:transition spd="slow">
+        <p:fade/>
+      </p:transition>
+    </mc:Fallback>
+  </mc:AlternateContent>
+  <p:timing>
+    <p:tnLst>
+      <p:par>
+        <p:cTn id="1" dur="indefinite" restart="never" nodeType="tmRoot"/>
+      </p:par>
+    </p:tnLst>
+  </p:timing>
+</p:sld>
+</file>
+
+<file path=ppt/slides/slide17.xml><?xml version="1.0" encoding="utf-8"?>
+<p:sld xmlns:a="http://schemas.openxmlformats.org/drawingml/2006/main" xmlns:r="http://schemas.openxmlformats.org/officeDocument/2006/relationships" xmlns:p="http://schemas.openxmlformats.org/presentationml/2006/main">
+  <p:cSld>
+    <p:spTree>
+      <p:nvGrpSpPr>
+        <p:cNvPr id="1" name=""/>
+        <p:cNvGrpSpPr/>
+        <p:nvPr/>
+      </p:nvGrpSpPr>
+      <p:grpSpPr>
+        <a:xfrm>
+          <a:off x="0" y="0"/>
+          <a:ext cx="0" cy="0"/>
+          <a:chOff x="0" y="0"/>
+          <a:chExt cx="0" cy="0"/>
+        </a:xfrm>
+      </p:grpSpPr>
       <p:sp>
         <p:nvSpPr>
           <p:cNvPr id="15" name="Rectangle à coins arrondis 14"/>
@@ -15742,16 +17284,7 @@
                 </a:solidFill>
                 <a:latin typeface="Berlin Sans FB Demi" pitchFamily="34" charset="0"/>
               </a:rPr>
-              <a:t>. </a:t>
-            </a:r>
-            <a:r>
-              <a:rPr lang="fr-FR" sz="1200" b="1" dirty="0" smtClean="0">
-                <a:solidFill>
-                  <a:schemeClr val="bg1"/>
-                </a:solidFill>
-                <a:latin typeface="Berlin Sans FB Demi" pitchFamily="34" charset="0"/>
-              </a:rPr>
-              <a:t>Solution Proposée</a:t>
+              <a:t>. Solution Proposée</a:t>
             </a:r>
             <a:endParaRPr lang="en-US" sz="1200" dirty="0">
               <a:solidFill>
@@ -15822,13 +17355,13 @@
               <a:t>. </a:t>
             </a:r>
             <a:r>
-              <a:rPr lang="fr-FR" sz="1200" b="1" dirty="0" err="1" smtClean="0">
+              <a:rPr lang="fr-FR" sz="1200" b="1" dirty="0" smtClean="0">
                 <a:solidFill>
                   <a:schemeClr val="bg1"/>
                 </a:solidFill>
                 <a:latin typeface="Berlin Sans FB Demi" pitchFamily="34" charset="0"/>
               </a:rPr>
-              <a:t>Implémntation</a:t>
+              <a:t>Implémentation</a:t>
             </a:r>
             <a:endParaRPr lang="en-US" sz="1200" dirty="0">
               <a:solidFill>
@@ -15973,16 +17506,7 @@
                 </a:solidFill>
                 <a:latin typeface="Berlin Sans FB Demi" pitchFamily="34" charset="0"/>
               </a:rPr>
-              <a:t>Conclusion </a:t>
-            </a:r>
-            <a:r>
-              <a:rPr lang="fr-FR" sz="1200" b="1" dirty="0" smtClean="0">
-                <a:solidFill>
-                  <a:schemeClr val="bg1"/>
-                </a:solidFill>
-                <a:latin typeface="Berlin Sans FB Demi" pitchFamily="34" charset="0"/>
-              </a:rPr>
-              <a:t>et Perspective</a:t>
+              <a:t>Conclusion et Perspective</a:t>
             </a:r>
             <a:endParaRPr lang="en-US" sz="1200" dirty="0">
               <a:solidFill>
@@ -16225,7 +17749,7 @@
 </p:sld>
 </file>
 
-<file path=ppt/slides/slide14.xml><?xml version="1.0" encoding="utf-8"?>
+<file path=ppt/slides/slide18.xml><?xml version="1.0" encoding="utf-8"?>
 <p:sld xmlns:a="http://schemas.openxmlformats.org/drawingml/2006/main" xmlns:r="http://schemas.openxmlformats.org/officeDocument/2006/relationships" xmlns:p="http://schemas.openxmlformats.org/presentationml/2006/main">
   <p:cSld>
     <p:spTree>
@@ -16450,25 +17974,7 @@
                 </a:solidFill>
                 <a:latin typeface="Berlin Sans FB Demi" pitchFamily="34" charset="0"/>
               </a:rPr>
-              <a:t>Conclusion </a:t>
-            </a:r>
-            <a:r>
-              <a:rPr lang="en-US" b="1" i="1" dirty="0" smtClean="0">
-                <a:solidFill>
-                  <a:schemeClr val="tx1"/>
-                </a:solidFill>
-                <a:latin typeface="Berlin Sans FB Demi" pitchFamily="34" charset="0"/>
-              </a:rPr>
-              <a:t>et</a:t>
-            </a:r>
-            <a:r>
-              <a:rPr lang="en-US" b="1" i="1" dirty="0" smtClean="0">
-                <a:solidFill>
-                  <a:schemeClr val="tx1"/>
-                </a:solidFill>
-                <a:latin typeface="Berlin Sans FB Demi" pitchFamily="34" charset="0"/>
-              </a:rPr>
-              <a:t> Perspective</a:t>
+              <a:t>Conclusion et Perspective</a:t>
             </a:r>
             <a:endParaRPr lang="en-US" b="1" i="1" dirty="0">
               <a:latin typeface="Berlin Sans FB Demi" pitchFamily="34" charset="0"/>
@@ -16498,7 +18004,7 @@
                 </a:solidFill>
               </a:rPr>
               <a:pPr/>
-              <a:t>14</a:t>
+              <a:t>18</a:t>
             </a:fld>
             <a:endParaRPr lang="fr-BE" dirty="0">
               <a:solidFill>
@@ -17281,7 +18787,7 @@
               <a:rPr lang="de-DE" dirty="0" err="1" smtClean="0">
                 <a:latin typeface="Jenna Sue"/>
               </a:rPr>
-              <a:t>Algoritmes</a:t>
+              <a:t>Algorithmes</a:t>
             </a:r>
             <a:r>
               <a:rPr lang="de-DE" dirty="0" smtClean="0">
@@ -17351,7 +18857,7 @@
               <a:rPr lang="de-DE" dirty="0" err="1" smtClean="0">
                 <a:latin typeface="Jenna Sue"/>
               </a:rPr>
-              <a:t>temporaire</a:t>
+              <a:t>temporel</a:t>
             </a:r>
             <a:r>
               <a:rPr lang="de-DE" dirty="0" smtClean="0">
@@ -17421,42 +18927,6 @@
               <a:rPr lang="de-DE" dirty="0" err="1" smtClean="0">
                 <a:latin typeface="Jenna Sue"/>
               </a:rPr>
-              <a:t>informations</a:t>
-            </a:r>
-            <a:r>
-              <a:rPr lang="de-DE" dirty="0" smtClean="0">
-                <a:latin typeface="Jenna Sue"/>
-              </a:rPr>
-              <a:t> </a:t>
-            </a:r>
-            <a:r>
-              <a:rPr lang="de-DE" dirty="0" err="1" smtClean="0">
-                <a:latin typeface="Jenna Sue"/>
-              </a:rPr>
-              <a:t>dans</a:t>
-            </a:r>
-            <a:r>
-              <a:rPr lang="de-DE" dirty="0" smtClean="0">
-                <a:latin typeface="Jenna Sue"/>
-              </a:rPr>
-              <a:t> des </a:t>
-            </a:r>
-            <a:r>
-              <a:rPr lang="de-DE" dirty="0" err="1" smtClean="0">
-                <a:latin typeface="Jenna Sue"/>
-              </a:rPr>
-              <a:t>bases</a:t>
-            </a:r>
-            <a:r>
-              <a:rPr lang="de-DE" dirty="0" smtClean="0">
-                <a:latin typeface="Jenna Sue"/>
-              </a:rPr>
-              <a:t> de </a:t>
-            </a:r>
-            <a:r>
-              <a:rPr lang="de-DE" dirty="0" err="1" smtClean="0">
-                <a:latin typeface="Jenna Sue"/>
-              </a:rPr>
               <a:t>données</a:t>
             </a:r>
             <a:r>
@@ -17485,19 +18955,7 @@
               <a:rPr lang="fr-FR" dirty="0" smtClean="0">
                 <a:latin typeface="Jenna Sue"/>
               </a:rPr>
-              <a:t>Amélioration </a:t>
-            </a:r>
-            <a:r>
-              <a:rPr lang="fr-FR" dirty="0" err="1" smtClean="0">
-                <a:latin typeface="Jenna Sue"/>
-              </a:rPr>
-              <a:t>érgonomique</a:t>
-            </a:r>
-            <a:r>
-              <a:rPr lang="fr-FR" dirty="0" smtClean="0">
-                <a:latin typeface="Jenna Sue"/>
-              </a:rPr>
-              <a:t>.</a:t>
+              <a:t>Amélioration ergonomique.</a:t>
             </a:r>
             <a:endParaRPr lang="de-DE" dirty="0">
               <a:latin typeface="Jenna Sue"/>
@@ -18334,7 +19792,7 @@
 </p:sld>
 </file>
 
-<file path=ppt/slides/slide15.xml><?xml version="1.0" encoding="utf-8"?>
+<file path=ppt/slides/slide19.xml><?xml version="1.0" encoding="utf-8"?>
 <p:sld xmlns:a="http://schemas.openxmlformats.org/drawingml/2006/main" xmlns:r="http://schemas.openxmlformats.org/officeDocument/2006/relationships" xmlns:p="http://schemas.openxmlformats.org/presentationml/2006/main">
   <p:cSld>
     <p:spTree>
@@ -18505,25 +19963,7 @@
                 </a:solidFill>
                 <a:latin typeface="Berlin Sans FB Demi" pitchFamily="34" charset="0"/>
               </a:rPr>
-              <a:t>Conclusion </a:t>
-            </a:r>
-            <a:r>
-              <a:rPr lang="en-US" b="1" i="1" dirty="0" smtClean="0">
-                <a:solidFill>
-                  <a:schemeClr val="tx1"/>
-                </a:solidFill>
-                <a:latin typeface="Berlin Sans FB Demi" pitchFamily="34" charset="0"/>
-              </a:rPr>
-              <a:t>et</a:t>
-            </a:r>
-            <a:r>
-              <a:rPr lang="en-US" b="1" i="1" dirty="0" smtClean="0">
-                <a:solidFill>
-                  <a:schemeClr val="tx1"/>
-                </a:solidFill>
-                <a:latin typeface="Berlin Sans FB Demi" pitchFamily="34" charset="0"/>
-              </a:rPr>
-              <a:t> Perspective</a:t>
+              <a:t>Conclusion et Perspective</a:t>
             </a:r>
             <a:endParaRPr lang="en-US" b="1" i="1" dirty="0">
               <a:latin typeface="Berlin Sans FB Demi" pitchFamily="34" charset="0"/>
@@ -18553,7 +19993,7 @@
                 </a:solidFill>
               </a:rPr>
               <a:pPr/>
-              <a:t>15</a:t>
+              <a:t>19</a:t>
             </a:fld>
             <a:endParaRPr lang="fr-BE" dirty="0">
               <a:solidFill>
@@ -19483,8 +20923,8 @@
         </p:nvSpPr>
         <p:spPr bwMode="auto">
           <a:xfrm rot="20182232">
-            <a:off x="1117877" y="3124517"/>
-            <a:ext cx="7944903" cy="584775"/>
+            <a:off x="1334262" y="3327807"/>
+            <a:ext cx="6928554" cy="584775"/>
           </a:xfrm>
           <a:prstGeom prst="rect">
             <a:avLst/>
@@ -19629,13 +21069,13 @@
               <a:rPr lang="fr-FR" sz="3200" b="1" dirty="0">
                 <a:latin typeface="Sansation" pitchFamily="2" charset="0"/>
               </a:rPr>
-              <a:t>Une Condition sine qua non pour leur </a:t>
+              <a:t>Une Condition sine qua non pour </a:t>
             </a:r>
             <a:r>
               <a:rPr lang="fr-FR" sz="3200" b="1" dirty="0" smtClean="0">
                 <a:latin typeface="Sansation" pitchFamily="2" charset="0"/>
               </a:rPr>
-              <a:t>succès </a:t>
+              <a:t>un succès </a:t>
             </a:r>
             <a:r>
               <a:rPr lang="fr-FR" sz="3200" b="1" dirty="0">
@@ -20176,1020 +21616,6 @@
 </p:sld>
 </file>
 
-<file path=ppt/slides/slide16.xml><?xml version="1.0" encoding="utf-8"?>
-<p:sld xmlns:a="http://schemas.openxmlformats.org/drawingml/2006/main" xmlns:r="http://schemas.openxmlformats.org/officeDocument/2006/relationships" xmlns:p="http://schemas.openxmlformats.org/presentationml/2006/main">
-  <p:cSld>
-    <p:spTree>
-      <p:nvGrpSpPr>
-        <p:cNvPr id="1" name=""/>
-        <p:cNvGrpSpPr/>
-        <p:nvPr/>
-      </p:nvGrpSpPr>
-      <p:grpSpPr>
-        <a:xfrm>
-          <a:off x="0" y="0"/>
-          <a:ext cx="0" cy="0"/>
-          <a:chOff x="0" y="0"/>
-          <a:chExt cx="0" cy="0"/>
-        </a:xfrm>
-      </p:grpSpPr>
-      <p:sp>
-        <p:nvSpPr>
-          <p:cNvPr id="4" name="Rectangle 3"/>
-          <p:cNvSpPr/>
-          <p:nvPr/>
-        </p:nvSpPr>
-        <p:spPr>
-          <a:xfrm>
-            <a:off x="7740352" y="0"/>
-            <a:ext cx="720080" cy="1124744"/>
-          </a:xfrm>
-          <a:prstGeom prst="rect">
-            <a:avLst/>
-          </a:prstGeom>
-          <a:solidFill>
-            <a:srgbClr val="00B0F0"/>
-          </a:solidFill>
-          <a:ln>
-            <a:noFill/>
-          </a:ln>
-          <a:effectLst>
-            <a:outerShdw blurRad="50800" dist="38100" algn="l" rotWithShape="0">
-              <a:prstClr val="black">
-                <a:alpha val="40000"/>
-              </a:prstClr>
-            </a:outerShdw>
-          </a:effectLst>
-        </p:spPr>
-        <p:style>
-          <a:lnRef idx="2">
-            <a:schemeClr val="accent1">
-              <a:shade val="50000"/>
-            </a:schemeClr>
-          </a:lnRef>
-          <a:fillRef idx="1">
-            <a:schemeClr val="accent1"/>
-          </a:fillRef>
-          <a:effectRef idx="0">
-            <a:schemeClr val="accent1"/>
-          </a:effectRef>
-          <a:fontRef idx="minor">
-            <a:schemeClr val="lt1"/>
-          </a:fontRef>
-        </p:style>
-        <p:txBody>
-          <a:bodyPr rtlCol="0" anchor="ctr"/>
-          <a:lstStyle/>
-          <a:p>
-            <a:pPr algn="ctr"/>
-            <a:endParaRPr lang="fr-FR"/>
-          </a:p>
-        </p:txBody>
-      </p:sp>
-      <p:sp>
-        <p:nvSpPr>
-          <p:cNvPr id="3" name="Sous-titre 2"/>
-          <p:cNvSpPr txBox="1">
-            <a:spLocks/>
-          </p:cNvSpPr>
-          <p:nvPr/>
-        </p:nvSpPr>
-        <p:spPr>
-          <a:xfrm>
-            <a:off x="1979712" y="3140968"/>
-            <a:ext cx="6259566" cy="785818"/>
-          </a:xfrm>
-          <a:prstGeom prst="rect">
-            <a:avLst/>
-          </a:prstGeom>
-        </p:spPr>
-        <p:txBody>
-          <a:bodyPr vert="horz" lIns="91440" tIns="45720" rIns="91440" bIns="45720" rtlCol="0">
-            <a:noAutofit/>
-            <a:scene3d>
-              <a:camera prst="orthographicFront"/>
-              <a:lightRig rig="soft" dir="t">
-                <a:rot lat="0" lon="0" rev="10800000"/>
-              </a:lightRig>
-            </a:scene3d>
-            <a:sp3d>
-              <a:contourClr>
-                <a:srgbClr val="DDDDDD"/>
-              </a:contourClr>
-            </a:sp3d>
-          </a:bodyPr>
-          <a:lstStyle/>
-          <a:p>
-            <a:pPr marL="0" marR="0" lvl="0" indent="0" defTabSz="914400" rtl="0" eaLnBrk="1" fontAlgn="auto" latinLnBrk="0" hangingPunct="1">
-              <a:lnSpc>
-                <a:spcPct val="100000"/>
-              </a:lnSpc>
-              <a:spcBef>
-                <a:spcPts val="0"/>
-              </a:spcBef>
-              <a:spcAft>
-                <a:spcPts val="0"/>
-              </a:spcAft>
-              <a:buClr>
-                <a:schemeClr val="accent1"/>
-              </a:buClr>
-              <a:buSzPct val="80000"/>
-              <a:tabLst/>
-              <a:defRPr/>
-            </a:pPr>
-            <a:r>
-              <a:rPr lang="fr-FR" sz="3200" b="1" i="1" dirty="0" smtClean="0"/>
-              <a:t>Merci De Votre Attention</a:t>
-            </a:r>
-            <a:endParaRPr kumimoji="0" lang="fr-FR" sz="3200" b="1" i="1" strike="noStrike" kern="1200" cap="none" spc="0" normalizeH="0" baseline="0" noProof="0" dirty="0" smtClean="0">
-              <a:ln>
-                <a:noFill/>
-              </a:ln>
-              <a:effectLst/>
-              <a:uLnTx/>
-              <a:uFillTx/>
-              <a:latin typeface="+mn-lt"/>
-              <a:ea typeface="+mn-ea"/>
-              <a:cs typeface="+mn-cs"/>
-            </a:endParaRPr>
-          </a:p>
-        </p:txBody>
-      </p:sp>
-      <p:pic>
-        <p:nvPicPr>
-          <p:cNvPr id="9" name="Bild 17" descr="01.png"/>
-          <p:cNvPicPr>
-            <a:picLocks noChangeAspect="1"/>
-          </p:cNvPicPr>
-          <p:nvPr/>
-        </p:nvPicPr>
-        <p:blipFill>
-          <a:blip r:embed="rId3">
-            <a:extLst>
-              <a:ext uri="{28A0092B-C50C-407E-A947-70E740481C1C}">
-                <a14:useLocalDpi xmlns:a14="http://schemas.microsoft.com/office/drawing/2010/main" val="0"/>
-              </a:ext>
-            </a:extLst>
-          </a:blip>
-          <a:srcRect/>
-          <a:stretch>
-            <a:fillRect/>
-          </a:stretch>
-        </p:blipFill>
-        <p:spPr bwMode="auto">
-          <a:xfrm>
-            <a:off x="1691680" y="3717032"/>
-            <a:ext cx="5544616" cy="590581"/>
-          </a:xfrm>
-          <a:prstGeom prst="rect">
-            <a:avLst/>
-          </a:prstGeom>
-          <a:noFill/>
-          <a:ln>
-            <a:noFill/>
-          </a:ln>
-          <a:extLst>
-            <a:ext uri="{909E8E84-426E-40DD-AFC4-6F175D3DCCD1}">
-              <a14:hiddenFill xmlns:a14="http://schemas.microsoft.com/office/drawing/2010/main">
-                <a:solidFill>
-                  <a:srgbClr val="FFFFFF"/>
-                </a:solidFill>
-              </a14:hiddenFill>
-            </a:ext>
-            <a:ext uri="{91240B29-F687-4F45-9708-019B960494DF}">
-              <a14:hiddenLine xmlns:a14="http://schemas.microsoft.com/office/drawing/2010/main" w="9525">
-                <a:solidFill>
-                  <a:srgbClr val="000000"/>
-                </a:solidFill>
-                <a:miter lim="800000"/>
-                <a:headEnd/>
-                <a:tailEnd/>
-              </a14:hiddenLine>
-            </a:ext>
-          </a:extLst>
-        </p:spPr>
-      </p:pic>
-    </p:spTree>
-  </p:cSld>
-  <p:clrMapOvr>
-    <a:masterClrMapping/>
-  </p:clrMapOvr>
-  <mc:AlternateContent xmlns:mc="http://schemas.openxmlformats.org/markup-compatibility/2006" xmlns:p14="http://schemas.microsoft.com/office/powerpoint/2010/main">
-    <mc:Choice Requires="p14">
-      <p:transition spd="slow" p14:dur="1400">
-        <p14:doors dir="vert"/>
-      </p:transition>
-    </mc:Choice>
-    <mc:Fallback xmlns="">
-      <p:transition spd="slow">
-        <p:fade/>
-      </p:transition>
-    </mc:Fallback>
-  </mc:AlternateContent>
-  <p:timing>
-    <p:tnLst>
-      <p:par>
-        <p:cTn id="1" dur="indefinite" restart="never" nodeType="tmRoot">
-          <p:childTnLst>
-            <p:seq concurrent="1" nextAc="seek">
-              <p:cTn id="2" dur="indefinite" nodeType="mainSeq">
-                <p:childTnLst>
-                  <p:par>
-                    <p:cTn id="3" fill="hold">
-                      <p:stCondLst>
-                        <p:cond delay="indefinite"/>
-                        <p:cond evt="onBegin" delay="0">
-                          <p:tn val="2"/>
-                        </p:cond>
-                      </p:stCondLst>
-                      <p:childTnLst>
-                        <p:par>
-                          <p:cTn id="4" fill="hold">
-                            <p:stCondLst>
-                              <p:cond delay="0"/>
-                            </p:stCondLst>
-                            <p:childTnLst>
-                              <p:par>
-                                <p:cTn id="5" presetID="22" presetClass="entr" presetSubtype="8" fill="hold" nodeType="afterEffect">
-                                  <p:stCondLst>
-                                    <p:cond delay="0"/>
-                                  </p:stCondLst>
-                                  <p:childTnLst>
-                                    <p:set>
-                                      <p:cBhvr>
-                                        <p:cTn id="6" dur="1" fill="hold">
-                                          <p:stCondLst>
-                                            <p:cond delay="0"/>
-                                          </p:stCondLst>
-                                        </p:cTn>
-                                        <p:tgtEl>
-                                          <p:spTgt spid="9"/>
-                                        </p:tgtEl>
-                                        <p:attrNameLst>
-                                          <p:attrName>style.visibility</p:attrName>
-                                        </p:attrNameLst>
-                                      </p:cBhvr>
-                                      <p:to>
-                                        <p:strVal val="visible"/>
-                                      </p:to>
-                                    </p:set>
-                                    <p:animEffect transition="in" filter="wipe(left)">
-                                      <p:cBhvr>
-                                        <p:cTn id="7" dur="1000"/>
-                                        <p:tgtEl>
-                                          <p:spTgt spid="9"/>
-                                        </p:tgtEl>
-                                      </p:cBhvr>
-                                    </p:animEffect>
-                                  </p:childTnLst>
-                                </p:cTn>
-                              </p:par>
-                            </p:childTnLst>
-                          </p:cTn>
-                        </p:par>
-                      </p:childTnLst>
-                    </p:cTn>
-                  </p:par>
-                </p:childTnLst>
-              </p:cTn>
-              <p:prevCondLst>
-                <p:cond evt="onPrev" delay="0">
-                  <p:tgtEl>
-                    <p:sldTgt/>
-                  </p:tgtEl>
-                </p:cond>
-              </p:prevCondLst>
-              <p:nextCondLst>
-                <p:cond evt="onNext" delay="0">
-                  <p:tgtEl>
-                    <p:sldTgt/>
-                  </p:tgtEl>
-                </p:cond>
-              </p:nextCondLst>
-            </p:seq>
-          </p:childTnLst>
-        </p:cTn>
-      </p:par>
-    </p:tnLst>
-  </p:timing>
-</p:sld>
-</file>
-
-<file path=ppt/slides/slide17.xml><?xml version="1.0" encoding="utf-8"?>
-<p:sld xmlns:a="http://schemas.openxmlformats.org/drawingml/2006/main" xmlns:r="http://schemas.openxmlformats.org/officeDocument/2006/relationships" xmlns:p="http://schemas.openxmlformats.org/presentationml/2006/main">
-  <p:cSld>
-    <p:spTree>
-      <p:nvGrpSpPr>
-        <p:cNvPr id="1" name=""/>
-        <p:cNvGrpSpPr/>
-        <p:nvPr/>
-      </p:nvGrpSpPr>
-      <p:grpSpPr>
-        <a:xfrm>
-          <a:off x="0" y="0"/>
-          <a:ext cx="0" cy="0"/>
-          <a:chOff x="0" y="0"/>
-          <a:chExt cx="0" cy="0"/>
-        </a:xfrm>
-      </p:grpSpPr>
-      <p:sp>
-        <p:nvSpPr>
-          <p:cNvPr id="4" name="Rectangle 3"/>
-          <p:cNvSpPr/>
-          <p:nvPr/>
-        </p:nvSpPr>
-        <p:spPr>
-          <a:xfrm>
-            <a:off x="7740352" y="0"/>
-            <a:ext cx="720080" cy="1124744"/>
-          </a:xfrm>
-          <a:prstGeom prst="rect">
-            <a:avLst/>
-          </a:prstGeom>
-          <a:solidFill>
-            <a:srgbClr val="00B0F0"/>
-          </a:solidFill>
-          <a:ln>
-            <a:noFill/>
-          </a:ln>
-          <a:effectLst>
-            <a:outerShdw blurRad="50800" dist="38100" algn="l" rotWithShape="0">
-              <a:prstClr val="black">
-                <a:alpha val="40000"/>
-              </a:prstClr>
-            </a:outerShdw>
-          </a:effectLst>
-        </p:spPr>
-        <p:style>
-          <a:lnRef idx="2">
-            <a:schemeClr val="accent1">
-              <a:shade val="50000"/>
-            </a:schemeClr>
-          </a:lnRef>
-          <a:fillRef idx="1">
-            <a:schemeClr val="accent1"/>
-          </a:fillRef>
-          <a:effectRef idx="0">
-            <a:schemeClr val="accent1"/>
-          </a:effectRef>
-          <a:fontRef idx="minor">
-            <a:schemeClr val="lt1"/>
-          </a:fontRef>
-        </p:style>
-        <p:txBody>
-          <a:bodyPr rtlCol="0" anchor="ctr"/>
-          <a:lstStyle/>
-          <a:p>
-            <a:pPr algn="ctr"/>
-            <a:endParaRPr lang="fr-FR"/>
-          </a:p>
-        </p:txBody>
-      </p:sp>
-      <p:sp>
-        <p:nvSpPr>
-          <p:cNvPr id="5" name="Oval 4"/>
-          <p:cNvSpPr/>
-          <p:nvPr/>
-        </p:nvSpPr>
-        <p:spPr>
-          <a:xfrm>
-            <a:off x="3175000" y="1689100"/>
-            <a:ext cx="2540000" cy="2514600"/>
-          </a:xfrm>
-          <a:prstGeom prst="ellipse">
-            <a:avLst/>
-          </a:prstGeom>
-          <a:noFill/>
-          <a:ln w="76200" cap="rnd" cmpd="sng">
-            <a:solidFill>
-              <a:schemeClr val="tx1"/>
-            </a:solidFill>
-            <a:bevel/>
-          </a:ln>
-          <a:effectLst/>
-        </p:spPr>
-        <p:style>
-          <a:lnRef idx="1">
-            <a:schemeClr val="accent1"/>
-          </a:lnRef>
-          <a:fillRef idx="3">
-            <a:schemeClr val="accent1"/>
-          </a:fillRef>
-          <a:effectRef idx="2">
-            <a:schemeClr val="accent1"/>
-          </a:effectRef>
-          <a:fontRef idx="minor">
-            <a:schemeClr val="lt1"/>
-          </a:fontRef>
-        </p:style>
-        <p:txBody>
-          <a:bodyPr anchor="ctr"/>
-          <a:lstStyle>
-            <a:lvl1pPr>
-              <a:defRPr>
-                <a:solidFill>
-                  <a:schemeClr val="tx1"/>
-                </a:solidFill>
-                <a:latin typeface="Calibri" panose="020F0502020204030204" pitchFamily="34" charset="0"/>
-                <a:ea typeface="MS PGothic" panose="020B0600070205080204" pitchFamily="34" charset="-128"/>
-              </a:defRPr>
-            </a:lvl1pPr>
-            <a:lvl2pPr marL="742950" indent="-285750">
-              <a:defRPr>
-                <a:solidFill>
-                  <a:schemeClr val="tx1"/>
-                </a:solidFill>
-                <a:latin typeface="Calibri" panose="020F0502020204030204" pitchFamily="34" charset="0"/>
-                <a:ea typeface="MS PGothic" panose="020B0600070205080204" pitchFamily="34" charset="-128"/>
-              </a:defRPr>
-            </a:lvl2pPr>
-            <a:lvl3pPr marL="1143000" indent="-228600">
-              <a:defRPr>
-                <a:solidFill>
-                  <a:schemeClr val="tx1"/>
-                </a:solidFill>
-                <a:latin typeface="Calibri" panose="020F0502020204030204" pitchFamily="34" charset="0"/>
-                <a:ea typeface="MS PGothic" panose="020B0600070205080204" pitchFamily="34" charset="-128"/>
-              </a:defRPr>
-            </a:lvl3pPr>
-            <a:lvl4pPr marL="1600200" indent="-228600">
-              <a:defRPr>
-                <a:solidFill>
-                  <a:schemeClr val="tx1"/>
-                </a:solidFill>
-                <a:latin typeface="Calibri" panose="020F0502020204030204" pitchFamily="34" charset="0"/>
-                <a:ea typeface="MS PGothic" panose="020B0600070205080204" pitchFamily="34" charset="-128"/>
-              </a:defRPr>
-            </a:lvl4pPr>
-            <a:lvl5pPr marL="2057400" indent="-228600">
-              <a:defRPr>
-                <a:solidFill>
-                  <a:schemeClr val="tx1"/>
-                </a:solidFill>
-                <a:latin typeface="Calibri" panose="020F0502020204030204" pitchFamily="34" charset="0"/>
-                <a:ea typeface="MS PGothic" panose="020B0600070205080204" pitchFamily="34" charset="-128"/>
-              </a:defRPr>
-            </a:lvl5pPr>
-            <a:lvl6pPr marL="2514600" indent="-228600" defTabSz="457200" eaLnBrk="0" fontAlgn="base" hangingPunct="0">
-              <a:spcBef>
-                <a:spcPct val="0"/>
-              </a:spcBef>
-              <a:spcAft>
-                <a:spcPct val="0"/>
-              </a:spcAft>
-              <a:defRPr>
-                <a:solidFill>
-                  <a:schemeClr val="tx1"/>
-                </a:solidFill>
-                <a:latin typeface="Calibri" panose="020F0502020204030204" pitchFamily="34" charset="0"/>
-                <a:ea typeface="MS PGothic" panose="020B0600070205080204" pitchFamily="34" charset="-128"/>
-              </a:defRPr>
-            </a:lvl6pPr>
-            <a:lvl7pPr marL="2971800" indent="-228600" defTabSz="457200" eaLnBrk="0" fontAlgn="base" hangingPunct="0">
-              <a:spcBef>
-                <a:spcPct val="0"/>
-              </a:spcBef>
-              <a:spcAft>
-                <a:spcPct val="0"/>
-              </a:spcAft>
-              <a:defRPr>
-                <a:solidFill>
-                  <a:schemeClr val="tx1"/>
-                </a:solidFill>
-                <a:latin typeface="Calibri" panose="020F0502020204030204" pitchFamily="34" charset="0"/>
-                <a:ea typeface="MS PGothic" panose="020B0600070205080204" pitchFamily="34" charset="-128"/>
-              </a:defRPr>
-            </a:lvl7pPr>
-            <a:lvl8pPr marL="3429000" indent="-228600" defTabSz="457200" eaLnBrk="0" fontAlgn="base" hangingPunct="0">
-              <a:spcBef>
-                <a:spcPct val="0"/>
-              </a:spcBef>
-              <a:spcAft>
-                <a:spcPct val="0"/>
-              </a:spcAft>
-              <a:defRPr>
-                <a:solidFill>
-                  <a:schemeClr val="tx1"/>
-                </a:solidFill>
-                <a:latin typeface="Calibri" panose="020F0502020204030204" pitchFamily="34" charset="0"/>
-                <a:ea typeface="MS PGothic" panose="020B0600070205080204" pitchFamily="34" charset="-128"/>
-              </a:defRPr>
-            </a:lvl8pPr>
-            <a:lvl9pPr marL="3886200" indent="-228600" defTabSz="457200" eaLnBrk="0" fontAlgn="base" hangingPunct="0">
-              <a:spcBef>
-                <a:spcPct val="0"/>
-              </a:spcBef>
-              <a:spcAft>
-                <a:spcPct val="0"/>
-              </a:spcAft>
-              <a:defRPr>
-                <a:solidFill>
-                  <a:schemeClr val="tx1"/>
-                </a:solidFill>
-                <a:latin typeface="Calibri" panose="020F0502020204030204" pitchFamily="34" charset="0"/>
-                <a:ea typeface="MS PGothic" panose="020B0600070205080204" pitchFamily="34" charset="-128"/>
-              </a:defRPr>
-            </a:lvl9pPr>
-          </a:lstStyle>
-          <a:p>
-            <a:pPr algn="ctr" eaLnBrk="1" hangingPunct="1"/>
-            <a:endParaRPr lang="fr-FR">
-              <a:solidFill>
-                <a:srgbClr val="FFFFFF"/>
-              </a:solidFill>
-            </a:endParaRPr>
-          </a:p>
-        </p:txBody>
-      </p:sp>
-      <p:sp>
-        <p:nvSpPr>
-          <p:cNvPr id="6" name="Textfeld 16"/>
-          <p:cNvSpPr txBox="1">
-            <a:spLocks noChangeArrowheads="1"/>
-          </p:cNvSpPr>
-          <p:nvPr/>
-        </p:nvSpPr>
-        <p:spPr bwMode="auto">
-          <a:xfrm>
-            <a:off x="3657742" y="4568825"/>
-            <a:ext cx="1579278" cy="523220"/>
-          </a:xfrm>
-          <a:prstGeom prst="rect">
-            <a:avLst/>
-          </a:prstGeom>
-          <a:noFill/>
-          <a:ln>
-            <a:noFill/>
-          </a:ln>
-          <a:extLst>
-            <a:ext uri="{909E8E84-426E-40DD-AFC4-6F175D3DCCD1}">
-              <a14:hiddenFill xmlns:a14="http://schemas.microsoft.com/office/drawing/2010/main">
-                <a:solidFill>
-                  <a:srgbClr val="FFFFFF"/>
-                </a:solidFill>
-              </a14:hiddenFill>
-            </a:ext>
-            <a:ext uri="{91240B29-F687-4F45-9708-019B960494DF}">
-              <a14:hiddenLine xmlns:a14="http://schemas.microsoft.com/office/drawing/2010/main" w="9525">
-                <a:solidFill>
-                  <a:srgbClr val="000000"/>
-                </a:solidFill>
-                <a:miter lim="800000"/>
-                <a:headEnd/>
-                <a:tailEnd/>
-              </a14:hiddenLine>
-            </a:ext>
-          </a:extLst>
-        </p:spPr>
-        <p:txBody>
-          <a:bodyPr wrap="none">
-            <a:spAutoFit/>
-          </a:bodyPr>
-          <a:lstStyle>
-            <a:lvl1pPr>
-              <a:defRPr>
-                <a:solidFill>
-                  <a:schemeClr val="tx1"/>
-                </a:solidFill>
-                <a:latin typeface="Calibri" panose="020F0502020204030204" pitchFamily="34" charset="0"/>
-                <a:ea typeface="MS PGothic" panose="020B0600070205080204" pitchFamily="34" charset="-128"/>
-              </a:defRPr>
-            </a:lvl1pPr>
-            <a:lvl2pPr marL="742950" indent="-285750">
-              <a:defRPr>
-                <a:solidFill>
-                  <a:schemeClr val="tx1"/>
-                </a:solidFill>
-                <a:latin typeface="Calibri" panose="020F0502020204030204" pitchFamily="34" charset="0"/>
-                <a:ea typeface="MS PGothic" panose="020B0600070205080204" pitchFamily="34" charset="-128"/>
-              </a:defRPr>
-            </a:lvl2pPr>
-            <a:lvl3pPr marL="1143000" indent="-228600">
-              <a:defRPr>
-                <a:solidFill>
-                  <a:schemeClr val="tx1"/>
-                </a:solidFill>
-                <a:latin typeface="Calibri" panose="020F0502020204030204" pitchFamily="34" charset="0"/>
-                <a:ea typeface="MS PGothic" panose="020B0600070205080204" pitchFamily="34" charset="-128"/>
-              </a:defRPr>
-            </a:lvl3pPr>
-            <a:lvl4pPr marL="1600200" indent="-228600">
-              <a:defRPr>
-                <a:solidFill>
-                  <a:schemeClr val="tx1"/>
-                </a:solidFill>
-                <a:latin typeface="Calibri" panose="020F0502020204030204" pitchFamily="34" charset="0"/>
-                <a:ea typeface="MS PGothic" panose="020B0600070205080204" pitchFamily="34" charset="-128"/>
-              </a:defRPr>
-            </a:lvl4pPr>
-            <a:lvl5pPr marL="2057400" indent="-228600">
-              <a:defRPr>
-                <a:solidFill>
-                  <a:schemeClr val="tx1"/>
-                </a:solidFill>
-                <a:latin typeface="Calibri" panose="020F0502020204030204" pitchFamily="34" charset="0"/>
-                <a:ea typeface="MS PGothic" panose="020B0600070205080204" pitchFamily="34" charset="-128"/>
-              </a:defRPr>
-            </a:lvl5pPr>
-            <a:lvl6pPr marL="2514600" indent="-228600" defTabSz="457200" eaLnBrk="0" fontAlgn="base" hangingPunct="0">
-              <a:spcBef>
-                <a:spcPct val="0"/>
-              </a:spcBef>
-              <a:spcAft>
-                <a:spcPct val="0"/>
-              </a:spcAft>
-              <a:defRPr>
-                <a:solidFill>
-                  <a:schemeClr val="tx1"/>
-                </a:solidFill>
-                <a:latin typeface="Calibri" panose="020F0502020204030204" pitchFamily="34" charset="0"/>
-                <a:ea typeface="MS PGothic" panose="020B0600070205080204" pitchFamily="34" charset="-128"/>
-              </a:defRPr>
-            </a:lvl6pPr>
-            <a:lvl7pPr marL="2971800" indent="-228600" defTabSz="457200" eaLnBrk="0" fontAlgn="base" hangingPunct="0">
-              <a:spcBef>
-                <a:spcPct val="0"/>
-              </a:spcBef>
-              <a:spcAft>
-                <a:spcPct val="0"/>
-              </a:spcAft>
-              <a:defRPr>
-                <a:solidFill>
-                  <a:schemeClr val="tx1"/>
-                </a:solidFill>
-                <a:latin typeface="Calibri" panose="020F0502020204030204" pitchFamily="34" charset="0"/>
-                <a:ea typeface="MS PGothic" panose="020B0600070205080204" pitchFamily="34" charset="-128"/>
-              </a:defRPr>
-            </a:lvl7pPr>
-            <a:lvl8pPr marL="3429000" indent="-228600" defTabSz="457200" eaLnBrk="0" fontAlgn="base" hangingPunct="0">
-              <a:spcBef>
-                <a:spcPct val="0"/>
-              </a:spcBef>
-              <a:spcAft>
-                <a:spcPct val="0"/>
-              </a:spcAft>
-              <a:defRPr>
-                <a:solidFill>
-                  <a:schemeClr val="tx1"/>
-                </a:solidFill>
-                <a:latin typeface="Calibri" panose="020F0502020204030204" pitchFamily="34" charset="0"/>
-                <a:ea typeface="MS PGothic" panose="020B0600070205080204" pitchFamily="34" charset="-128"/>
-              </a:defRPr>
-            </a:lvl8pPr>
-            <a:lvl9pPr marL="3886200" indent="-228600" defTabSz="457200" eaLnBrk="0" fontAlgn="base" hangingPunct="0">
-              <a:spcBef>
-                <a:spcPct val="0"/>
-              </a:spcBef>
-              <a:spcAft>
-                <a:spcPct val="0"/>
-              </a:spcAft>
-              <a:defRPr>
-                <a:solidFill>
-                  <a:schemeClr val="tx1"/>
-                </a:solidFill>
-                <a:latin typeface="Calibri" panose="020F0502020204030204" pitchFamily="34" charset="0"/>
-                <a:ea typeface="MS PGothic" panose="020B0600070205080204" pitchFamily="34" charset="-128"/>
-              </a:defRPr>
-            </a:lvl9pPr>
-          </a:lstStyle>
-          <a:p>
-            <a:pPr algn="ctr" eaLnBrk="1" hangingPunct="1"/>
-            <a:r>
-              <a:rPr lang="de-DE" sz="2800" dirty="0">
-                <a:latin typeface="Sansation" pitchFamily="2" charset="0"/>
-              </a:rPr>
-              <a:t>QUESTIONS</a:t>
-            </a:r>
-          </a:p>
-        </p:txBody>
-      </p:sp>
-      <p:pic>
-        <p:nvPicPr>
-          <p:cNvPr id="7" name="Bild 17" descr="01.png"/>
-          <p:cNvPicPr>
-            <a:picLocks noChangeAspect="1"/>
-          </p:cNvPicPr>
-          <p:nvPr/>
-        </p:nvPicPr>
-        <p:blipFill>
-          <a:blip r:embed="rId3">
-            <a:extLst>
-              <a:ext uri="{28A0092B-C50C-407E-A947-70E740481C1C}">
-                <a14:useLocalDpi xmlns:a14="http://schemas.microsoft.com/office/drawing/2010/main" val="0"/>
-              </a:ext>
-            </a:extLst>
-          </a:blip>
-          <a:srcRect/>
-          <a:stretch>
-            <a:fillRect/>
-          </a:stretch>
-        </p:blipFill>
-        <p:spPr bwMode="auto">
-          <a:xfrm>
-            <a:off x="3505200" y="5054600"/>
-            <a:ext cx="1803400" cy="192088"/>
-          </a:xfrm>
-          <a:prstGeom prst="rect">
-            <a:avLst/>
-          </a:prstGeom>
-          <a:noFill/>
-          <a:ln>
-            <a:noFill/>
-          </a:ln>
-          <a:extLst>
-            <a:ext uri="{909E8E84-426E-40DD-AFC4-6F175D3DCCD1}">
-              <a14:hiddenFill xmlns:a14="http://schemas.microsoft.com/office/drawing/2010/main">
-                <a:solidFill>
-                  <a:srgbClr val="FFFFFF"/>
-                </a:solidFill>
-              </a14:hiddenFill>
-            </a:ext>
-            <a:ext uri="{91240B29-F687-4F45-9708-019B960494DF}">
-              <a14:hiddenLine xmlns:a14="http://schemas.microsoft.com/office/drawing/2010/main" w="9525">
-                <a:solidFill>
-                  <a:srgbClr val="000000"/>
-                </a:solidFill>
-                <a:miter lim="800000"/>
-                <a:headEnd/>
-                <a:tailEnd/>
-              </a14:hiddenLine>
-            </a:ext>
-          </a:extLst>
-        </p:spPr>
-      </p:pic>
-      <p:sp>
-        <p:nvSpPr>
-          <p:cNvPr id="8" name="Textfeld 1"/>
-          <p:cNvSpPr txBox="1">
-            <a:spLocks noChangeArrowheads="1"/>
-          </p:cNvSpPr>
-          <p:nvPr/>
-        </p:nvSpPr>
-        <p:spPr bwMode="auto">
-          <a:xfrm>
-            <a:off x="4075113" y="2455863"/>
-            <a:ext cx="736600" cy="1016000"/>
-          </a:xfrm>
-          <a:prstGeom prst="rect">
-            <a:avLst/>
-          </a:prstGeom>
-          <a:noFill/>
-          <a:ln>
-            <a:noFill/>
-          </a:ln>
-          <a:extLst>
-            <a:ext uri="{909E8E84-426E-40DD-AFC4-6F175D3DCCD1}">
-              <a14:hiddenFill xmlns:a14="http://schemas.microsoft.com/office/drawing/2010/main">
-                <a:solidFill>
-                  <a:srgbClr val="FFFFFF"/>
-                </a:solidFill>
-              </a14:hiddenFill>
-            </a:ext>
-            <a:ext uri="{91240B29-F687-4F45-9708-019B960494DF}">
-              <a14:hiddenLine xmlns:a14="http://schemas.microsoft.com/office/drawing/2010/main" w="9525">
-                <a:solidFill>
-                  <a:srgbClr val="000000"/>
-                </a:solidFill>
-                <a:miter lim="800000"/>
-                <a:headEnd/>
-                <a:tailEnd/>
-              </a14:hiddenLine>
-            </a:ext>
-          </a:extLst>
-        </p:spPr>
-        <p:txBody>
-          <a:bodyPr>
-            <a:spAutoFit/>
-          </a:bodyPr>
-          <a:lstStyle>
-            <a:lvl1pPr>
-              <a:defRPr>
-                <a:solidFill>
-                  <a:schemeClr val="tx1"/>
-                </a:solidFill>
-                <a:latin typeface="Calibri" panose="020F0502020204030204" pitchFamily="34" charset="0"/>
-                <a:ea typeface="MS PGothic" panose="020B0600070205080204" pitchFamily="34" charset="-128"/>
-              </a:defRPr>
-            </a:lvl1pPr>
-            <a:lvl2pPr marL="742950" indent="-285750">
-              <a:defRPr>
-                <a:solidFill>
-                  <a:schemeClr val="tx1"/>
-                </a:solidFill>
-                <a:latin typeface="Calibri" panose="020F0502020204030204" pitchFamily="34" charset="0"/>
-                <a:ea typeface="MS PGothic" panose="020B0600070205080204" pitchFamily="34" charset="-128"/>
-              </a:defRPr>
-            </a:lvl2pPr>
-            <a:lvl3pPr marL="1143000" indent="-228600">
-              <a:defRPr>
-                <a:solidFill>
-                  <a:schemeClr val="tx1"/>
-                </a:solidFill>
-                <a:latin typeface="Calibri" panose="020F0502020204030204" pitchFamily="34" charset="0"/>
-                <a:ea typeface="MS PGothic" panose="020B0600070205080204" pitchFamily="34" charset="-128"/>
-              </a:defRPr>
-            </a:lvl3pPr>
-            <a:lvl4pPr marL="1600200" indent="-228600">
-              <a:defRPr>
-                <a:solidFill>
-                  <a:schemeClr val="tx1"/>
-                </a:solidFill>
-                <a:latin typeface="Calibri" panose="020F0502020204030204" pitchFamily="34" charset="0"/>
-                <a:ea typeface="MS PGothic" panose="020B0600070205080204" pitchFamily="34" charset="-128"/>
-              </a:defRPr>
-            </a:lvl4pPr>
-            <a:lvl5pPr marL="2057400" indent="-228600">
-              <a:defRPr>
-                <a:solidFill>
-                  <a:schemeClr val="tx1"/>
-                </a:solidFill>
-                <a:latin typeface="Calibri" panose="020F0502020204030204" pitchFamily="34" charset="0"/>
-                <a:ea typeface="MS PGothic" panose="020B0600070205080204" pitchFamily="34" charset="-128"/>
-              </a:defRPr>
-            </a:lvl5pPr>
-            <a:lvl6pPr marL="2514600" indent="-228600" defTabSz="457200" eaLnBrk="0" fontAlgn="base" hangingPunct="0">
-              <a:spcBef>
-                <a:spcPct val="0"/>
-              </a:spcBef>
-              <a:spcAft>
-                <a:spcPct val="0"/>
-              </a:spcAft>
-              <a:defRPr>
-                <a:solidFill>
-                  <a:schemeClr val="tx1"/>
-                </a:solidFill>
-                <a:latin typeface="Calibri" panose="020F0502020204030204" pitchFamily="34" charset="0"/>
-                <a:ea typeface="MS PGothic" panose="020B0600070205080204" pitchFamily="34" charset="-128"/>
-              </a:defRPr>
-            </a:lvl6pPr>
-            <a:lvl7pPr marL="2971800" indent="-228600" defTabSz="457200" eaLnBrk="0" fontAlgn="base" hangingPunct="0">
-              <a:spcBef>
-                <a:spcPct val="0"/>
-              </a:spcBef>
-              <a:spcAft>
-                <a:spcPct val="0"/>
-              </a:spcAft>
-              <a:defRPr>
-                <a:solidFill>
-                  <a:schemeClr val="tx1"/>
-                </a:solidFill>
-                <a:latin typeface="Calibri" panose="020F0502020204030204" pitchFamily="34" charset="0"/>
-                <a:ea typeface="MS PGothic" panose="020B0600070205080204" pitchFamily="34" charset="-128"/>
-              </a:defRPr>
-            </a:lvl7pPr>
-            <a:lvl8pPr marL="3429000" indent="-228600" defTabSz="457200" eaLnBrk="0" fontAlgn="base" hangingPunct="0">
-              <a:spcBef>
-                <a:spcPct val="0"/>
-              </a:spcBef>
-              <a:spcAft>
-                <a:spcPct val="0"/>
-              </a:spcAft>
-              <a:defRPr>
-                <a:solidFill>
-                  <a:schemeClr val="tx1"/>
-                </a:solidFill>
-                <a:latin typeface="Calibri" panose="020F0502020204030204" pitchFamily="34" charset="0"/>
-                <a:ea typeface="MS PGothic" panose="020B0600070205080204" pitchFamily="34" charset="-128"/>
-              </a:defRPr>
-            </a:lvl8pPr>
-            <a:lvl9pPr marL="3886200" indent="-228600" defTabSz="457200" eaLnBrk="0" fontAlgn="base" hangingPunct="0">
-              <a:spcBef>
-                <a:spcPct val="0"/>
-              </a:spcBef>
-              <a:spcAft>
-                <a:spcPct val="0"/>
-              </a:spcAft>
-              <a:defRPr>
-                <a:solidFill>
-                  <a:schemeClr val="tx1"/>
-                </a:solidFill>
-                <a:latin typeface="Calibri" panose="020F0502020204030204" pitchFamily="34" charset="0"/>
-                <a:ea typeface="MS PGothic" panose="020B0600070205080204" pitchFamily="34" charset="-128"/>
-              </a:defRPr>
-            </a:lvl9pPr>
-          </a:lstStyle>
-          <a:p>
-            <a:pPr algn="ctr" eaLnBrk="1" hangingPunct="1"/>
-            <a:r>
-              <a:rPr lang="de-DE" sz="6000" dirty="0">
-                <a:latin typeface="Sansation" pitchFamily="2" charset="0"/>
-              </a:rPr>
-              <a:t>?</a:t>
-            </a:r>
-          </a:p>
-        </p:txBody>
-      </p:sp>
-    </p:spTree>
-    <p:extLst>
-      <p:ext uri="{BB962C8B-B14F-4D97-AF65-F5344CB8AC3E}">
-        <p14:creationId xmlns:p14="http://schemas.microsoft.com/office/powerpoint/2010/main" val="2605059654"/>
-      </p:ext>
-    </p:extLst>
-  </p:cSld>
-  <p:clrMapOvr>
-    <a:masterClrMapping/>
-  </p:clrMapOvr>
-  <mc:AlternateContent xmlns:mc="http://schemas.openxmlformats.org/markup-compatibility/2006" xmlns:p14="http://schemas.microsoft.com/office/powerpoint/2010/main">
-    <mc:Choice Requires="p14">
-      <p:transition spd="slow" p14:dur="1400">
-        <p14:doors dir="vert"/>
-      </p:transition>
-    </mc:Choice>
-    <mc:Fallback xmlns="">
-      <p:transition spd="slow">
-        <p:fade/>
-      </p:transition>
-    </mc:Fallback>
-  </mc:AlternateContent>
-  <p:timing>
-    <p:tnLst>
-      <p:par>
-        <p:cTn id="1" dur="indefinite" restart="never" nodeType="tmRoot">
-          <p:childTnLst>
-            <p:seq concurrent="1" nextAc="seek">
-              <p:cTn id="2" dur="indefinite" nodeType="mainSeq">
-                <p:childTnLst>
-                  <p:par>
-                    <p:cTn id="3" fill="hold">
-                      <p:stCondLst>
-                        <p:cond delay="indefinite"/>
-                        <p:cond evt="onBegin" delay="0">
-                          <p:tn val="2"/>
-                        </p:cond>
-                      </p:stCondLst>
-                      <p:childTnLst>
-                        <p:par>
-                          <p:cTn id="4" fill="hold">
-                            <p:stCondLst>
-                              <p:cond delay="0"/>
-                            </p:stCondLst>
-                            <p:childTnLst>
-                              <p:par>
-                                <p:cTn id="5" presetID="22" presetClass="entr" presetSubtype="8" fill="hold" nodeType="afterEffect">
-                                  <p:stCondLst>
-                                    <p:cond delay="0"/>
-                                  </p:stCondLst>
-                                  <p:childTnLst>
-                                    <p:set>
-                                      <p:cBhvr>
-                                        <p:cTn id="6" dur="1" fill="hold">
-                                          <p:stCondLst>
-                                            <p:cond delay="0"/>
-                                          </p:stCondLst>
-                                        </p:cTn>
-                                        <p:tgtEl>
-                                          <p:spTgt spid="7"/>
-                                        </p:tgtEl>
-                                        <p:attrNameLst>
-                                          <p:attrName>style.visibility</p:attrName>
-                                        </p:attrNameLst>
-                                      </p:cBhvr>
-                                      <p:to>
-                                        <p:strVal val="visible"/>
-                                      </p:to>
-                                    </p:set>
-                                    <p:animEffect transition="in" filter="wipe(left)">
-                                      <p:cBhvr>
-                                        <p:cTn id="7" dur="1000"/>
-                                        <p:tgtEl>
-                                          <p:spTgt spid="7"/>
-                                        </p:tgtEl>
-                                      </p:cBhvr>
-                                    </p:animEffect>
-                                  </p:childTnLst>
-                                </p:cTn>
-                              </p:par>
-                            </p:childTnLst>
-                          </p:cTn>
-                        </p:par>
-                      </p:childTnLst>
-                    </p:cTn>
-                  </p:par>
-                </p:childTnLst>
-              </p:cTn>
-              <p:prevCondLst>
-                <p:cond evt="onPrev" delay="0">
-                  <p:tgtEl>
-                    <p:sldTgt/>
-                  </p:tgtEl>
-                </p:cond>
-              </p:prevCondLst>
-              <p:nextCondLst>
-                <p:cond evt="onNext" delay="0">
-                  <p:tgtEl>
-                    <p:sldTgt/>
-                  </p:tgtEl>
-                </p:cond>
-              </p:nextCondLst>
-            </p:seq>
-          </p:childTnLst>
-        </p:cTn>
-      </p:par>
-    </p:tnLst>
-  </p:timing>
-</p:sld>
-</file>
-
 <file path=ppt/slides/slide2.xml><?xml version="1.0" encoding="utf-8"?>
 <p:sld xmlns:a="http://schemas.openxmlformats.org/drawingml/2006/main" xmlns:r="http://schemas.openxmlformats.org/officeDocument/2006/relationships" xmlns:p="http://schemas.openxmlformats.org/presentationml/2006/main">
   <p:cSld>
@@ -21418,7 +21844,7 @@
         </p:nvSpPr>
         <p:spPr bwMode="gray">
           <a:xfrm>
-            <a:off x="1142976" y="2076467"/>
+            <a:off x="1152666" y="2077680"/>
             <a:ext cx="4714908" cy="357190"/>
           </a:xfrm>
           <a:prstGeom prst="roundRect">
@@ -21539,7 +21965,7 @@
               <a:defRPr/>
             </a:pPr>
             <a:r>
-              <a:rPr lang="fr-FR" i="1" dirty="0" err="1" smtClean="0">
+              <a:rPr lang="fr-FR" i="1" dirty="0" smtClean="0">
                 <a:ln w="0"/>
                 <a:solidFill>
                   <a:schemeClr val="bg1"/>
@@ -21553,7 +21979,7 @@
                 </a:effectLst>
                 <a:latin typeface="Berlin Sans FB Demi" pitchFamily="34" charset="0"/>
               </a:rPr>
-              <a:t>Problèmatique</a:t>
+              <a:t>Problématique</a:t>
             </a:r>
             <a:endParaRPr lang="fr-FR" i="1" dirty="0">
               <a:ln w="0"/>
@@ -23438,7 +23864,7 @@
                             </p:stCondLst>
                             <p:childTnLst>
                               <p:par>
-                                <p:cTn id="5" presetID="2" presetClass="entr" presetSubtype="4" fill="hold" nodeType="afterEffect">
+                                <p:cTn id="5" presetID="2" presetClass="entr" presetSubtype="4" fill="hold" nodeType="withEffect">
                                   <p:stCondLst>
                                     <p:cond delay="0"/>
                                   </p:stCondLst>
@@ -24241,6 +24667,1020 @@
 </p:sld>
 </file>
 
+<file path=ppt/slides/slide20.xml><?xml version="1.0" encoding="utf-8"?>
+<p:sld xmlns:a="http://schemas.openxmlformats.org/drawingml/2006/main" xmlns:r="http://schemas.openxmlformats.org/officeDocument/2006/relationships" xmlns:p="http://schemas.openxmlformats.org/presentationml/2006/main">
+  <p:cSld>
+    <p:spTree>
+      <p:nvGrpSpPr>
+        <p:cNvPr id="1" name=""/>
+        <p:cNvGrpSpPr/>
+        <p:nvPr/>
+      </p:nvGrpSpPr>
+      <p:grpSpPr>
+        <a:xfrm>
+          <a:off x="0" y="0"/>
+          <a:ext cx="0" cy="0"/>
+          <a:chOff x="0" y="0"/>
+          <a:chExt cx="0" cy="0"/>
+        </a:xfrm>
+      </p:grpSpPr>
+      <p:sp>
+        <p:nvSpPr>
+          <p:cNvPr id="4" name="Rectangle 3"/>
+          <p:cNvSpPr/>
+          <p:nvPr/>
+        </p:nvSpPr>
+        <p:spPr>
+          <a:xfrm>
+            <a:off x="7740352" y="0"/>
+            <a:ext cx="720080" cy="1124744"/>
+          </a:xfrm>
+          <a:prstGeom prst="rect">
+            <a:avLst/>
+          </a:prstGeom>
+          <a:solidFill>
+            <a:srgbClr val="00B0F0"/>
+          </a:solidFill>
+          <a:ln>
+            <a:noFill/>
+          </a:ln>
+          <a:effectLst>
+            <a:outerShdw blurRad="50800" dist="38100" algn="l" rotWithShape="0">
+              <a:prstClr val="black">
+                <a:alpha val="40000"/>
+              </a:prstClr>
+            </a:outerShdw>
+          </a:effectLst>
+        </p:spPr>
+        <p:style>
+          <a:lnRef idx="2">
+            <a:schemeClr val="accent1">
+              <a:shade val="50000"/>
+            </a:schemeClr>
+          </a:lnRef>
+          <a:fillRef idx="1">
+            <a:schemeClr val="accent1"/>
+          </a:fillRef>
+          <a:effectRef idx="0">
+            <a:schemeClr val="accent1"/>
+          </a:effectRef>
+          <a:fontRef idx="minor">
+            <a:schemeClr val="lt1"/>
+          </a:fontRef>
+        </p:style>
+        <p:txBody>
+          <a:bodyPr rtlCol="0" anchor="ctr"/>
+          <a:lstStyle/>
+          <a:p>
+            <a:pPr algn="ctr"/>
+            <a:endParaRPr lang="fr-FR"/>
+          </a:p>
+        </p:txBody>
+      </p:sp>
+      <p:sp>
+        <p:nvSpPr>
+          <p:cNvPr id="3" name="Sous-titre 2"/>
+          <p:cNvSpPr txBox="1">
+            <a:spLocks/>
+          </p:cNvSpPr>
+          <p:nvPr/>
+        </p:nvSpPr>
+        <p:spPr>
+          <a:xfrm>
+            <a:off x="1979712" y="3140968"/>
+            <a:ext cx="6259566" cy="785818"/>
+          </a:xfrm>
+          <a:prstGeom prst="rect">
+            <a:avLst/>
+          </a:prstGeom>
+        </p:spPr>
+        <p:txBody>
+          <a:bodyPr vert="horz" lIns="91440" tIns="45720" rIns="91440" bIns="45720" rtlCol="0">
+            <a:noAutofit/>
+            <a:scene3d>
+              <a:camera prst="orthographicFront"/>
+              <a:lightRig rig="soft" dir="t">
+                <a:rot lat="0" lon="0" rev="10800000"/>
+              </a:lightRig>
+            </a:scene3d>
+            <a:sp3d>
+              <a:contourClr>
+                <a:srgbClr val="DDDDDD"/>
+              </a:contourClr>
+            </a:sp3d>
+          </a:bodyPr>
+          <a:lstStyle/>
+          <a:p>
+            <a:pPr marL="0" marR="0" lvl="0" indent="0" defTabSz="914400" rtl="0" eaLnBrk="1" fontAlgn="auto" latinLnBrk="0" hangingPunct="1">
+              <a:lnSpc>
+                <a:spcPct val="100000"/>
+              </a:lnSpc>
+              <a:spcBef>
+                <a:spcPts val="0"/>
+              </a:spcBef>
+              <a:spcAft>
+                <a:spcPts val="0"/>
+              </a:spcAft>
+              <a:buClr>
+                <a:schemeClr val="accent1"/>
+              </a:buClr>
+              <a:buSzPct val="80000"/>
+              <a:tabLst/>
+              <a:defRPr/>
+            </a:pPr>
+            <a:r>
+              <a:rPr lang="fr-FR" sz="3200" b="1" i="1" dirty="0" smtClean="0"/>
+              <a:t>Merci De Votre Attention</a:t>
+            </a:r>
+            <a:endParaRPr kumimoji="0" lang="fr-FR" sz="3200" b="1" i="1" strike="noStrike" kern="1200" cap="none" spc="0" normalizeH="0" baseline="0" noProof="0" dirty="0" smtClean="0">
+              <a:ln>
+                <a:noFill/>
+              </a:ln>
+              <a:effectLst/>
+              <a:uLnTx/>
+              <a:uFillTx/>
+              <a:latin typeface="+mn-lt"/>
+              <a:ea typeface="+mn-ea"/>
+              <a:cs typeface="+mn-cs"/>
+            </a:endParaRPr>
+          </a:p>
+        </p:txBody>
+      </p:sp>
+      <p:pic>
+        <p:nvPicPr>
+          <p:cNvPr id="9" name="Bild 17" descr="01.png"/>
+          <p:cNvPicPr>
+            <a:picLocks noChangeAspect="1"/>
+          </p:cNvPicPr>
+          <p:nvPr/>
+        </p:nvPicPr>
+        <p:blipFill>
+          <a:blip r:embed="rId3">
+            <a:extLst>
+              <a:ext uri="{28A0092B-C50C-407E-A947-70E740481C1C}">
+                <a14:useLocalDpi xmlns:a14="http://schemas.microsoft.com/office/drawing/2010/main" val="0"/>
+              </a:ext>
+            </a:extLst>
+          </a:blip>
+          <a:srcRect/>
+          <a:stretch>
+            <a:fillRect/>
+          </a:stretch>
+        </p:blipFill>
+        <p:spPr bwMode="auto">
+          <a:xfrm>
+            <a:off x="1691680" y="3717032"/>
+            <a:ext cx="5544616" cy="590581"/>
+          </a:xfrm>
+          <a:prstGeom prst="rect">
+            <a:avLst/>
+          </a:prstGeom>
+          <a:noFill/>
+          <a:ln>
+            <a:noFill/>
+          </a:ln>
+          <a:extLst>
+            <a:ext uri="{909E8E84-426E-40DD-AFC4-6F175D3DCCD1}">
+              <a14:hiddenFill xmlns:a14="http://schemas.microsoft.com/office/drawing/2010/main">
+                <a:solidFill>
+                  <a:srgbClr val="FFFFFF"/>
+                </a:solidFill>
+              </a14:hiddenFill>
+            </a:ext>
+            <a:ext uri="{91240B29-F687-4F45-9708-019B960494DF}">
+              <a14:hiddenLine xmlns:a14="http://schemas.microsoft.com/office/drawing/2010/main" w="9525">
+                <a:solidFill>
+                  <a:srgbClr val="000000"/>
+                </a:solidFill>
+                <a:miter lim="800000"/>
+                <a:headEnd/>
+                <a:tailEnd/>
+              </a14:hiddenLine>
+            </a:ext>
+          </a:extLst>
+        </p:spPr>
+      </p:pic>
+    </p:spTree>
+  </p:cSld>
+  <p:clrMapOvr>
+    <a:masterClrMapping/>
+  </p:clrMapOvr>
+  <mc:AlternateContent xmlns:mc="http://schemas.openxmlformats.org/markup-compatibility/2006" xmlns:p14="http://schemas.microsoft.com/office/powerpoint/2010/main">
+    <mc:Choice Requires="p14">
+      <p:transition spd="slow" p14:dur="1400">
+        <p14:doors dir="vert"/>
+      </p:transition>
+    </mc:Choice>
+    <mc:Fallback xmlns="">
+      <p:transition spd="slow">
+        <p:fade/>
+      </p:transition>
+    </mc:Fallback>
+  </mc:AlternateContent>
+  <p:timing>
+    <p:tnLst>
+      <p:par>
+        <p:cTn id="1" dur="indefinite" restart="never" nodeType="tmRoot">
+          <p:childTnLst>
+            <p:seq concurrent="1" nextAc="seek">
+              <p:cTn id="2" dur="indefinite" nodeType="mainSeq">
+                <p:childTnLst>
+                  <p:par>
+                    <p:cTn id="3" fill="hold">
+                      <p:stCondLst>
+                        <p:cond delay="indefinite"/>
+                        <p:cond evt="onBegin" delay="0">
+                          <p:tn val="2"/>
+                        </p:cond>
+                      </p:stCondLst>
+                      <p:childTnLst>
+                        <p:par>
+                          <p:cTn id="4" fill="hold">
+                            <p:stCondLst>
+                              <p:cond delay="0"/>
+                            </p:stCondLst>
+                            <p:childTnLst>
+                              <p:par>
+                                <p:cTn id="5" presetID="22" presetClass="entr" presetSubtype="8" fill="hold" nodeType="afterEffect">
+                                  <p:stCondLst>
+                                    <p:cond delay="0"/>
+                                  </p:stCondLst>
+                                  <p:childTnLst>
+                                    <p:set>
+                                      <p:cBhvr>
+                                        <p:cTn id="6" dur="1" fill="hold">
+                                          <p:stCondLst>
+                                            <p:cond delay="0"/>
+                                          </p:stCondLst>
+                                        </p:cTn>
+                                        <p:tgtEl>
+                                          <p:spTgt spid="9"/>
+                                        </p:tgtEl>
+                                        <p:attrNameLst>
+                                          <p:attrName>style.visibility</p:attrName>
+                                        </p:attrNameLst>
+                                      </p:cBhvr>
+                                      <p:to>
+                                        <p:strVal val="visible"/>
+                                      </p:to>
+                                    </p:set>
+                                    <p:animEffect transition="in" filter="wipe(left)">
+                                      <p:cBhvr>
+                                        <p:cTn id="7" dur="1000"/>
+                                        <p:tgtEl>
+                                          <p:spTgt spid="9"/>
+                                        </p:tgtEl>
+                                      </p:cBhvr>
+                                    </p:animEffect>
+                                  </p:childTnLst>
+                                </p:cTn>
+                              </p:par>
+                            </p:childTnLst>
+                          </p:cTn>
+                        </p:par>
+                      </p:childTnLst>
+                    </p:cTn>
+                  </p:par>
+                </p:childTnLst>
+              </p:cTn>
+              <p:prevCondLst>
+                <p:cond evt="onPrev" delay="0">
+                  <p:tgtEl>
+                    <p:sldTgt/>
+                  </p:tgtEl>
+                </p:cond>
+              </p:prevCondLst>
+              <p:nextCondLst>
+                <p:cond evt="onNext" delay="0">
+                  <p:tgtEl>
+                    <p:sldTgt/>
+                  </p:tgtEl>
+                </p:cond>
+              </p:nextCondLst>
+            </p:seq>
+          </p:childTnLst>
+        </p:cTn>
+      </p:par>
+    </p:tnLst>
+  </p:timing>
+</p:sld>
+</file>
+
+<file path=ppt/slides/slide21.xml><?xml version="1.0" encoding="utf-8"?>
+<p:sld xmlns:a="http://schemas.openxmlformats.org/drawingml/2006/main" xmlns:r="http://schemas.openxmlformats.org/officeDocument/2006/relationships" xmlns:p="http://schemas.openxmlformats.org/presentationml/2006/main">
+  <p:cSld>
+    <p:spTree>
+      <p:nvGrpSpPr>
+        <p:cNvPr id="1" name=""/>
+        <p:cNvGrpSpPr/>
+        <p:nvPr/>
+      </p:nvGrpSpPr>
+      <p:grpSpPr>
+        <a:xfrm>
+          <a:off x="0" y="0"/>
+          <a:ext cx="0" cy="0"/>
+          <a:chOff x="0" y="0"/>
+          <a:chExt cx="0" cy="0"/>
+        </a:xfrm>
+      </p:grpSpPr>
+      <p:sp>
+        <p:nvSpPr>
+          <p:cNvPr id="4" name="Rectangle 3"/>
+          <p:cNvSpPr/>
+          <p:nvPr/>
+        </p:nvSpPr>
+        <p:spPr>
+          <a:xfrm>
+            <a:off x="7740352" y="0"/>
+            <a:ext cx="720080" cy="1124744"/>
+          </a:xfrm>
+          <a:prstGeom prst="rect">
+            <a:avLst/>
+          </a:prstGeom>
+          <a:solidFill>
+            <a:srgbClr val="00B0F0"/>
+          </a:solidFill>
+          <a:ln>
+            <a:noFill/>
+          </a:ln>
+          <a:effectLst>
+            <a:outerShdw blurRad="50800" dist="38100" algn="l" rotWithShape="0">
+              <a:prstClr val="black">
+                <a:alpha val="40000"/>
+              </a:prstClr>
+            </a:outerShdw>
+          </a:effectLst>
+        </p:spPr>
+        <p:style>
+          <a:lnRef idx="2">
+            <a:schemeClr val="accent1">
+              <a:shade val="50000"/>
+            </a:schemeClr>
+          </a:lnRef>
+          <a:fillRef idx="1">
+            <a:schemeClr val="accent1"/>
+          </a:fillRef>
+          <a:effectRef idx="0">
+            <a:schemeClr val="accent1"/>
+          </a:effectRef>
+          <a:fontRef idx="minor">
+            <a:schemeClr val="lt1"/>
+          </a:fontRef>
+        </p:style>
+        <p:txBody>
+          <a:bodyPr rtlCol="0" anchor="ctr"/>
+          <a:lstStyle/>
+          <a:p>
+            <a:pPr algn="ctr"/>
+            <a:endParaRPr lang="fr-FR"/>
+          </a:p>
+        </p:txBody>
+      </p:sp>
+      <p:sp>
+        <p:nvSpPr>
+          <p:cNvPr id="5" name="Oval 4"/>
+          <p:cNvSpPr/>
+          <p:nvPr/>
+        </p:nvSpPr>
+        <p:spPr>
+          <a:xfrm>
+            <a:off x="3175000" y="1689100"/>
+            <a:ext cx="2540000" cy="2514600"/>
+          </a:xfrm>
+          <a:prstGeom prst="ellipse">
+            <a:avLst/>
+          </a:prstGeom>
+          <a:noFill/>
+          <a:ln w="76200" cap="rnd" cmpd="sng">
+            <a:solidFill>
+              <a:schemeClr val="tx1"/>
+            </a:solidFill>
+            <a:bevel/>
+          </a:ln>
+          <a:effectLst/>
+        </p:spPr>
+        <p:style>
+          <a:lnRef idx="1">
+            <a:schemeClr val="accent1"/>
+          </a:lnRef>
+          <a:fillRef idx="3">
+            <a:schemeClr val="accent1"/>
+          </a:fillRef>
+          <a:effectRef idx="2">
+            <a:schemeClr val="accent1"/>
+          </a:effectRef>
+          <a:fontRef idx="minor">
+            <a:schemeClr val="lt1"/>
+          </a:fontRef>
+        </p:style>
+        <p:txBody>
+          <a:bodyPr anchor="ctr"/>
+          <a:lstStyle>
+            <a:lvl1pPr>
+              <a:defRPr>
+                <a:solidFill>
+                  <a:schemeClr val="tx1"/>
+                </a:solidFill>
+                <a:latin typeface="Calibri" panose="020F0502020204030204" pitchFamily="34" charset="0"/>
+                <a:ea typeface="MS PGothic" panose="020B0600070205080204" pitchFamily="34" charset="-128"/>
+              </a:defRPr>
+            </a:lvl1pPr>
+            <a:lvl2pPr marL="742950" indent="-285750">
+              <a:defRPr>
+                <a:solidFill>
+                  <a:schemeClr val="tx1"/>
+                </a:solidFill>
+                <a:latin typeface="Calibri" panose="020F0502020204030204" pitchFamily="34" charset="0"/>
+                <a:ea typeface="MS PGothic" panose="020B0600070205080204" pitchFamily="34" charset="-128"/>
+              </a:defRPr>
+            </a:lvl2pPr>
+            <a:lvl3pPr marL="1143000" indent="-228600">
+              <a:defRPr>
+                <a:solidFill>
+                  <a:schemeClr val="tx1"/>
+                </a:solidFill>
+                <a:latin typeface="Calibri" panose="020F0502020204030204" pitchFamily="34" charset="0"/>
+                <a:ea typeface="MS PGothic" panose="020B0600070205080204" pitchFamily="34" charset="-128"/>
+              </a:defRPr>
+            </a:lvl3pPr>
+            <a:lvl4pPr marL="1600200" indent="-228600">
+              <a:defRPr>
+                <a:solidFill>
+                  <a:schemeClr val="tx1"/>
+                </a:solidFill>
+                <a:latin typeface="Calibri" panose="020F0502020204030204" pitchFamily="34" charset="0"/>
+                <a:ea typeface="MS PGothic" panose="020B0600070205080204" pitchFamily="34" charset="-128"/>
+              </a:defRPr>
+            </a:lvl4pPr>
+            <a:lvl5pPr marL="2057400" indent="-228600">
+              <a:defRPr>
+                <a:solidFill>
+                  <a:schemeClr val="tx1"/>
+                </a:solidFill>
+                <a:latin typeface="Calibri" panose="020F0502020204030204" pitchFamily="34" charset="0"/>
+                <a:ea typeface="MS PGothic" panose="020B0600070205080204" pitchFamily="34" charset="-128"/>
+              </a:defRPr>
+            </a:lvl5pPr>
+            <a:lvl6pPr marL="2514600" indent="-228600" defTabSz="457200" eaLnBrk="0" fontAlgn="base" hangingPunct="0">
+              <a:spcBef>
+                <a:spcPct val="0"/>
+              </a:spcBef>
+              <a:spcAft>
+                <a:spcPct val="0"/>
+              </a:spcAft>
+              <a:defRPr>
+                <a:solidFill>
+                  <a:schemeClr val="tx1"/>
+                </a:solidFill>
+                <a:latin typeface="Calibri" panose="020F0502020204030204" pitchFamily="34" charset="0"/>
+                <a:ea typeface="MS PGothic" panose="020B0600070205080204" pitchFamily="34" charset="-128"/>
+              </a:defRPr>
+            </a:lvl6pPr>
+            <a:lvl7pPr marL="2971800" indent="-228600" defTabSz="457200" eaLnBrk="0" fontAlgn="base" hangingPunct="0">
+              <a:spcBef>
+                <a:spcPct val="0"/>
+              </a:spcBef>
+              <a:spcAft>
+                <a:spcPct val="0"/>
+              </a:spcAft>
+              <a:defRPr>
+                <a:solidFill>
+                  <a:schemeClr val="tx1"/>
+                </a:solidFill>
+                <a:latin typeface="Calibri" panose="020F0502020204030204" pitchFamily="34" charset="0"/>
+                <a:ea typeface="MS PGothic" panose="020B0600070205080204" pitchFamily="34" charset="-128"/>
+              </a:defRPr>
+            </a:lvl7pPr>
+            <a:lvl8pPr marL="3429000" indent="-228600" defTabSz="457200" eaLnBrk="0" fontAlgn="base" hangingPunct="0">
+              <a:spcBef>
+                <a:spcPct val="0"/>
+              </a:spcBef>
+              <a:spcAft>
+                <a:spcPct val="0"/>
+              </a:spcAft>
+              <a:defRPr>
+                <a:solidFill>
+                  <a:schemeClr val="tx1"/>
+                </a:solidFill>
+                <a:latin typeface="Calibri" panose="020F0502020204030204" pitchFamily="34" charset="0"/>
+                <a:ea typeface="MS PGothic" panose="020B0600070205080204" pitchFamily="34" charset="-128"/>
+              </a:defRPr>
+            </a:lvl8pPr>
+            <a:lvl9pPr marL="3886200" indent="-228600" defTabSz="457200" eaLnBrk="0" fontAlgn="base" hangingPunct="0">
+              <a:spcBef>
+                <a:spcPct val="0"/>
+              </a:spcBef>
+              <a:spcAft>
+                <a:spcPct val="0"/>
+              </a:spcAft>
+              <a:defRPr>
+                <a:solidFill>
+                  <a:schemeClr val="tx1"/>
+                </a:solidFill>
+                <a:latin typeface="Calibri" panose="020F0502020204030204" pitchFamily="34" charset="0"/>
+                <a:ea typeface="MS PGothic" panose="020B0600070205080204" pitchFamily="34" charset="-128"/>
+              </a:defRPr>
+            </a:lvl9pPr>
+          </a:lstStyle>
+          <a:p>
+            <a:pPr algn="ctr" eaLnBrk="1" hangingPunct="1"/>
+            <a:endParaRPr lang="fr-FR">
+              <a:solidFill>
+                <a:srgbClr val="FFFFFF"/>
+              </a:solidFill>
+            </a:endParaRPr>
+          </a:p>
+        </p:txBody>
+      </p:sp>
+      <p:sp>
+        <p:nvSpPr>
+          <p:cNvPr id="6" name="Textfeld 16"/>
+          <p:cNvSpPr txBox="1">
+            <a:spLocks noChangeArrowheads="1"/>
+          </p:cNvSpPr>
+          <p:nvPr/>
+        </p:nvSpPr>
+        <p:spPr bwMode="auto">
+          <a:xfrm>
+            <a:off x="3657742" y="4568825"/>
+            <a:ext cx="1579278" cy="523220"/>
+          </a:xfrm>
+          <a:prstGeom prst="rect">
+            <a:avLst/>
+          </a:prstGeom>
+          <a:noFill/>
+          <a:ln>
+            <a:noFill/>
+          </a:ln>
+          <a:extLst>
+            <a:ext uri="{909E8E84-426E-40DD-AFC4-6F175D3DCCD1}">
+              <a14:hiddenFill xmlns:a14="http://schemas.microsoft.com/office/drawing/2010/main">
+                <a:solidFill>
+                  <a:srgbClr val="FFFFFF"/>
+                </a:solidFill>
+              </a14:hiddenFill>
+            </a:ext>
+            <a:ext uri="{91240B29-F687-4F45-9708-019B960494DF}">
+              <a14:hiddenLine xmlns:a14="http://schemas.microsoft.com/office/drawing/2010/main" w="9525">
+                <a:solidFill>
+                  <a:srgbClr val="000000"/>
+                </a:solidFill>
+                <a:miter lim="800000"/>
+                <a:headEnd/>
+                <a:tailEnd/>
+              </a14:hiddenLine>
+            </a:ext>
+          </a:extLst>
+        </p:spPr>
+        <p:txBody>
+          <a:bodyPr wrap="none">
+            <a:spAutoFit/>
+          </a:bodyPr>
+          <a:lstStyle>
+            <a:lvl1pPr>
+              <a:defRPr>
+                <a:solidFill>
+                  <a:schemeClr val="tx1"/>
+                </a:solidFill>
+                <a:latin typeface="Calibri" panose="020F0502020204030204" pitchFamily="34" charset="0"/>
+                <a:ea typeface="MS PGothic" panose="020B0600070205080204" pitchFamily="34" charset="-128"/>
+              </a:defRPr>
+            </a:lvl1pPr>
+            <a:lvl2pPr marL="742950" indent="-285750">
+              <a:defRPr>
+                <a:solidFill>
+                  <a:schemeClr val="tx1"/>
+                </a:solidFill>
+                <a:latin typeface="Calibri" panose="020F0502020204030204" pitchFamily="34" charset="0"/>
+                <a:ea typeface="MS PGothic" panose="020B0600070205080204" pitchFamily="34" charset="-128"/>
+              </a:defRPr>
+            </a:lvl2pPr>
+            <a:lvl3pPr marL="1143000" indent="-228600">
+              <a:defRPr>
+                <a:solidFill>
+                  <a:schemeClr val="tx1"/>
+                </a:solidFill>
+                <a:latin typeface="Calibri" panose="020F0502020204030204" pitchFamily="34" charset="0"/>
+                <a:ea typeface="MS PGothic" panose="020B0600070205080204" pitchFamily="34" charset="-128"/>
+              </a:defRPr>
+            </a:lvl3pPr>
+            <a:lvl4pPr marL="1600200" indent="-228600">
+              <a:defRPr>
+                <a:solidFill>
+                  <a:schemeClr val="tx1"/>
+                </a:solidFill>
+                <a:latin typeface="Calibri" panose="020F0502020204030204" pitchFamily="34" charset="0"/>
+                <a:ea typeface="MS PGothic" panose="020B0600070205080204" pitchFamily="34" charset="-128"/>
+              </a:defRPr>
+            </a:lvl4pPr>
+            <a:lvl5pPr marL="2057400" indent="-228600">
+              <a:defRPr>
+                <a:solidFill>
+                  <a:schemeClr val="tx1"/>
+                </a:solidFill>
+                <a:latin typeface="Calibri" panose="020F0502020204030204" pitchFamily="34" charset="0"/>
+                <a:ea typeface="MS PGothic" panose="020B0600070205080204" pitchFamily="34" charset="-128"/>
+              </a:defRPr>
+            </a:lvl5pPr>
+            <a:lvl6pPr marL="2514600" indent="-228600" defTabSz="457200" eaLnBrk="0" fontAlgn="base" hangingPunct="0">
+              <a:spcBef>
+                <a:spcPct val="0"/>
+              </a:spcBef>
+              <a:spcAft>
+                <a:spcPct val="0"/>
+              </a:spcAft>
+              <a:defRPr>
+                <a:solidFill>
+                  <a:schemeClr val="tx1"/>
+                </a:solidFill>
+                <a:latin typeface="Calibri" panose="020F0502020204030204" pitchFamily="34" charset="0"/>
+                <a:ea typeface="MS PGothic" panose="020B0600070205080204" pitchFamily="34" charset="-128"/>
+              </a:defRPr>
+            </a:lvl6pPr>
+            <a:lvl7pPr marL="2971800" indent="-228600" defTabSz="457200" eaLnBrk="0" fontAlgn="base" hangingPunct="0">
+              <a:spcBef>
+                <a:spcPct val="0"/>
+              </a:spcBef>
+              <a:spcAft>
+                <a:spcPct val="0"/>
+              </a:spcAft>
+              <a:defRPr>
+                <a:solidFill>
+                  <a:schemeClr val="tx1"/>
+                </a:solidFill>
+                <a:latin typeface="Calibri" panose="020F0502020204030204" pitchFamily="34" charset="0"/>
+                <a:ea typeface="MS PGothic" panose="020B0600070205080204" pitchFamily="34" charset="-128"/>
+              </a:defRPr>
+            </a:lvl7pPr>
+            <a:lvl8pPr marL="3429000" indent="-228600" defTabSz="457200" eaLnBrk="0" fontAlgn="base" hangingPunct="0">
+              <a:spcBef>
+                <a:spcPct val="0"/>
+              </a:spcBef>
+              <a:spcAft>
+                <a:spcPct val="0"/>
+              </a:spcAft>
+              <a:defRPr>
+                <a:solidFill>
+                  <a:schemeClr val="tx1"/>
+                </a:solidFill>
+                <a:latin typeface="Calibri" panose="020F0502020204030204" pitchFamily="34" charset="0"/>
+                <a:ea typeface="MS PGothic" panose="020B0600070205080204" pitchFamily="34" charset="-128"/>
+              </a:defRPr>
+            </a:lvl8pPr>
+            <a:lvl9pPr marL="3886200" indent="-228600" defTabSz="457200" eaLnBrk="0" fontAlgn="base" hangingPunct="0">
+              <a:spcBef>
+                <a:spcPct val="0"/>
+              </a:spcBef>
+              <a:spcAft>
+                <a:spcPct val="0"/>
+              </a:spcAft>
+              <a:defRPr>
+                <a:solidFill>
+                  <a:schemeClr val="tx1"/>
+                </a:solidFill>
+                <a:latin typeface="Calibri" panose="020F0502020204030204" pitchFamily="34" charset="0"/>
+                <a:ea typeface="MS PGothic" panose="020B0600070205080204" pitchFamily="34" charset="-128"/>
+              </a:defRPr>
+            </a:lvl9pPr>
+          </a:lstStyle>
+          <a:p>
+            <a:pPr algn="ctr" eaLnBrk="1" hangingPunct="1"/>
+            <a:r>
+              <a:rPr lang="de-DE" sz="2800" dirty="0">
+                <a:latin typeface="Sansation" pitchFamily="2" charset="0"/>
+              </a:rPr>
+              <a:t>QUESTIONS</a:t>
+            </a:r>
+          </a:p>
+        </p:txBody>
+      </p:sp>
+      <p:pic>
+        <p:nvPicPr>
+          <p:cNvPr id="7" name="Bild 17" descr="01.png"/>
+          <p:cNvPicPr>
+            <a:picLocks noChangeAspect="1"/>
+          </p:cNvPicPr>
+          <p:nvPr/>
+        </p:nvPicPr>
+        <p:blipFill>
+          <a:blip r:embed="rId3">
+            <a:extLst>
+              <a:ext uri="{28A0092B-C50C-407E-A947-70E740481C1C}">
+                <a14:useLocalDpi xmlns:a14="http://schemas.microsoft.com/office/drawing/2010/main" val="0"/>
+              </a:ext>
+            </a:extLst>
+          </a:blip>
+          <a:srcRect/>
+          <a:stretch>
+            <a:fillRect/>
+          </a:stretch>
+        </p:blipFill>
+        <p:spPr bwMode="auto">
+          <a:xfrm>
+            <a:off x="3505200" y="5054600"/>
+            <a:ext cx="1803400" cy="192088"/>
+          </a:xfrm>
+          <a:prstGeom prst="rect">
+            <a:avLst/>
+          </a:prstGeom>
+          <a:noFill/>
+          <a:ln>
+            <a:noFill/>
+          </a:ln>
+          <a:extLst>
+            <a:ext uri="{909E8E84-426E-40DD-AFC4-6F175D3DCCD1}">
+              <a14:hiddenFill xmlns:a14="http://schemas.microsoft.com/office/drawing/2010/main">
+                <a:solidFill>
+                  <a:srgbClr val="FFFFFF"/>
+                </a:solidFill>
+              </a14:hiddenFill>
+            </a:ext>
+            <a:ext uri="{91240B29-F687-4F45-9708-019B960494DF}">
+              <a14:hiddenLine xmlns:a14="http://schemas.microsoft.com/office/drawing/2010/main" w="9525">
+                <a:solidFill>
+                  <a:srgbClr val="000000"/>
+                </a:solidFill>
+                <a:miter lim="800000"/>
+                <a:headEnd/>
+                <a:tailEnd/>
+              </a14:hiddenLine>
+            </a:ext>
+          </a:extLst>
+        </p:spPr>
+      </p:pic>
+      <p:sp>
+        <p:nvSpPr>
+          <p:cNvPr id="8" name="Textfeld 1"/>
+          <p:cNvSpPr txBox="1">
+            <a:spLocks noChangeArrowheads="1"/>
+          </p:cNvSpPr>
+          <p:nvPr/>
+        </p:nvSpPr>
+        <p:spPr bwMode="auto">
+          <a:xfrm>
+            <a:off x="4075113" y="2455863"/>
+            <a:ext cx="736600" cy="1016000"/>
+          </a:xfrm>
+          <a:prstGeom prst="rect">
+            <a:avLst/>
+          </a:prstGeom>
+          <a:noFill/>
+          <a:ln>
+            <a:noFill/>
+          </a:ln>
+          <a:extLst>
+            <a:ext uri="{909E8E84-426E-40DD-AFC4-6F175D3DCCD1}">
+              <a14:hiddenFill xmlns:a14="http://schemas.microsoft.com/office/drawing/2010/main">
+                <a:solidFill>
+                  <a:srgbClr val="FFFFFF"/>
+                </a:solidFill>
+              </a14:hiddenFill>
+            </a:ext>
+            <a:ext uri="{91240B29-F687-4F45-9708-019B960494DF}">
+              <a14:hiddenLine xmlns:a14="http://schemas.microsoft.com/office/drawing/2010/main" w="9525">
+                <a:solidFill>
+                  <a:srgbClr val="000000"/>
+                </a:solidFill>
+                <a:miter lim="800000"/>
+                <a:headEnd/>
+                <a:tailEnd/>
+              </a14:hiddenLine>
+            </a:ext>
+          </a:extLst>
+        </p:spPr>
+        <p:txBody>
+          <a:bodyPr>
+            <a:spAutoFit/>
+          </a:bodyPr>
+          <a:lstStyle>
+            <a:lvl1pPr>
+              <a:defRPr>
+                <a:solidFill>
+                  <a:schemeClr val="tx1"/>
+                </a:solidFill>
+                <a:latin typeface="Calibri" panose="020F0502020204030204" pitchFamily="34" charset="0"/>
+                <a:ea typeface="MS PGothic" panose="020B0600070205080204" pitchFamily="34" charset="-128"/>
+              </a:defRPr>
+            </a:lvl1pPr>
+            <a:lvl2pPr marL="742950" indent="-285750">
+              <a:defRPr>
+                <a:solidFill>
+                  <a:schemeClr val="tx1"/>
+                </a:solidFill>
+                <a:latin typeface="Calibri" panose="020F0502020204030204" pitchFamily="34" charset="0"/>
+                <a:ea typeface="MS PGothic" panose="020B0600070205080204" pitchFamily="34" charset="-128"/>
+              </a:defRPr>
+            </a:lvl2pPr>
+            <a:lvl3pPr marL="1143000" indent="-228600">
+              <a:defRPr>
+                <a:solidFill>
+                  <a:schemeClr val="tx1"/>
+                </a:solidFill>
+                <a:latin typeface="Calibri" panose="020F0502020204030204" pitchFamily="34" charset="0"/>
+                <a:ea typeface="MS PGothic" panose="020B0600070205080204" pitchFamily="34" charset="-128"/>
+              </a:defRPr>
+            </a:lvl3pPr>
+            <a:lvl4pPr marL="1600200" indent="-228600">
+              <a:defRPr>
+                <a:solidFill>
+                  <a:schemeClr val="tx1"/>
+                </a:solidFill>
+                <a:latin typeface="Calibri" panose="020F0502020204030204" pitchFamily="34" charset="0"/>
+                <a:ea typeface="MS PGothic" panose="020B0600070205080204" pitchFamily="34" charset="-128"/>
+              </a:defRPr>
+            </a:lvl4pPr>
+            <a:lvl5pPr marL="2057400" indent="-228600">
+              <a:defRPr>
+                <a:solidFill>
+                  <a:schemeClr val="tx1"/>
+                </a:solidFill>
+                <a:latin typeface="Calibri" panose="020F0502020204030204" pitchFamily="34" charset="0"/>
+                <a:ea typeface="MS PGothic" panose="020B0600070205080204" pitchFamily="34" charset="-128"/>
+              </a:defRPr>
+            </a:lvl5pPr>
+            <a:lvl6pPr marL="2514600" indent="-228600" defTabSz="457200" eaLnBrk="0" fontAlgn="base" hangingPunct="0">
+              <a:spcBef>
+                <a:spcPct val="0"/>
+              </a:spcBef>
+              <a:spcAft>
+                <a:spcPct val="0"/>
+              </a:spcAft>
+              <a:defRPr>
+                <a:solidFill>
+                  <a:schemeClr val="tx1"/>
+                </a:solidFill>
+                <a:latin typeface="Calibri" panose="020F0502020204030204" pitchFamily="34" charset="0"/>
+                <a:ea typeface="MS PGothic" panose="020B0600070205080204" pitchFamily="34" charset="-128"/>
+              </a:defRPr>
+            </a:lvl6pPr>
+            <a:lvl7pPr marL="2971800" indent="-228600" defTabSz="457200" eaLnBrk="0" fontAlgn="base" hangingPunct="0">
+              <a:spcBef>
+                <a:spcPct val="0"/>
+              </a:spcBef>
+              <a:spcAft>
+                <a:spcPct val="0"/>
+              </a:spcAft>
+              <a:defRPr>
+                <a:solidFill>
+                  <a:schemeClr val="tx1"/>
+                </a:solidFill>
+                <a:latin typeface="Calibri" panose="020F0502020204030204" pitchFamily="34" charset="0"/>
+                <a:ea typeface="MS PGothic" panose="020B0600070205080204" pitchFamily="34" charset="-128"/>
+              </a:defRPr>
+            </a:lvl7pPr>
+            <a:lvl8pPr marL="3429000" indent="-228600" defTabSz="457200" eaLnBrk="0" fontAlgn="base" hangingPunct="0">
+              <a:spcBef>
+                <a:spcPct val="0"/>
+              </a:spcBef>
+              <a:spcAft>
+                <a:spcPct val="0"/>
+              </a:spcAft>
+              <a:defRPr>
+                <a:solidFill>
+                  <a:schemeClr val="tx1"/>
+                </a:solidFill>
+                <a:latin typeface="Calibri" panose="020F0502020204030204" pitchFamily="34" charset="0"/>
+                <a:ea typeface="MS PGothic" panose="020B0600070205080204" pitchFamily="34" charset="-128"/>
+              </a:defRPr>
+            </a:lvl8pPr>
+            <a:lvl9pPr marL="3886200" indent="-228600" defTabSz="457200" eaLnBrk="0" fontAlgn="base" hangingPunct="0">
+              <a:spcBef>
+                <a:spcPct val="0"/>
+              </a:spcBef>
+              <a:spcAft>
+                <a:spcPct val="0"/>
+              </a:spcAft>
+              <a:defRPr>
+                <a:solidFill>
+                  <a:schemeClr val="tx1"/>
+                </a:solidFill>
+                <a:latin typeface="Calibri" panose="020F0502020204030204" pitchFamily="34" charset="0"/>
+                <a:ea typeface="MS PGothic" panose="020B0600070205080204" pitchFamily="34" charset="-128"/>
+              </a:defRPr>
+            </a:lvl9pPr>
+          </a:lstStyle>
+          <a:p>
+            <a:pPr algn="ctr" eaLnBrk="1" hangingPunct="1"/>
+            <a:r>
+              <a:rPr lang="de-DE" sz="6000" dirty="0">
+                <a:latin typeface="Sansation" pitchFamily="2" charset="0"/>
+              </a:rPr>
+              <a:t>?</a:t>
+            </a:r>
+          </a:p>
+        </p:txBody>
+      </p:sp>
+    </p:spTree>
+    <p:extLst>
+      <p:ext uri="{BB962C8B-B14F-4D97-AF65-F5344CB8AC3E}">
+        <p14:creationId xmlns:p14="http://schemas.microsoft.com/office/powerpoint/2010/main" val="2605059654"/>
+      </p:ext>
+    </p:extLst>
+  </p:cSld>
+  <p:clrMapOvr>
+    <a:masterClrMapping/>
+  </p:clrMapOvr>
+  <mc:AlternateContent xmlns:mc="http://schemas.openxmlformats.org/markup-compatibility/2006" xmlns:p14="http://schemas.microsoft.com/office/powerpoint/2010/main">
+    <mc:Choice Requires="p14">
+      <p:transition spd="slow" p14:dur="1400">
+        <p14:doors dir="vert"/>
+      </p:transition>
+    </mc:Choice>
+    <mc:Fallback xmlns="">
+      <p:transition spd="slow">
+        <p:fade/>
+      </p:transition>
+    </mc:Fallback>
+  </mc:AlternateContent>
+  <p:timing>
+    <p:tnLst>
+      <p:par>
+        <p:cTn id="1" dur="indefinite" restart="never" nodeType="tmRoot">
+          <p:childTnLst>
+            <p:seq concurrent="1" nextAc="seek">
+              <p:cTn id="2" dur="indefinite" nodeType="mainSeq">
+                <p:childTnLst>
+                  <p:par>
+                    <p:cTn id="3" fill="hold">
+                      <p:stCondLst>
+                        <p:cond delay="indefinite"/>
+                        <p:cond evt="onBegin" delay="0">
+                          <p:tn val="2"/>
+                        </p:cond>
+                      </p:stCondLst>
+                      <p:childTnLst>
+                        <p:par>
+                          <p:cTn id="4" fill="hold">
+                            <p:stCondLst>
+                              <p:cond delay="0"/>
+                            </p:stCondLst>
+                            <p:childTnLst>
+                              <p:par>
+                                <p:cTn id="5" presetID="22" presetClass="entr" presetSubtype="8" fill="hold" nodeType="afterEffect">
+                                  <p:stCondLst>
+                                    <p:cond delay="0"/>
+                                  </p:stCondLst>
+                                  <p:childTnLst>
+                                    <p:set>
+                                      <p:cBhvr>
+                                        <p:cTn id="6" dur="1" fill="hold">
+                                          <p:stCondLst>
+                                            <p:cond delay="0"/>
+                                          </p:stCondLst>
+                                        </p:cTn>
+                                        <p:tgtEl>
+                                          <p:spTgt spid="7"/>
+                                        </p:tgtEl>
+                                        <p:attrNameLst>
+                                          <p:attrName>style.visibility</p:attrName>
+                                        </p:attrNameLst>
+                                      </p:cBhvr>
+                                      <p:to>
+                                        <p:strVal val="visible"/>
+                                      </p:to>
+                                    </p:set>
+                                    <p:animEffect transition="in" filter="wipe(left)">
+                                      <p:cBhvr>
+                                        <p:cTn id="7" dur="1000"/>
+                                        <p:tgtEl>
+                                          <p:spTgt spid="7"/>
+                                        </p:tgtEl>
+                                      </p:cBhvr>
+                                    </p:animEffect>
+                                  </p:childTnLst>
+                                </p:cTn>
+                              </p:par>
+                            </p:childTnLst>
+                          </p:cTn>
+                        </p:par>
+                      </p:childTnLst>
+                    </p:cTn>
+                  </p:par>
+                </p:childTnLst>
+              </p:cTn>
+              <p:prevCondLst>
+                <p:cond evt="onPrev" delay="0">
+                  <p:tgtEl>
+                    <p:sldTgt/>
+                  </p:tgtEl>
+                </p:cond>
+              </p:prevCondLst>
+              <p:nextCondLst>
+                <p:cond evt="onNext" delay="0">
+                  <p:tgtEl>
+                    <p:sldTgt/>
+                  </p:tgtEl>
+                </p:cond>
+              </p:nextCondLst>
+            </p:seq>
+          </p:childTnLst>
+        </p:cTn>
+      </p:par>
+    </p:tnLst>
+  </p:timing>
+</p:sld>
+</file>
+
 <file path=ppt/slides/slide3.xml><?xml version="1.0" encoding="utf-8"?>
 <p:sld xmlns:a="http://schemas.openxmlformats.org/drawingml/2006/main" xmlns:r="http://schemas.openxmlformats.org/officeDocument/2006/relationships" xmlns:p="http://schemas.openxmlformats.org/presentationml/2006/main">
   <p:cSld>
@@ -24374,16 +25814,7 @@
                 </a:solidFill>
                 <a:latin typeface="Berlin Sans FB Demi" pitchFamily="34" charset="0"/>
               </a:rPr>
-              <a:t>3. </a:t>
-            </a:r>
-            <a:r>
-              <a:rPr lang="fr-FR" sz="1200" b="1" dirty="0" smtClean="0">
-                <a:solidFill>
-                  <a:schemeClr val="bg1"/>
-                </a:solidFill>
-                <a:latin typeface="Berlin Sans FB Demi" pitchFamily="34" charset="0"/>
-              </a:rPr>
-              <a:t>Solution Proposée</a:t>
+              <a:t>3. Solution Proposée</a:t>
             </a:r>
             <a:endParaRPr lang="en-US" sz="1200" dirty="0">
               <a:solidFill>
@@ -24596,16 +26027,7 @@
                 </a:solidFill>
                 <a:latin typeface="Berlin Sans FB Demi" pitchFamily="34" charset="0"/>
               </a:rPr>
-              <a:t>Conclusion </a:t>
-            </a:r>
-            <a:r>
-              <a:rPr lang="fr-FR" sz="1200" b="1" dirty="0" smtClean="0">
-                <a:solidFill>
-                  <a:schemeClr val="bg1"/>
-                </a:solidFill>
-                <a:latin typeface="Berlin Sans FB Demi" pitchFamily="34" charset="0"/>
-              </a:rPr>
-              <a:t>et Perspective </a:t>
+              <a:t>Conclusion et Perspective </a:t>
             </a:r>
             <a:endParaRPr lang="en-US" sz="1200" dirty="0">
               <a:solidFill>
@@ -25130,7 +26552,7 @@
             <a:pPr algn="ctr"/>
             <a:r>
               <a:rPr lang="fr-FR" sz="2800" dirty="0" smtClean="0"/>
-              <a:t>Internet des Objets</a:t>
+              <a:t>L’intelligence ambiante</a:t>
             </a:r>
             <a:endParaRPr lang="fr-FR" sz="2800" dirty="0"/>
           </a:p>
@@ -25497,7 +26919,7 @@
         </p:nvSpPr>
         <p:spPr>
           <a:xfrm>
-            <a:off x="3762042" y="3814881"/>
+            <a:off x="3783588" y="3826801"/>
             <a:ext cx="1364476" cy="954107"/>
           </a:xfrm>
           <a:prstGeom prst="rect">
@@ -25594,13 +27016,13 @@
           <a:p>
             <a:pPr algn="ctr"/>
             <a:r>
-              <a:rPr lang="fr-FR" sz="1600" b="1" dirty="0" err="1" smtClean="0">
+              <a:rPr lang="fr-FR" sz="1600" b="1" dirty="0" smtClean="0">
                 <a:solidFill>
                   <a:schemeClr val="tx1"/>
                 </a:solidFill>
                 <a:latin typeface="Jenna Sue"/>
               </a:rPr>
-              <a:t>Dashbord</a:t>
+              <a:t>Dashboard</a:t>
             </a:r>
             <a:endParaRPr lang="fr-FR" sz="1600" b="1" dirty="0">
               <a:solidFill>
@@ -28302,16 +29724,7 @@
                 </a:solidFill>
                 <a:latin typeface="Berlin Sans FB Demi" pitchFamily="34" charset="0"/>
               </a:rPr>
-              <a:t>. </a:t>
-            </a:r>
-            <a:r>
-              <a:rPr lang="fr-FR" sz="1200" b="1" dirty="0" smtClean="0">
-                <a:solidFill>
-                  <a:schemeClr val="bg1"/>
-                </a:solidFill>
-                <a:latin typeface="Berlin Sans FB Demi" pitchFamily="34" charset="0"/>
-              </a:rPr>
-              <a:t>Solution Proposée</a:t>
+              <a:t>. Solution Proposée</a:t>
             </a:r>
             <a:endParaRPr lang="en-US" sz="1200" dirty="0">
               <a:solidFill>
@@ -28455,16 +29868,7 @@
                 </a:solidFill>
                 <a:latin typeface="Berlin Sans FB Demi" pitchFamily="34" charset="0"/>
               </a:rPr>
-              <a:t>Conclusion and </a:t>
-            </a:r>
-            <a:r>
-              <a:rPr lang="fr-FR" sz="1200" b="1" dirty="0" smtClean="0">
-                <a:solidFill>
-                  <a:schemeClr val="bg1"/>
-                </a:solidFill>
-                <a:latin typeface="Berlin Sans FB Demi" pitchFamily="34" charset="0"/>
-              </a:rPr>
-              <a:t>Perspective </a:t>
+              <a:t>Conclusion et Perspective </a:t>
             </a:r>
             <a:endParaRPr lang="en-US" sz="1200" dirty="0">
               <a:solidFill>
@@ -29040,11 +30444,6 @@
               </a:rPr>
               <a:t>9</a:t>
             </a:r>
-            <a:endParaRPr lang="fr-BE" dirty="0">
-              <a:solidFill>
-                <a:schemeClr val="bg1"/>
-              </a:solidFill>
-            </a:endParaRPr>
           </a:p>
         </p:txBody>
       </p:sp>
